--- a/docs/blog/journal_club/2025-04-16_kink_instability/index.pptx
+++ b/docs/blog/journal_club/2025-04-16_kink_instability/index.pptx
@@ -1,6 +1,6 @@
 
 <file path=ppt/presentation.xml><?xml version="1.0" encoding="utf-8"?>
-<p:presentation xmlns:a="http://schemas.openxmlformats.org/drawingml/2006/main" xmlns:p="http://schemas.openxmlformats.org/presentationml/2006/main" xmlns:r="http://schemas.openxmlformats.org/officeDocument/2006/relationships" autoCompressPictures="0" saveSubsetFonts="1">
+<p:presentation xmlns:a="http://schemas.openxmlformats.org/drawingml/2006/main" xmlns:r="http://schemas.openxmlformats.org/officeDocument/2006/relationships" xmlns:p="http://schemas.openxmlformats.org/presentationml/2006/main" saveSubsetFonts="1" autoCompressPictures="0">
   <p:sldMasterIdLst>
     <p:sldMasterId id="2147483648" r:id="rId1"/>
   </p:sldMasterIdLst>
@@ -31,8 +31,8 @@
     <a:defPPr>
       <a:defRPr lang="en-US"/>
     </a:defPPr>
-    <a:lvl1pPr algn="l" defTabSz="457200" eaLnBrk="1" hangingPunct="1" latinLnBrk="0" marL="0" rtl="0">
-      <a:defRPr kern="1200" sz="1800">
+    <a:lvl1pPr marL="0" algn="l" defTabSz="457200" rtl="0" eaLnBrk="1" latinLnBrk="0" hangingPunct="1">
+      <a:defRPr sz="1800" kern="1200">
         <a:solidFill>
           <a:schemeClr val="tx1"/>
         </a:solidFill>
@@ -41,8 +41,8 @@
         <a:cs typeface="+mn-cs"/>
       </a:defRPr>
     </a:lvl1pPr>
-    <a:lvl2pPr algn="l" defTabSz="457200" eaLnBrk="1" hangingPunct="1" latinLnBrk="0" marL="457200" rtl="0">
-      <a:defRPr kern="1200" sz="1800">
+    <a:lvl2pPr marL="457200" algn="l" defTabSz="457200" rtl="0" eaLnBrk="1" latinLnBrk="0" hangingPunct="1">
+      <a:defRPr sz="1800" kern="1200">
         <a:solidFill>
           <a:schemeClr val="tx1"/>
         </a:solidFill>
@@ -51,8 +51,8 @@
         <a:cs typeface="+mn-cs"/>
       </a:defRPr>
     </a:lvl2pPr>
-    <a:lvl3pPr algn="l" defTabSz="457200" eaLnBrk="1" hangingPunct="1" latinLnBrk="0" marL="914400" rtl="0">
-      <a:defRPr kern="1200" sz="1800">
+    <a:lvl3pPr marL="914400" algn="l" defTabSz="457200" rtl="0" eaLnBrk="1" latinLnBrk="0" hangingPunct="1">
+      <a:defRPr sz="1800" kern="1200">
         <a:solidFill>
           <a:schemeClr val="tx1"/>
         </a:solidFill>
@@ -61,8 +61,8 @@
         <a:cs typeface="+mn-cs"/>
       </a:defRPr>
     </a:lvl3pPr>
-    <a:lvl4pPr algn="l" defTabSz="457200" eaLnBrk="1" hangingPunct="1" latinLnBrk="0" marL="1371600" rtl="0">
-      <a:defRPr kern="1200" sz="1800">
+    <a:lvl4pPr marL="1371600" algn="l" defTabSz="457200" rtl="0" eaLnBrk="1" latinLnBrk="0" hangingPunct="1">
+      <a:defRPr sz="1800" kern="1200">
         <a:solidFill>
           <a:schemeClr val="tx1"/>
         </a:solidFill>
@@ -71,8 +71,8 @@
         <a:cs typeface="+mn-cs"/>
       </a:defRPr>
     </a:lvl4pPr>
-    <a:lvl5pPr algn="l" defTabSz="457200" eaLnBrk="1" hangingPunct="1" latinLnBrk="0" marL="1828800" rtl="0">
-      <a:defRPr kern="1200" sz="1800">
+    <a:lvl5pPr marL="1828800" algn="l" defTabSz="457200" rtl="0" eaLnBrk="1" latinLnBrk="0" hangingPunct="1">
+      <a:defRPr sz="1800" kern="1200">
         <a:solidFill>
           <a:schemeClr val="tx1"/>
         </a:solidFill>
@@ -81,8 +81,8 @@
         <a:cs typeface="+mn-cs"/>
       </a:defRPr>
     </a:lvl5pPr>
-    <a:lvl6pPr algn="l" defTabSz="457200" eaLnBrk="1" hangingPunct="1" latinLnBrk="0" marL="2286000" rtl="0">
-      <a:defRPr kern="1200" sz="1800">
+    <a:lvl6pPr marL="2286000" algn="l" defTabSz="457200" rtl="0" eaLnBrk="1" latinLnBrk="0" hangingPunct="1">
+      <a:defRPr sz="1800" kern="1200">
         <a:solidFill>
           <a:schemeClr val="tx1"/>
         </a:solidFill>
@@ -91,8 +91,8 @@
         <a:cs typeface="+mn-cs"/>
       </a:defRPr>
     </a:lvl6pPr>
-    <a:lvl7pPr algn="l" defTabSz="457200" eaLnBrk="1" hangingPunct="1" latinLnBrk="0" marL="2743200" rtl="0">
-      <a:defRPr kern="1200" sz="1800">
+    <a:lvl7pPr marL="2743200" algn="l" defTabSz="457200" rtl="0" eaLnBrk="1" latinLnBrk="0" hangingPunct="1">
+      <a:defRPr sz="1800" kern="1200">
         <a:solidFill>
           <a:schemeClr val="tx1"/>
         </a:solidFill>
@@ -101,8 +101,8 @@
         <a:cs typeface="+mn-cs"/>
       </a:defRPr>
     </a:lvl7pPr>
-    <a:lvl8pPr algn="l" defTabSz="457200" eaLnBrk="1" hangingPunct="1" latinLnBrk="0" marL="3200400" rtl="0">
-      <a:defRPr kern="1200" sz="1800">
+    <a:lvl8pPr marL="3200400" algn="l" defTabSz="457200" rtl="0" eaLnBrk="1" latinLnBrk="0" hangingPunct="1">
+      <a:defRPr sz="1800" kern="1200">
         <a:solidFill>
           <a:schemeClr val="tx1"/>
         </a:solidFill>
@@ -111,8 +111,8 @@
         <a:cs typeface="+mn-cs"/>
       </a:defRPr>
     </a:lvl8pPr>
-    <a:lvl9pPr algn="l" defTabSz="457200" eaLnBrk="1" hangingPunct="1" latinLnBrk="0" marL="3657600" rtl="0">
-      <a:defRPr kern="1200" sz="1800">
+    <a:lvl9pPr marL="3657600" algn="l" defTabSz="457200" rtl="0" eaLnBrk="1" latinLnBrk="0" hangingPunct="1">
+      <a:defRPr sz="1800" kern="1200">
         <a:solidFill>
           <a:schemeClr val="tx1"/>
         </a:solidFill>
@@ -223,7 +223,7 @@
           <a:p>
             <a:fld id="{0F9C1CCF-B725-44A7-AA57-5E433BD85C9F}" type="datetimeFigureOut">
               <a:rPr lang="en-US" smtClean="0"/>
-              <a:t>1/2/22</a:t>
+              <a:t>4/16/25</a:t>
             </a:fld>
             <a:endParaRPr lang="en-US"/>
           </a:p>
@@ -534,11 +534,10 @@
           <a:bodyPr/>
           <a:lstStyle/>
           <a:p>
-            <a:pPr lvl="0" indent="0" marL="0">
+            <a:pPr marL="0" lvl="0" indent="0">
               <a:buNone/>
             </a:pPr>
             <a:r>
-              <a:rPr/>
               <a:t>These drifts allow particles to gain energy from the inductive electric field, with the instantaneous rate of energy gain being connected to the spatial and temporal distribution of the magnetic field curvature. Figure 3(c) illustrates the energy evolution of particles that start highly magnetized and reach the confinement energy. These particles experience fast energy gains by encountering regions where the field curvature radius κ−1 is only a few times their gyroradius. Once they are accelerated to a large fraction (0.2–0.3) of the confinement energy, the guiding center approximation breaks down [Fig. 3(c)], and particles become effectively unmagnetized, moving with vz ∼ c along the jet axis. The acceleration stops when the particles either escape the jet spine in the transverse direction or when the electric field decays as the instability subsides.</a:t>
             </a:r>
           </a:p>
@@ -569,6 +568,9 @@
       </p:sp>
     </p:spTree>
   </p:cSld>
+  <p:clrMapOvr>
+    <a:masterClrMapping/>
+  </p:clrMapOvr>
 </p:notes>
 </file>
 
@@ -751,7 +753,7 @@
           <a:p>
             <a:fld id="{241EB5C9-1307-BA42-ABA2-0BC069CD8E7F}" type="datetimeFigureOut">
               <a:rPr lang="en-US" smtClean="0"/>
-              <a:t>1/2/22</a:t>
+              <a:t>4/16/25</a:t>
             </a:fld>
             <a:endParaRPr lang="en-US"/>
           </a:p>
@@ -919,7 +921,7 @@
           <a:p>
             <a:fld id="{241EB5C9-1307-BA42-ABA2-0BC069CD8E7F}" type="datetimeFigureOut">
               <a:rPr lang="en-US" smtClean="0"/>
-              <a:t>1/2/22</a:t>
+              <a:t>4/16/25</a:t>
             </a:fld>
             <a:endParaRPr lang="en-US"/>
           </a:p>
@@ -1097,7 +1099,7 @@
           <a:p>
             <a:fld id="{241EB5C9-1307-BA42-ABA2-0BC069CD8E7F}" type="datetimeFigureOut">
               <a:rPr lang="en-US" smtClean="0"/>
-              <a:t>1/2/22</a:t>
+              <a:t>4/16/25</a:t>
             </a:fld>
             <a:endParaRPr lang="en-US"/>
           </a:p>
@@ -1265,7 +1267,7 @@
           <a:p>
             <a:fld id="{241EB5C9-1307-BA42-ABA2-0BC069CD8E7F}" type="datetimeFigureOut">
               <a:rPr lang="en-US" smtClean="0"/>
-              <a:t>1/2/22</a:t>
+              <a:t>4/16/25</a:t>
             </a:fld>
             <a:endParaRPr lang="en-US"/>
           </a:p>
@@ -1510,7 +1512,7 @@
           <a:p>
             <a:fld id="{241EB5C9-1307-BA42-ABA2-0BC069CD8E7F}" type="datetimeFigureOut">
               <a:rPr lang="en-US" smtClean="0"/>
-              <a:t>1/2/22</a:t>
+              <a:t>4/16/25</a:t>
             </a:fld>
             <a:endParaRPr lang="en-US"/>
           </a:p>
@@ -1795,7 +1797,7 @@
           <a:p>
             <a:fld id="{241EB5C9-1307-BA42-ABA2-0BC069CD8E7F}" type="datetimeFigureOut">
               <a:rPr lang="en-US" smtClean="0"/>
-              <a:t>1/2/22</a:t>
+              <a:t>4/16/25</a:t>
             </a:fld>
             <a:endParaRPr lang="en-US"/>
           </a:p>
@@ -2214,7 +2216,7 @@
           <a:p>
             <a:fld id="{241EB5C9-1307-BA42-ABA2-0BC069CD8E7F}" type="datetimeFigureOut">
               <a:rPr lang="en-US" smtClean="0"/>
-              <a:t>1/2/22</a:t>
+              <a:t>4/16/25</a:t>
             </a:fld>
             <a:endParaRPr lang="en-US"/>
           </a:p>
@@ -2331,7 +2333,7 @@
           <a:p>
             <a:fld id="{241EB5C9-1307-BA42-ABA2-0BC069CD8E7F}" type="datetimeFigureOut">
               <a:rPr lang="en-US" smtClean="0"/>
-              <a:t>1/2/22</a:t>
+              <a:t>4/16/25</a:t>
             </a:fld>
             <a:endParaRPr lang="en-US"/>
           </a:p>
@@ -2426,7 +2428,7 @@
           <a:p>
             <a:fld id="{241EB5C9-1307-BA42-ABA2-0BC069CD8E7F}" type="datetimeFigureOut">
               <a:rPr lang="en-US" smtClean="0"/>
-              <a:t>1/2/22</a:t>
+              <a:t>4/16/25</a:t>
             </a:fld>
             <a:endParaRPr lang="en-US"/>
           </a:p>
@@ -2701,7 +2703,7 @@
           <a:p>
             <a:fld id="{241EB5C9-1307-BA42-ABA2-0BC069CD8E7F}" type="datetimeFigureOut">
               <a:rPr lang="en-US" smtClean="0"/>
-              <a:t>1/2/22</a:t>
+              <a:t>4/16/25</a:t>
             </a:fld>
             <a:endParaRPr lang="en-US"/>
           </a:p>
@@ -2953,7 +2955,7 @@
           <a:p>
             <a:fld id="{241EB5C9-1307-BA42-ABA2-0BC069CD8E7F}" type="datetimeFigureOut">
               <a:rPr lang="en-US" smtClean="0"/>
-              <a:t>1/2/22</a:t>
+              <a:t>4/16/25</a:t>
             </a:fld>
             <a:endParaRPr lang="en-US"/>
           </a:p>
@@ -3015,7 +3017,7 @@
 </file>
 
 <file path=ppt/slideMasters/slideMaster1.xml><?xml version="1.0" encoding="utf-8"?>
-<p:sldMaster xmlns:a="http://schemas.openxmlformats.org/drawingml/2006/main" xmlns:p="http://schemas.openxmlformats.org/presentationml/2006/main" xmlns:r="http://schemas.openxmlformats.org/officeDocument/2006/relationships">
+<p:sldMaster xmlns:a="http://schemas.openxmlformats.org/drawingml/2006/main" xmlns:r="http://schemas.openxmlformats.org/officeDocument/2006/relationships" xmlns:p="http://schemas.openxmlformats.org/presentationml/2006/main">
   <p:cSld>
     <p:bg>
       <p:bgRef idx="1001">
@@ -3056,7 +3058,7 @@
           </a:prstGeom>
         </p:spPr>
         <p:txBody>
-          <a:bodyPr anchor="ctr" bIns="45720" lIns="91440" rIns="91440" rtlCol="0" tIns="45720" vert="horz">
+          <a:bodyPr vert="horz" lIns="91440" tIns="45720" rIns="91440" bIns="45720" rtlCol="0" anchor="ctr">
             <a:normAutofit/>
           </a:bodyPr>
           <a:lstStyle/>
@@ -3075,7 +3077,7 @@
             <a:spLocks noGrp="1"/>
           </p:cNvSpPr>
           <p:nvPr>
-            <p:ph idx="1" type="body"/>
+            <p:ph type="body" idx="1"/>
           </p:nvPr>
         </p:nvSpPr>
         <p:spPr>
@@ -3088,7 +3090,7 @@
           </a:prstGeom>
         </p:spPr>
         <p:txBody>
-          <a:bodyPr bIns="45720" lIns="91440" rIns="91440" rtlCol="0" tIns="45720" vert="horz">
+          <a:bodyPr vert="horz" lIns="91440" tIns="45720" rIns="91440" bIns="45720" rtlCol="0">
             <a:normAutofit/>
           </a:bodyPr>
           <a:lstStyle/>
@@ -3136,7 +3138,7 @@
             <a:spLocks noGrp="1"/>
           </p:cNvSpPr>
           <p:nvPr>
-            <p:ph idx="2" sz="half" type="dt"/>
+            <p:ph type="dt" sz="half" idx="2"/>
           </p:nvPr>
         </p:nvSpPr>
         <p:spPr>
@@ -3149,7 +3151,7 @@
           </a:prstGeom>
         </p:spPr>
         <p:txBody>
-          <a:bodyPr anchor="ctr" bIns="45720" lIns="91440" rIns="91440" rtlCol="0" tIns="45720" vert="horz"/>
+          <a:bodyPr vert="horz" lIns="91440" tIns="45720" rIns="91440" bIns="45720" rtlCol="0" anchor="ctr"/>
           <a:lstStyle>
             <a:lvl1pPr algn="l">
               <a:defRPr sz="900">
@@ -3164,7 +3166,7 @@
           <a:p>
             <a:fld id="{241EB5C9-1307-BA42-ABA2-0BC069CD8E7F}" type="datetimeFigureOut">
               <a:rPr lang="en-US" smtClean="0"/>
-              <a:t>1/2/22</a:t>
+              <a:t>4/16/25</a:t>
             </a:fld>
             <a:endParaRPr lang="en-US"/>
           </a:p>
@@ -3177,7 +3179,7 @@
             <a:spLocks noGrp="1"/>
           </p:cNvSpPr>
           <p:nvPr>
-            <p:ph idx="3" sz="quarter" type="ftr"/>
+            <p:ph type="ftr" sz="quarter" idx="3"/>
           </p:nvPr>
         </p:nvSpPr>
         <p:spPr>
@@ -3190,7 +3192,7 @@
           </a:prstGeom>
         </p:spPr>
         <p:txBody>
-          <a:bodyPr anchor="ctr" bIns="45720" lIns="91440" rIns="91440" rtlCol="0" tIns="45720" vert="horz"/>
+          <a:bodyPr vert="horz" lIns="91440" tIns="45720" rIns="91440" bIns="45720" rtlCol="0" anchor="ctr"/>
           <a:lstStyle>
             <a:lvl1pPr algn="ctr">
               <a:defRPr sz="900">
@@ -3214,7 +3216,7 @@
             <a:spLocks noGrp="1"/>
           </p:cNvSpPr>
           <p:nvPr>
-            <p:ph idx="4" sz="quarter" type="sldNum"/>
+            <p:ph type="sldNum" sz="quarter" idx="4"/>
           </p:nvPr>
         </p:nvSpPr>
         <p:spPr>
@@ -3227,7 +3229,7 @@
           </a:prstGeom>
         </p:spPr>
         <p:txBody>
-          <a:bodyPr anchor="ctr" bIns="45720" lIns="91440" rIns="91440" rtlCol="0" tIns="45720" vert="horz"/>
+          <a:bodyPr vert="horz" lIns="91440" tIns="45720" rIns="91440" bIns="45720" rtlCol="0" anchor="ctr"/>
           <a:lstStyle>
             <a:lvl1pPr algn="r">
               <a:defRPr sz="900">
@@ -3255,7 +3257,7 @@
       </p:ext>
     </p:extLst>
   </p:cSld>
-  <p:clrMap accent1="accent1" accent2="accent2" accent3="accent3" accent4="accent4" accent5="accent5" accent6="accent6" bg1="lt1" bg2="lt2" folHlink="folHlink" hlink="hlink" tx1="dk1" tx2="dk2"/>
+  <p:clrMap bg1="lt1" tx1="dk1" bg2="lt2" tx2="dk2" accent1="accent1" accent2="accent2" accent3="accent3" accent4="accent4" accent5="accent5" accent6="accent6" hlink="hlink" folHlink="folHlink"/>
   <p:sldLayoutIdLst>
     <p:sldLayoutId id="2147483649" r:id="rId1"/>
     <p:sldLayoutId id="2147483650" r:id="rId2"/>
@@ -3271,12 +3273,12 @@
   </p:sldLayoutIdLst>
   <p:txStyles>
     <p:titleStyle>
-      <a:lvl1pPr algn="ctr" defTabSz="342900" eaLnBrk="1" hangingPunct="1" latinLnBrk="0" rtl="0">
+      <a:lvl1pPr algn="ctr" defTabSz="342900" rtl="0" eaLnBrk="1" latinLnBrk="0" hangingPunct="1">
         <a:spcBef>
           <a:spcPct val="0"/>
         </a:spcBef>
         <a:buNone/>
-        <a:defRPr kern="1200" sz="3300">
+        <a:defRPr sz="3300" kern="1200">
           <a:solidFill>
             <a:schemeClr val="tx1"/>
           </a:solidFill>
@@ -3287,13 +3289,13 @@
       </a:lvl1pPr>
     </p:titleStyle>
     <p:bodyStyle>
-      <a:lvl1pPr algn="l" defTabSz="342900" eaLnBrk="1" hangingPunct="1" indent="-342900" latinLnBrk="0" marL="342900" rtl="0">
+      <a:lvl1pPr marL="342900" indent="-342900" algn="l" defTabSz="342900" rtl="0" eaLnBrk="1" latinLnBrk="0" hangingPunct="1">
         <a:spcBef>
           <a:spcPct val="20000"/>
         </a:spcBef>
         <a:buFont typeface="Arial"/>
         <a:buChar char="•"/>
-        <a:defRPr kern="1200" sz="2400">
+        <a:defRPr sz="2400" kern="1200">
           <a:solidFill>
             <a:schemeClr val="tx1"/>
           </a:solidFill>
@@ -3302,13 +3304,13 @@
           <a:cs typeface="+mn-cs"/>
         </a:defRPr>
       </a:lvl1pPr>
-      <a:lvl2pPr algn="l" defTabSz="342900" eaLnBrk="1" hangingPunct="1" indent="-342900" latinLnBrk="0" marL="685800" rtl="0">
+      <a:lvl2pPr marL="685800" indent="-342900" algn="l" defTabSz="342900" rtl="0" eaLnBrk="1" latinLnBrk="0" hangingPunct="1">
         <a:spcBef>
           <a:spcPct val="20000"/>
         </a:spcBef>
         <a:buFont typeface="Arial"/>
         <a:buChar char="–"/>
-        <a:defRPr kern="1200" sz="2100">
+        <a:defRPr sz="2100" kern="1200">
           <a:solidFill>
             <a:schemeClr val="tx1"/>
           </a:solidFill>
@@ -3317,13 +3319,13 @@
           <a:cs typeface="+mn-cs"/>
         </a:defRPr>
       </a:lvl2pPr>
-      <a:lvl3pPr algn="l" defTabSz="342900" eaLnBrk="1" hangingPunct="1" indent="-342900" latinLnBrk="0" marL="1028700" rtl="0">
+      <a:lvl3pPr marL="1028700" indent="-342900" algn="l" defTabSz="342900" rtl="0" eaLnBrk="1" latinLnBrk="0" hangingPunct="1">
         <a:spcBef>
           <a:spcPct val="20000"/>
         </a:spcBef>
         <a:buFont typeface="Arial"/>
         <a:buChar char="•"/>
-        <a:defRPr kern="1200" sz="1800">
+        <a:defRPr sz="1800" kern="1200">
           <a:solidFill>
             <a:schemeClr val="tx1"/>
           </a:solidFill>
@@ -3332,13 +3334,13 @@
           <a:cs typeface="+mn-cs"/>
         </a:defRPr>
       </a:lvl3pPr>
-      <a:lvl4pPr algn="l" defTabSz="342900" eaLnBrk="1" hangingPunct="1" indent="-342900" latinLnBrk="0" marL="1371600" rtl="0">
+      <a:lvl4pPr marL="1371600" indent="-342900" algn="l" defTabSz="342900" rtl="0" eaLnBrk="1" latinLnBrk="0" hangingPunct="1">
         <a:spcBef>
           <a:spcPct val="20000"/>
         </a:spcBef>
         <a:buFont typeface="Arial"/>
         <a:buChar char="–"/>
-        <a:defRPr kern="1200" sz="1500">
+        <a:defRPr sz="1500" kern="1200">
           <a:solidFill>
             <a:schemeClr val="tx1"/>
           </a:solidFill>
@@ -3347,13 +3349,13 @@
           <a:cs typeface="+mn-cs"/>
         </a:defRPr>
       </a:lvl4pPr>
-      <a:lvl5pPr algn="l" defTabSz="342900" eaLnBrk="1" hangingPunct="1" indent="-342900" latinLnBrk="0" marL="1714500" rtl="0">
+      <a:lvl5pPr marL="1714500" indent="-342900" algn="l" defTabSz="342900" rtl="0" eaLnBrk="1" latinLnBrk="0" hangingPunct="1">
         <a:spcBef>
           <a:spcPct val="20000"/>
         </a:spcBef>
         <a:buFont typeface="Arial"/>
         <a:buChar char="»"/>
-        <a:defRPr kern="1200" sz="1500">
+        <a:defRPr sz="1500" kern="1200">
           <a:solidFill>
             <a:schemeClr val="tx1"/>
           </a:solidFill>
@@ -3362,13 +3364,13 @@
           <a:cs typeface="+mn-cs"/>
         </a:defRPr>
       </a:lvl5pPr>
-      <a:lvl6pPr algn="l" defTabSz="342900" eaLnBrk="1" hangingPunct="1" indent="-342900" latinLnBrk="0" marL="2057400" rtl="0">
+      <a:lvl6pPr marL="2057400" indent="-342900" algn="l" defTabSz="342900" rtl="0" eaLnBrk="1" latinLnBrk="0" hangingPunct="1">
         <a:spcBef>
           <a:spcPct val="20000"/>
         </a:spcBef>
         <a:buFont typeface="Arial"/>
         <a:buChar char="•"/>
-        <a:defRPr kern="1200" sz="1500">
+        <a:defRPr sz="1500" kern="1200">
           <a:solidFill>
             <a:schemeClr val="tx1"/>
           </a:solidFill>
@@ -3377,13 +3379,13 @@
           <a:cs typeface="+mn-cs"/>
         </a:defRPr>
       </a:lvl6pPr>
-      <a:lvl7pPr algn="l" defTabSz="342900" eaLnBrk="1" hangingPunct="1" indent="-342900" latinLnBrk="0" marL="2400300" rtl="0">
+      <a:lvl7pPr marL="2400300" indent="-342900" algn="l" defTabSz="342900" rtl="0" eaLnBrk="1" latinLnBrk="0" hangingPunct="1">
         <a:spcBef>
           <a:spcPct val="20000"/>
         </a:spcBef>
         <a:buFont typeface="Arial"/>
         <a:buChar char="•"/>
-        <a:defRPr kern="1200" sz="1500">
+        <a:defRPr sz="1500" kern="1200">
           <a:solidFill>
             <a:schemeClr val="tx1"/>
           </a:solidFill>
@@ -3392,13 +3394,13 @@
           <a:cs typeface="+mn-cs"/>
         </a:defRPr>
       </a:lvl7pPr>
-      <a:lvl8pPr algn="l" defTabSz="342900" eaLnBrk="1" hangingPunct="1" indent="-342900" latinLnBrk="0" marL="2743200" rtl="0">
+      <a:lvl8pPr marL="2743200" indent="-342900" algn="l" defTabSz="342900" rtl="0" eaLnBrk="1" latinLnBrk="0" hangingPunct="1">
         <a:spcBef>
           <a:spcPct val="20000"/>
         </a:spcBef>
         <a:buFont typeface="Arial"/>
         <a:buChar char="•"/>
-        <a:defRPr kern="1200" sz="1500">
+        <a:defRPr sz="1500" kern="1200">
           <a:solidFill>
             <a:schemeClr val="tx1"/>
           </a:solidFill>
@@ -3407,13 +3409,13 @@
           <a:cs typeface="+mn-cs"/>
         </a:defRPr>
       </a:lvl8pPr>
-      <a:lvl9pPr algn="l" defTabSz="342900" eaLnBrk="1" hangingPunct="1" indent="-342900" latinLnBrk="0" marL="3086100" rtl="0">
+      <a:lvl9pPr marL="3086100" indent="-342900" algn="l" defTabSz="342900" rtl="0" eaLnBrk="1" latinLnBrk="0" hangingPunct="1">
         <a:spcBef>
           <a:spcPct val="20000"/>
         </a:spcBef>
         <a:buFont typeface="Arial"/>
         <a:buChar char="•"/>
-        <a:defRPr kern="1200" sz="1500">
+        <a:defRPr sz="1500" kern="1200">
           <a:solidFill>
             <a:schemeClr val="tx1"/>
           </a:solidFill>
@@ -3427,8 +3429,8 @@
       <a:defPPr>
         <a:defRPr lang="en-US"/>
       </a:defPPr>
-      <a:lvl1pPr algn="l" defTabSz="342900" eaLnBrk="1" hangingPunct="1" latinLnBrk="0" marL="0" rtl="0">
-        <a:defRPr kern="1200" sz="1350">
+      <a:lvl1pPr marL="0" algn="l" defTabSz="342900" rtl="0" eaLnBrk="1" latinLnBrk="0" hangingPunct="1">
+        <a:defRPr sz="1350" kern="1200">
           <a:solidFill>
             <a:schemeClr val="tx1"/>
           </a:solidFill>
@@ -3437,8 +3439,8 @@
           <a:cs typeface="+mn-cs"/>
         </a:defRPr>
       </a:lvl1pPr>
-      <a:lvl2pPr algn="l" defTabSz="342900" eaLnBrk="1" hangingPunct="1" latinLnBrk="0" marL="342900" rtl="0">
-        <a:defRPr kern="1200" sz="1350">
+      <a:lvl2pPr marL="342900" algn="l" defTabSz="342900" rtl="0" eaLnBrk="1" latinLnBrk="0" hangingPunct="1">
+        <a:defRPr sz="1350" kern="1200">
           <a:solidFill>
             <a:schemeClr val="tx1"/>
           </a:solidFill>
@@ -3447,8 +3449,8 @@
           <a:cs typeface="+mn-cs"/>
         </a:defRPr>
       </a:lvl2pPr>
-      <a:lvl3pPr algn="l" defTabSz="342900" eaLnBrk="1" hangingPunct="1" latinLnBrk="0" marL="685800" rtl="0">
-        <a:defRPr kern="1200" sz="1350">
+      <a:lvl3pPr marL="685800" algn="l" defTabSz="342900" rtl="0" eaLnBrk="1" latinLnBrk="0" hangingPunct="1">
+        <a:defRPr sz="1350" kern="1200">
           <a:solidFill>
             <a:schemeClr val="tx1"/>
           </a:solidFill>
@@ -3457,8 +3459,8 @@
           <a:cs typeface="+mn-cs"/>
         </a:defRPr>
       </a:lvl3pPr>
-      <a:lvl4pPr algn="l" defTabSz="342900" eaLnBrk="1" hangingPunct="1" latinLnBrk="0" marL="1028700" rtl="0">
-        <a:defRPr kern="1200" sz="1350">
+      <a:lvl4pPr marL="1028700" algn="l" defTabSz="342900" rtl="0" eaLnBrk="1" latinLnBrk="0" hangingPunct="1">
+        <a:defRPr sz="1350" kern="1200">
           <a:solidFill>
             <a:schemeClr val="tx1"/>
           </a:solidFill>
@@ -3467,8 +3469,8 @@
           <a:cs typeface="+mn-cs"/>
         </a:defRPr>
       </a:lvl4pPr>
-      <a:lvl5pPr algn="l" defTabSz="342900" eaLnBrk="1" hangingPunct="1" latinLnBrk="0" marL="1371600" rtl="0">
-        <a:defRPr kern="1200" sz="1350">
+      <a:lvl5pPr marL="1371600" algn="l" defTabSz="342900" rtl="0" eaLnBrk="1" latinLnBrk="0" hangingPunct="1">
+        <a:defRPr sz="1350" kern="1200">
           <a:solidFill>
             <a:schemeClr val="tx1"/>
           </a:solidFill>
@@ -3477,8 +3479,8 @@
           <a:cs typeface="+mn-cs"/>
         </a:defRPr>
       </a:lvl5pPr>
-      <a:lvl6pPr algn="l" defTabSz="342900" eaLnBrk="1" hangingPunct="1" latinLnBrk="0" marL="1714500" rtl="0">
-        <a:defRPr kern="1200" sz="1350">
+      <a:lvl6pPr marL="1714500" algn="l" defTabSz="342900" rtl="0" eaLnBrk="1" latinLnBrk="0" hangingPunct="1">
+        <a:defRPr sz="1350" kern="1200">
           <a:solidFill>
             <a:schemeClr val="tx1"/>
           </a:solidFill>
@@ -3487,8 +3489,8 @@
           <a:cs typeface="+mn-cs"/>
         </a:defRPr>
       </a:lvl6pPr>
-      <a:lvl7pPr algn="l" defTabSz="342900" eaLnBrk="1" hangingPunct="1" latinLnBrk="0" marL="2057400" rtl="0">
-        <a:defRPr kern="1200" sz="1350">
+      <a:lvl7pPr marL="2057400" algn="l" defTabSz="342900" rtl="0" eaLnBrk="1" latinLnBrk="0" hangingPunct="1">
+        <a:defRPr sz="1350" kern="1200">
           <a:solidFill>
             <a:schemeClr val="tx1"/>
           </a:solidFill>
@@ -3497,8 +3499,8 @@
           <a:cs typeface="+mn-cs"/>
         </a:defRPr>
       </a:lvl7pPr>
-      <a:lvl8pPr algn="l" defTabSz="342900" eaLnBrk="1" hangingPunct="1" latinLnBrk="0" marL="2400300" rtl="0">
-        <a:defRPr kern="1200" sz="1350">
+      <a:lvl8pPr marL="2400300" algn="l" defTabSz="342900" rtl="0" eaLnBrk="1" latinLnBrk="0" hangingPunct="1">
+        <a:defRPr sz="1350" kern="1200">
           <a:solidFill>
             <a:schemeClr val="tx1"/>
           </a:solidFill>
@@ -3507,8 +3509,8 @@
           <a:cs typeface="+mn-cs"/>
         </a:defRPr>
       </a:lvl8pPr>
-      <a:lvl9pPr algn="l" defTabSz="342900" eaLnBrk="1" hangingPunct="1" latinLnBrk="0" marL="2743200" rtl="0">
-        <a:defRPr kern="1200" sz="1350">
+      <a:lvl9pPr marL="2743200" algn="l" defTabSz="342900" rtl="0" eaLnBrk="1" latinLnBrk="0" hangingPunct="1">
+        <a:defRPr sz="1350" kern="1200">
           <a:solidFill>
             <a:schemeClr val="tx1"/>
           </a:solidFill>
@@ -3559,11 +3561,10 @@
           <a:bodyPr/>
           <a:lstStyle/>
           <a:p>
-            <a:pPr lvl="0" indent="0" marL="0">
+            <a:pPr marL="0" lvl="0" indent="0">
               <a:buNone/>
             </a:pPr>
             <a:r>
-              <a:rPr/>
               <a:t>Efficient Nonthermal Particle Acceleration</a:t>
             </a:r>
           </a:p>
@@ -3576,7 +3577,7 @@
             <a:spLocks noGrp="1"/>
           </p:cNvSpPr>
           <p:nvPr>
-            <p:ph idx="1" type="subTitle"/>
+            <p:ph type="subTitle" idx="1"/>
           </p:nvPr>
         </p:nvSpPr>
         <p:spPr>
@@ -3586,30 +3587,28 @@
           </a:xfrm>
         </p:spPr>
         <p:txBody>
-          <a:bodyPr/>
-          <a:lstStyle/>
-          <a:p>
-            <a:pPr lvl="0" indent="0" marL="0">
+          <a:bodyPr>
+            <a:normAutofit fontScale="77500" lnSpcReduction="20000"/>
+          </a:bodyPr>
+          <a:lstStyle/>
+          <a:p>
+            <a:pPr marL="0" lvl="0" indent="0">
               <a:buNone/>
             </a:pPr>
             <a:r>
-              <a:rPr/>
               <a:t>by the Kink Instability in Relativistic Jets</a:t>
             </a:r>
             <a:br/>
             <a:br/>
             <a:r>
-              <a:rPr/>
               <a:t>E. P. Alves</a:t>
             </a:r>
             <a:br/>
             <a:r>
-              <a:rPr/>
               <a:t>J. Zrake</a:t>
             </a:r>
             <a:br/>
             <a:r>
-              <a:rPr/>
               <a:t>F. Fiuza</a:t>
             </a:r>
           </a:p>
@@ -3622,7 +3621,7 @@
             <a:spLocks noGrp="1"/>
           </p:cNvSpPr>
           <p:nvPr>
-            <p:ph idx="10" sz="half" type="dt"/>
+            <p:ph type="dt" sz="half" idx="10"/>
           </p:nvPr>
         </p:nvSpPr>
         <p:spPr/>
@@ -3630,11 +3629,10 @@
           <a:bodyPr/>
           <a:lstStyle/>
           <a:p>
-            <a:pPr lvl="0" indent="0" marL="0">
+            <a:pPr marL="0" lvl="0" indent="0">
               <a:buNone/>
             </a:pPr>
             <a:r>
-              <a:rPr/>
               <a:t>2025-04-16</a:t>
             </a:r>
           </a:p>
@@ -3642,6 +3640,9 @@
       </p:sp>
     </p:spTree>
   </p:cSld>
+  <p:clrMapOvr>
+    <a:masterClrMapping/>
+  </p:clrMapOvr>
 </p:sld>
 </file>
 
@@ -3677,55 +3678,24 @@
           <a:bodyPr/>
           <a:lstStyle/>
           <a:p>
-            <a:pPr lvl="0" indent="0" marL="0">
+            <a:pPr marL="0" lvl="0" indent="0">
               <a:buNone/>
             </a:pPr>
             <a:r>
-              <a:rPr/>
               <a:t>Simulation results</a:t>
             </a:r>
           </a:p>
         </p:txBody>
       </p:sp>
-      <p:pic>
-        <p:nvPicPr>
-          <p:cNvPr descr="https://physics.aps.org/assets/829f4489-3b81-4ea3-b32e-1bfad1b6aa20/video1.mp4" id="0" name="Picture 1"/>
-          <p:cNvPicPr>
-            <a:picLocks noGrp="1" noChangeAspect="1"/>
-          </p:cNvPicPr>
-          <p:nvPr/>
-        </p:nvPicPr>
-        <p:blipFill>
-          <a:blip r:embed="rId2"/>
-          <a:stretch>
-            <a:fillRect/>
-          </a:stretch>
-        </p:blipFill>
-        <p:spPr bwMode="auto">
-          <a:xfrm>
-            <a:off x="2413000" y="1193800"/>
-            <a:ext cx="4318000" cy="2882900"/>
-          </a:xfrm>
-          <a:prstGeom prst="rect">
-            <a:avLst/>
-          </a:prstGeom>
-          <a:noFill/>
-          <a:ln w="9525">
-            <a:noFill/>
-            <a:headEnd/>
-            <a:tailEnd/>
-          </a:ln>
-        </p:spPr>
-      </p:pic>
-      <p:sp>
-        <p:nvSpPr>
-          <p:cNvPr id="1" name="TextBox 3"/>
+      <p:sp>
+        <p:nvSpPr>
+          <p:cNvPr id="4" name="TextBox 3"/>
           <p:cNvSpPr txBox="1"/>
           <p:nvPr/>
         </p:nvSpPr>
         <p:spPr>
           <a:xfrm>
-            <a:off x="457200" y="4076700"/>
+            <a:off x="457200" y="4746171"/>
             <a:ext cx="8229600" cy="508000"/>
           </a:xfrm>
           <a:prstGeom prst="rect">
@@ -3737,18 +3707,194 @@
           <a:bodyPr/>
           <a:lstStyle/>
           <a:p>
-            <a:pPr lvl="0" indent="0" marL="0" algn="ctr">
+            <a:pPr marL="0" lvl="0" indent="0" algn="ctr">
               <a:buNone/>
             </a:pPr>
             <a:r>
-              <a:rPr/>
+              <a:rPr dirty="0"/>
               <a:t>Evolution of the jet structure subject to the kink instability</a:t>
             </a:r>
           </a:p>
         </p:txBody>
       </p:sp>
+      <p:pic>
+        <p:nvPicPr>
+          <p:cNvPr id="5" name="video1">
+            <a:hlinkClick r:id="" action="ppaction://media"/>
+            <a:extLst>
+              <a:ext uri="{FF2B5EF4-FFF2-40B4-BE49-F238E27FC236}">
+                <a16:creationId xmlns:a16="http://schemas.microsoft.com/office/drawing/2014/main" id="{7D69D9C1-48D7-0F0F-B3C7-8EDF1435069B}"/>
+              </a:ext>
+            </a:extLst>
+          </p:cNvPr>
+          <p:cNvPicPr>
+            <a:picLocks noChangeAspect="1"/>
+          </p:cNvPicPr>
+          <p:nvPr>
+            <a:videoFile r:link="rId2"/>
+            <p:extLst>
+              <p:ext uri="{DAA4B4D4-6D71-4841-9C94-3DE7FCFB9230}">
+                <p14:media xmlns:p14="http://schemas.microsoft.com/office/powerpoint/2010/main" r:embed="rId1"/>
+              </p:ext>
+            </p:extLst>
+          </p:nvPr>
+        </p:nvPicPr>
+        <p:blipFill>
+          <a:blip r:embed="rId4"/>
+          <a:stretch>
+            <a:fillRect/>
+          </a:stretch>
+        </p:blipFill>
+        <p:spPr>
+          <a:xfrm>
+            <a:off x="0" y="1204487"/>
+            <a:ext cx="9144000" cy="3400425"/>
+          </a:xfrm>
+          <a:prstGeom prst="rect">
+            <a:avLst/>
+          </a:prstGeom>
+        </p:spPr>
+      </p:pic>
     </p:spTree>
   </p:cSld>
+  <p:clrMapOvr>
+    <a:masterClrMapping/>
+  </p:clrMapOvr>
+  <p:timing>
+    <p:tnLst>
+      <p:par>
+        <p:cTn id="1" dur="indefinite" restart="never" nodeType="tmRoot">
+          <p:childTnLst>
+            <p:seq concurrent="1" nextAc="seek">
+              <p:cTn id="2" dur="indefinite" nodeType="mainSeq">
+                <p:childTnLst>
+                  <p:par>
+                    <p:cTn id="3" fill="hold">
+                      <p:stCondLst>
+                        <p:cond delay="indefinite"/>
+                      </p:stCondLst>
+                      <p:childTnLst>
+                        <p:par>
+                          <p:cTn id="4" fill="hold">
+                            <p:stCondLst>
+                              <p:cond delay="0"/>
+                            </p:stCondLst>
+                            <p:childTnLst>
+                              <p:par>
+                                <p:cTn id="5" presetID="1" presetClass="mediacall" presetSubtype="0" fill="hold" nodeType="clickEffect">
+                                  <p:stCondLst>
+                                    <p:cond delay="0"/>
+                                  </p:stCondLst>
+                                  <p:childTnLst>
+                                    <p:cmd type="call" cmd="playFrom(0.0)">
+                                      <p:cBhvr>
+                                        <p:cTn id="6" dur="14699" fill="hold"/>
+                                        <p:tgtEl>
+                                          <p:spTgt spid="5"/>
+                                        </p:tgtEl>
+                                      </p:cBhvr>
+                                    </p:cmd>
+                                  </p:childTnLst>
+                                </p:cTn>
+                              </p:par>
+                            </p:childTnLst>
+                          </p:cTn>
+                        </p:par>
+                      </p:childTnLst>
+                    </p:cTn>
+                  </p:par>
+                </p:childTnLst>
+              </p:cTn>
+              <p:prevCondLst>
+                <p:cond evt="onPrev" delay="0">
+                  <p:tgtEl>
+                    <p:sldTgt/>
+                  </p:tgtEl>
+                </p:cond>
+              </p:prevCondLst>
+              <p:nextCondLst>
+                <p:cond evt="onNext" delay="0">
+                  <p:tgtEl>
+                    <p:sldTgt/>
+                  </p:tgtEl>
+                </p:cond>
+              </p:nextCondLst>
+            </p:seq>
+            <p:video>
+              <p:cMediaNode vol="80000">
+                <p:cTn id="7" fill="hold" display="0">
+                  <p:stCondLst>
+                    <p:cond delay="indefinite"/>
+                  </p:stCondLst>
+                </p:cTn>
+                <p:tgtEl>
+                  <p:spTgt spid="5"/>
+                </p:tgtEl>
+              </p:cMediaNode>
+            </p:video>
+            <p:seq concurrent="1" nextAc="seek">
+              <p:cTn id="8" restart="whenNotActive" fill="hold" evtFilter="cancelBubble" nodeType="interactiveSeq">
+                <p:stCondLst>
+                  <p:cond evt="onClick" delay="0">
+                    <p:tgtEl>
+                      <p:spTgt spid="5"/>
+                    </p:tgtEl>
+                  </p:cond>
+                </p:stCondLst>
+                <p:endSync evt="end" delay="0">
+                  <p:rtn val="all"/>
+                </p:endSync>
+                <p:childTnLst>
+                  <p:par>
+                    <p:cTn id="9" fill="hold">
+                      <p:stCondLst>
+                        <p:cond delay="0"/>
+                      </p:stCondLst>
+                      <p:childTnLst>
+                        <p:par>
+                          <p:cTn id="10" fill="hold">
+                            <p:stCondLst>
+                              <p:cond delay="0"/>
+                            </p:stCondLst>
+                            <p:childTnLst>
+                              <p:par>
+                                <p:cTn id="11" presetID="2" presetClass="mediacall" presetSubtype="0" fill="hold" nodeType="clickEffect">
+                                  <p:stCondLst>
+                                    <p:cond delay="0"/>
+                                  </p:stCondLst>
+                                  <p:childTnLst>
+                                    <p:cmd type="call" cmd="togglePause">
+                                      <p:cBhvr>
+                                        <p:cTn id="12" dur="1" fill="hold"/>
+                                        <p:tgtEl>
+                                          <p:spTgt spid="5"/>
+                                        </p:tgtEl>
+                                      </p:cBhvr>
+                                    </p:cmd>
+                                  </p:childTnLst>
+                                </p:cTn>
+                              </p:par>
+                            </p:childTnLst>
+                          </p:cTn>
+                        </p:par>
+                      </p:childTnLst>
+                    </p:cTn>
+                  </p:par>
+                </p:childTnLst>
+              </p:cTn>
+              <p:nextCondLst>
+                <p:cond evt="onClick" delay="0">
+                  <p:tgtEl>
+                    <p:spTgt spid="5"/>
+                  </p:tgtEl>
+                </p:cond>
+              </p:nextCondLst>
+            </p:seq>
+          </p:childTnLst>
+        </p:cTn>
+      </p:par>
+    </p:tnLst>
+  </p:timing>
 </p:sld>
 </file>
 
@@ -3784,11 +3930,10 @@
           <a:bodyPr/>
           <a:lstStyle/>
           <a:p>
-            <a:pPr lvl="0" indent="0" marL="0">
+            <a:pPr marL="0" lvl="0" indent="0">
               <a:buNone/>
             </a:pPr>
             <a:r>
-              <a:rPr/>
               <a:t>Simulation results</a:t>
             </a:r>
           </a:p>
@@ -3796,7 +3941,7 @@
       </p:sp>
       <p:pic>
         <p:nvPicPr>
-          <p:cNvPr descr="20250416113511.png" id="0" name="Picture 1"/>
+          <p:cNvPr id="3" name="Picture 1" descr="20250416113511.png"/>
           <p:cNvPicPr>
             <a:picLocks noGrp="1" noChangeAspect="1"/>
           </p:cNvPicPr>
@@ -3826,7 +3971,7 @@
       </p:pic>
       <p:sp>
         <p:nvSpPr>
-          <p:cNvPr id="1" name="TextBox 3"/>
+          <p:cNvPr id="4" name="TextBox 3"/>
           <p:cNvSpPr txBox="1"/>
           <p:nvPr/>
         </p:nvSpPr>
@@ -3844,11 +3989,10 @@
           <a:bodyPr/>
           <a:lstStyle/>
           <a:p>
-            <a:pPr lvl="0" indent="0" marL="0" algn="ctr">
+            <a:pPr marL="0" lvl="0" indent="0" algn="ctr">
               <a:buNone/>
             </a:pPr>
             <a:r>
-              <a:rPr/>
               <a:t>Evolution of the jet structure subject to the kink instability</a:t>
             </a:r>
           </a:p>
@@ -3856,6 +4000,9 @@
       </p:sp>
     </p:spTree>
   </p:cSld>
+  <p:clrMapOvr>
+    <a:masterClrMapping/>
+  </p:clrMapOvr>
 </p:sld>
 </file>
 
@@ -3888,14 +4035,15 @@
         </p:nvSpPr>
         <p:spPr/>
         <p:txBody>
-          <a:bodyPr/>
-          <a:lstStyle/>
-          <a:p>
-            <a:pPr lvl="0" indent="0" marL="0">
+          <a:bodyPr>
+            <a:normAutofit fontScale="90000"/>
+          </a:bodyPr>
+          <a:lstStyle/>
+          <a:p>
+            <a:pPr marL="0" lvl="0" indent="0">
               <a:buNone/>
             </a:pPr>
             <a:r>
-              <a:rPr/>
               <a:t>Simulation results - Temporal evolution of energies and particle energy spectrum</a:t>
             </a:r>
           </a:p>
@@ -3903,7 +4051,7 @@
       </p:sp>
       <p:pic>
         <p:nvPicPr>
-          <p:cNvPr descr="20250416113724.png" id="0" name="Picture 1"/>
+          <p:cNvPr id="3" name="Picture 1" descr="20250416113724.png"/>
           <p:cNvPicPr>
             <a:picLocks noGrp="1" noChangeAspect="1"/>
           </p:cNvPicPr>
@@ -3933,7 +4081,7 @@
       </p:pic>
       <p:sp>
         <p:nvSpPr>
-          <p:cNvPr id="1" name="TextBox 3"/>
+          <p:cNvPr id="4" name="TextBox 3"/>
           <p:cNvSpPr txBox="1"/>
           <p:nvPr/>
         </p:nvSpPr>
@@ -3951,11 +4099,10 @@
           <a:bodyPr/>
           <a:lstStyle/>
           <a:p>
-            <a:pPr lvl="0" indent="0" marL="0" algn="ctr">
+            <a:pPr marL="0" lvl="0" indent="0" algn="ctr">
               <a:buNone/>
             </a:pPr>
             <a:r>
-              <a:rPr/>
               <a:t>Temporal evolution of energies and particle energy spectrum</a:t>
             </a:r>
           </a:p>
@@ -3963,6 +4110,9 @@
       </p:sp>
     </p:spTree>
   </p:cSld>
+  <p:clrMapOvr>
+    <a:masterClrMapping/>
+  </p:clrMapOvr>
 </p:sld>
 </file>
 
@@ -3998,11 +4148,10 @@
           <a:bodyPr/>
           <a:lstStyle/>
           <a:p>
-            <a:pPr lvl="0" indent="0" marL="0">
+            <a:pPr marL="0" lvl="0" indent="0">
               <a:buNone/>
             </a:pPr>
             <a:r>
-              <a:rPr/>
               <a:t>Acceleration mechanism</a:t>
             </a:r>
           </a:p>
@@ -4010,7 +4159,7 @@
       </p:sp>
       <p:pic>
         <p:nvPicPr>
-          <p:cNvPr descr="20250416113931.png" id="0" name="Picture 1"/>
+          <p:cNvPr id="4" name="Picture 1" descr="20250416113931.png"/>
           <p:cNvPicPr>
             <a:picLocks noGrp="1" noChangeAspect="1"/>
           </p:cNvPicPr>
@@ -4024,8 +4173,8 @@
         </p:blipFill>
         <p:spPr bwMode="auto">
           <a:xfrm>
-            <a:off x="2717800" y="1193800"/>
-            <a:ext cx="3708400" cy="2882900"/>
+            <a:off x="3354614" y="881151"/>
+            <a:ext cx="5217885" cy="4056370"/>
           </a:xfrm>
           <a:prstGeom prst="rect">
             <a:avLst/>
@@ -4040,13 +4189,13 @@
       </p:pic>
       <p:sp>
         <p:nvSpPr>
-          <p:cNvPr id="1" name="TextBox 3"/>
+          <p:cNvPr id="5" name="TextBox 3"/>
           <p:cNvSpPr txBox="1"/>
           <p:nvPr/>
         </p:nvSpPr>
         <p:spPr>
           <a:xfrm>
-            <a:off x="457200" y="4076700"/>
+            <a:off x="1603827" y="4816929"/>
             <a:ext cx="8229600" cy="508000"/>
           </a:xfrm>
           <a:prstGeom prst="rect">
@@ -4058,12 +4207,20 @@
           <a:bodyPr/>
           <a:lstStyle/>
           <a:p>
-            <a:pPr lvl="0" indent="0" marL="0" algn="ctr">
+            <a:pPr marL="0" lvl="0" indent="0" algn="ctr">
               <a:buNone/>
             </a:pPr>
             <a:r>
-              <a:rPr/>
-              <a:t>(a) Evolution of particle energy ε and (b) relative magnitude of E and B</a:t>
+              <a:rPr dirty="0"/>
+              <a:t>(a) Evolution of particle energy </a:t>
+            </a:r>
+            <a:r>
+              <a:rPr dirty="0" err="1"/>
+              <a:t>ε</a:t>
+            </a:r>
+            <a:r>
+              <a:rPr dirty="0"/>
+              <a:t> and (b) relative magnitude of E and B</a:t>
             </a:r>
           </a:p>
         </p:txBody>
@@ -4080,21 +4237,33 @@
                 <p:ph idx="1"/>
               </p:nvPr>
             </p:nvSpPr>
-            <p:spPr/>
+            <p:spPr>
+              <a:xfrm>
+                <a:off x="114300" y="954371"/>
+                <a:ext cx="3240314" cy="3862558"/>
+              </a:xfrm>
+            </p:spPr>
             <p:txBody>
               <a:bodyPr/>
               <a:lstStyle/>
               <a:p>
-                <a:pPr lvl="0" indent="0" marL="0">
+                <a:pPr marL="0" lvl="0" indent="0">
                   <a:buNone/>
                 </a:pPr>
                 <a:r>
-                  <a:rPr/>
+                  <a:rPr dirty="0"/>
                   <a:t>Inductive electric field accompanied by guiding center curvature drift</a:t>
                 </a:r>
+                <a:endParaRPr lang="en-US" dirty="0"/>
               </a:p>
               <a:p>
-                <a:pPr lvl="0" indent="0" marL="0">
+                <a:pPr marL="0" lvl="0" indent="0">
+                  <a:buNone/>
+                </a:pPr>
+                <a:endParaRPr dirty="0"/>
+              </a:p>
+              <a:p>
+                <a:pPr marL="0" lvl="0" indent="0">
                   <a:buNone/>
                 </a:pPr>
                 <a14:m>
@@ -4102,80 +4271,101 @@
                     <m:oMathParaPr>
                       <m:jc m:val="center"/>
                     </m:oMathParaPr>
-                    <m:oMath>
+                    <m:oMath xmlns:m="http://schemas.openxmlformats.org/officeDocument/2006/math">
                       <m:r>
-                        <m:rPr>
-                          <m:sty m:val="b"/>
-                        </m:rPr>
-                        <m:t>E</m:t>
+                        <a:rPr>
+                          <a:latin typeface="Cambria Math" panose="02040503050406030204" pitchFamily="18" charset="0"/>
+                        </a:rPr>
+                        <m:t>𝐄</m:t>
                       </m:r>
                       <m:r>
-                        <m:rPr>
-                          <m:sty m:val="p"/>
-                        </m:rPr>
-                        <m:t>=</m:t>
+                        <a:rPr>
+                          <a:latin typeface="Cambria Math" panose="02040503050406030204" pitchFamily="18" charset="0"/>
+                        </a:rPr>
+                        <m:t>=−</m:t>
                       </m:r>
                       <m:r>
-                        <m:rPr>
-                          <m:sty m:val="p"/>
-                        </m:rPr>
-                        <m:t>−</m:t>
+                        <a:rPr>
+                          <a:latin typeface="Cambria Math" panose="02040503050406030204" pitchFamily="18" charset="0"/>
+                        </a:rPr>
+                        <m:t>𝐯</m:t>
                       </m:r>
                       <m:r>
-                        <m:rPr>
-                          <m:sty m:val="b"/>
-                        </m:rPr>
-                        <m:t>v</m:t>
-                      </m:r>
-                      <m:r>
-                        <m:rPr>
-                          <m:sty m:val="p"/>
-                        </m:rPr>
+                        <a:rPr>
+                          <a:latin typeface="Cambria Math" panose="02040503050406030204" pitchFamily="18" charset="0"/>
+                        </a:rPr>
                         <m:t>×</m:t>
                       </m:r>
                       <m:r>
-                        <m:rPr>
-                          <m:sty m:val="b"/>
-                        </m:rPr>
-                        <m:t>B</m:t>
+                        <a:rPr>
+                          <a:latin typeface="Cambria Math" panose="02040503050406030204" pitchFamily="18" charset="0"/>
+                        </a:rPr>
+                        <m:t>𝐁</m:t>
                       </m:r>
                       <m:r>
-                        <m:rPr>
-                          <m:sty m:val="p"/>
-                        </m:rPr>
+                        <a:rPr>
+                          <a:latin typeface="Cambria Math" panose="02040503050406030204" pitchFamily="18" charset="0"/>
+                        </a:rPr>
                         <m:t>≃</m:t>
                       </m:r>
                       <m:sSub>
+                        <m:sSubPr>
+                          <m:ctrlPr>
+                            <a:rPr i="1">
+                              <a:latin typeface="Cambria Math" panose="02040503050406030204" pitchFamily="18" charset="0"/>
+                            </a:rPr>
+                          </m:ctrlPr>
+                        </m:sSubPr>
                         <m:e>
                           <m:r>
-                            <m:t>E</m:t>
+                            <a:rPr>
+                              <a:latin typeface="Cambria Math" panose="02040503050406030204" pitchFamily="18" charset="0"/>
+                            </a:rPr>
+                            <m:t>𝐸</m:t>
                           </m:r>
                         </m:e>
                         <m:sub>
                           <m:r>
-                            <m:t>z</m:t>
+                            <a:rPr>
+                              <a:latin typeface="Cambria Math" panose="02040503050406030204" pitchFamily="18" charset="0"/>
+                            </a:rPr>
+                            <m:t>𝑧</m:t>
                           </m:r>
                         </m:sub>
                       </m:sSub>
                       <m:acc>
                         <m:accPr>
                           <m:chr m:val="̂"/>
+                          <m:ctrlPr>
+                            <a:rPr i="1">
+                              <a:latin typeface="Cambria Math" panose="02040503050406030204" pitchFamily="18" charset="0"/>
+                            </a:rPr>
+                          </m:ctrlPr>
                         </m:accPr>
                         <m:e>
                           <m:r>
-                            <m:rPr>
-                              <m:sty m:val="b"/>
-                            </m:rPr>
-                            <m:t>z</m:t>
+                            <a:rPr>
+                              <a:latin typeface="Cambria Math" panose="02040503050406030204" pitchFamily="18" charset="0"/>
+                            </a:rPr>
+                            <m:t>𝐳</m:t>
                           </m:r>
                         </m:e>
                       </m:acc>
                     </m:oMath>
                   </m:oMathPara>
                 </a14:m>
+                <a:endParaRPr dirty="0"/>
               </a:p>
               <a:p>
-                <a:pPr lvl="0" indent="0" marL="0">
+                <a:pPr marL="0" lvl="0" indent="0">
+                  <a:buNone/>
+                </a:pPr>
+                <a:endParaRPr lang="en-US" dirty="0">
+                  <a:latin typeface="Cambria Math" panose="02040503050406030204" pitchFamily="18" charset="0"/>
+                </a:endParaRPr>
+              </a:p>
+              <a:p>
+                <a:pPr marL="0" lvl="0" indent="0">
                   <a:buNone/>
                 </a:pPr>
                 <a14:m>
@@ -4183,96 +4373,148 @@
                     <m:oMathParaPr>
                       <m:jc m:val="center"/>
                     </m:oMathParaPr>
-                    <m:oMath>
+                    <m:oMath xmlns:m="http://schemas.openxmlformats.org/officeDocument/2006/math">
                       <m:sSub>
+                        <m:sSubPr>
+                          <m:ctrlPr>
+                            <a:rPr>
+                              <a:latin typeface="Cambria Math" panose="02040503050406030204" pitchFamily="18" charset="0"/>
+                            </a:rPr>
+                          </m:ctrlPr>
+                        </m:sSubPr>
                         <m:e>
                           <m:r>
-                            <m:rPr>
-                              <m:sty m:val="b"/>
-                            </m:rPr>
-                            <m:t>v</m:t>
+                            <a:rPr>
+                              <a:latin typeface="Cambria Math" panose="02040503050406030204" pitchFamily="18" charset="0"/>
+                            </a:rPr>
+                            <m:t>𝐯</m:t>
                           </m:r>
                         </m:e>
                         <m:sub>
                           <m:r>
                             <m:rPr>
                               <m:nor/>
-                              <m:sty m:val="p"/>
                             </m:rPr>
-                            <m:t>curv </m:t>
+                            <a:rPr/>
+                            <m:t>curv</m:t>
+                          </m:r>
+                          <m:r>
+                            <m:rPr>
+                              <m:nor/>
+                            </m:rPr>
+                            <a:rPr/>
+                            <m:t> </m:t>
                           </m:r>
                         </m:sub>
                       </m:sSub>
                       <m:r>
-                        <m:rPr>
-                          <m:sty m:val="p"/>
-                        </m:rPr>
+                        <a:rPr>
+                          <a:latin typeface="Cambria Math" panose="02040503050406030204" pitchFamily="18" charset="0"/>
+                        </a:rPr>
                         <m:t>=</m:t>
                       </m:r>
                       <m:r>
-                        <m:t>γ</m:t>
+                        <a:rPr>
+                          <a:latin typeface="Cambria Math" panose="02040503050406030204" pitchFamily="18" charset="0"/>
+                        </a:rPr>
+                        <m:t>𝛾</m:t>
                       </m:r>
                       <m:r>
-                        <m:t>m</m:t>
+                        <a:rPr>
+                          <a:latin typeface="Cambria Math" panose="02040503050406030204" pitchFamily="18" charset="0"/>
+                        </a:rPr>
+                        <m:t>𝑚</m:t>
                       </m:r>
                       <m:sSubSup>
+                        <m:sSubSupPr>
+                          <m:ctrlPr>
+                            <a:rPr i="1">
+                              <a:latin typeface="Cambria Math" panose="02040503050406030204" pitchFamily="18" charset="0"/>
+                            </a:rPr>
+                          </m:ctrlPr>
+                        </m:sSubSupPr>
                         <m:e>
                           <m:r>
-                            <m:t>v</m:t>
+                            <a:rPr>
+                              <a:latin typeface="Cambria Math" panose="02040503050406030204" pitchFamily="18" charset="0"/>
+                            </a:rPr>
+                            <m:t>𝑣</m:t>
                           </m:r>
                         </m:e>
                         <m:sub>
                           <m:r>
-                            <m:rPr>
-                              <m:sty m:val="p"/>
-                            </m:rPr>
+                            <a:rPr>
+                              <a:latin typeface="Cambria Math" panose="02040503050406030204" pitchFamily="18" charset="0"/>
+                            </a:rPr>
                             <m:t>∥</m:t>
                           </m:r>
                         </m:sub>
                         <m:sup>
                           <m:r>
+                            <a:rPr>
+                              <a:latin typeface="Cambria Math" panose="02040503050406030204" pitchFamily="18" charset="0"/>
+                            </a:rPr>
                             <m:t>2</m:t>
                           </m:r>
                         </m:sup>
                       </m:sSubSup>
                       <m:r>
-                        <m:t>c</m:t>
+                        <a:rPr>
+                          <a:latin typeface="Cambria Math" panose="02040503050406030204" pitchFamily="18" charset="0"/>
+                        </a:rPr>
+                        <m:t>𝑐</m:t>
                       </m:r>
                       <m:r>
-                        <m:rPr>
-                          <m:sty m:val="b"/>
-                        </m:rPr>
-                        <m:t>B</m:t>
+                        <a:rPr>
+                          <a:latin typeface="Cambria Math" panose="02040503050406030204" pitchFamily="18" charset="0"/>
+                        </a:rPr>
+                        <m:t>𝐁</m:t>
                       </m:r>
                       <m:r>
-                        <m:rPr>
-                          <m:sty m:val="p"/>
-                        </m:rPr>
+                        <a:rPr>
+                          <a:latin typeface="Cambria Math" panose="02040503050406030204" pitchFamily="18" charset="0"/>
+                        </a:rPr>
                         <m:t>×</m:t>
                       </m:r>
                       <m:r>
-                        <m:rPr>
-                          <m:sty m:val="b"/>
-                        </m:rPr>
-                        <m:t>κ</m:t>
+                        <a:rPr>
+                          <a:latin typeface="Cambria Math" panose="02040503050406030204" pitchFamily="18" charset="0"/>
+                        </a:rPr>
+                        <m:t>𝛋</m:t>
                       </m:r>
                       <m:r>
-                        <m:rPr>
-                          <m:sty m:val="p"/>
-                        </m:rPr>
+                        <a:rPr>
+                          <a:latin typeface="Cambria Math" panose="02040503050406030204" pitchFamily="18" charset="0"/>
+                        </a:rPr>
                         <m:t>/</m:t>
                       </m:r>
                       <m:r>
-                        <m:t>e</m:t>
+                        <a:rPr>
+                          <a:latin typeface="Cambria Math" panose="02040503050406030204" pitchFamily="18" charset="0"/>
+                        </a:rPr>
+                        <m:t>𝑒</m:t>
                       </m:r>
                       <m:sSup>
+                        <m:sSupPr>
+                          <m:ctrlPr>
+                            <a:rPr i="1">
+                              <a:latin typeface="Cambria Math" panose="02040503050406030204" pitchFamily="18" charset="0"/>
+                            </a:rPr>
+                          </m:ctrlPr>
+                        </m:sSupPr>
                         <m:e>
                           <m:r>
-                            <m:t>B</m:t>
+                            <a:rPr>
+                              <a:latin typeface="Cambria Math" panose="02040503050406030204" pitchFamily="18" charset="0"/>
+                            </a:rPr>
+                            <m:t>𝐵</m:t>
                           </m:r>
                         </m:e>
                         <m:sup>
                           <m:r>
+                            <a:rPr>
+                              <a:latin typeface="Cambria Math" panose="02040503050406030204" pitchFamily="18" charset="0"/>
+                            </a:rPr>
                             <m:t>2</m:t>
                           </m:r>
                         </m:sup>
@@ -4280,13 +4522,54 @@
                     </m:oMath>
                   </m:oMathPara>
                 </a14:m>
+                <a:endParaRPr dirty="0"/>
               </a:p>
             </p:txBody>
           </p:sp>
         </mc:Choice>
+        <mc:Fallback>
+          <p:sp>
+            <p:nvSpPr>
+              <p:cNvPr id="3" name="Content Placeholder 2"/>
+              <p:cNvSpPr>
+                <a:spLocks noGrp="1" noRot="1" noChangeAspect="1" noMove="1" noResize="1" noEditPoints="1" noAdjustHandles="1" noChangeArrowheads="1" noChangeShapeType="1" noTextEdit="1"/>
+              </p:cNvSpPr>
+              <p:nvPr>
+                <p:ph idx="1"/>
+              </p:nvPr>
+            </p:nvSpPr>
+            <p:spPr>
+              <a:xfrm>
+                <a:off x="114300" y="954371"/>
+                <a:ext cx="3240314" cy="3862558"/>
+              </a:xfrm>
+              <a:blipFill>
+                <a:blip r:embed="rId4"/>
+                <a:stretch>
+                  <a:fillRect l="-3137" t="-1311" r="-3529"/>
+                </a:stretch>
+              </a:blipFill>
+            </p:spPr>
+            <p:txBody>
+              <a:bodyPr/>
+              <a:lstStyle/>
+              <a:p>
+                <a:r>
+                  <a:rPr lang="en-US">
+                    <a:noFill/>
+                  </a:rPr>
+                  <a:t> </a:t>
+                </a:r>
+              </a:p>
+            </p:txBody>
+          </p:sp>
+        </mc:Fallback>
       </mc:AlternateContent>
     </p:spTree>
   </p:cSld>
+  <p:clrMapOvr>
+    <a:masterClrMapping/>
+  </p:clrMapOvr>
 </p:sld>
 </file>
 
@@ -4322,11 +4605,10 @@
           <a:bodyPr/>
           <a:lstStyle/>
           <a:p>
-            <a:pPr lvl="0" indent="0" marL="0">
+            <a:pPr marL="0" lvl="0" indent="0">
               <a:buNone/>
             </a:pPr>
             <a:r>
-              <a:rPr/>
               <a:t>Acceleration mechanism</a:t>
             </a:r>
           </a:p>
@@ -4334,7 +4616,7 @@
       </p:sp>
       <p:pic>
         <p:nvPicPr>
-          <p:cNvPr descr="20250416114719.png" id="0" name="Picture 1"/>
+          <p:cNvPr id="4" name="Picture 1" descr="20250416114719.png"/>
           <p:cNvPicPr>
             <a:picLocks noGrp="1" noChangeAspect="1"/>
           </p:cNvPicPr>
@@ -4348,8 +4630,8 @@
         </p:blipFill>
         <p:spPr bwMode="auto">
           <a:xfrm>
-            <a:off x="2476500" y="1193800"/>
-            <a:ext cx="4178300" cy="2882900"/>
+            <a:off x="3200400" y="897162"/>
+            <a:ext cx="5943600" cy="4100903"/>
           </a:xfrm>
           <a:prstGeom prst="rect">
             <a:avLst/>
@@ -4364,13 +4646,13 @@
       </p:pic>
       <p:sp>
         <p:nvSpPr>
-          <p:cNvPr id="1" name="TextBox 3"/>
+          <p:cNvPr id="5" name="TextBox 3"/>
           <p:cNvSpPr txBox="1"/>
           <p:nvPr/>
         </p:nvSpPr>
         <p:spPr>
           <a:xfrm>
-            <a:off x="457200" y="4076700"/>
+            <a:off x="1665514" y="4744065"/>
             <a:ext cx="8229600" cy="508000"/>
           </a:xfrm>
           <a:prstGeom prst="rect">
@@ -4382,11 +4664,11 @@
           <a:bodyPr/>
           <a:lstStyle/>
           <a:p>
-            <a:pPr lvl="0" indent="0" marL="0" algn="ctr">
+            <a:pPr marL="0" lvl="0" indent="0" algn="ctr">
               <a:buNone/>
             </a:pPr>
             <a:r>
-              <a:rPr/>
+              <a:rPr dirty="0"/>
               <a:t>Evolution of the power spectrum of magnetic field fluctuations</a:t>
             </a:r>
           </a:p>
@@ -4404,45 +4686,113 @@
                 <p:ph idx="1"/>
               </p:nvPr>
             </p:nvSpPr>
-            <p:spPr/>
+            <p:spPr>
+              <a:xfrm>
+                <a:off x="450850" y="1363437"/>
+                <a:ext cx="2749550" cy="2882900"/>
+              </a:xfrm>
+            </p:spPr>
             <p:txBody>
-              <a:bodyPr/>
+              <a:bodyPr>
+                <a:normAutofit lnSpcReduction="10000"/>
+              </a:bodyPr>
               <a:lstStyle/>
               <a:p>
-                <a:pPr lvl="0" indent="0" marL="0">
+                <a:pPr marL="0" lvl="0" indent="0">
                   <a:buNone/>
                 </a:pPr>
                 <a:r>
-                  <a:rPr/>
-                  <a:t>A large-scale (∼Rc) inductive electric field acting in concert with a magnetic field that is tangled over a range of scales that extends down to </a:t>
+                  <a:rPr dirty="0"/>
+                  <a:t>A large-scale (∼</a:t>
+                </a:r>
+                <a:r>
+                  <a:rPr dirty="0" err="1"/>
+                  <a:t>Rc</a:t>
+                </a:r>
+                <a:r>
+                  <a:rPr dirty="0"/>
+                  <a:t>) inductive electric field acting in concert with a magnetic field that is tangled over a range of scales that extends down to </a:t>
                 </a:r>
                 <a14:m>
                   <m:oMath xmlns:m="http://schemas.openxmlformats.org/officeDocument/2006/math">
                     <m:sSub>
+                      <m:sSubPr>
+                        <m:ctrlPr>
+                          <a:rPr>
+                            <a:latin typeface="Cambria Math" panose="02040503050406030204" pitchFamily="18" charset="0"/>
+                          </a:rPr>
+                        </m:ctrlPr>
+                      </m:sSubPr>
                       <m:e>
                         <m:r>
-                          <m:t>ρ</m:t>
+                          <a:rPr>
+                            <a:latin typeface="Cambria Math" panose="02040503050406030204" pitchFamily="18" charset="0"/>
+                          </a:rPr>
+                          <m:t>𝜌</m:t>
                         </m:r>
                       </m:e>
                       <m:sub>
                         <m:r>
-                          <m:t>g</m:t>
+                          <a:rPr>
+                            <a:latin typeface="Cambria Math" panose="02040503050406030204" pitchFamily="18" charset="0"/>
+                          </a:rPr>
+                          <m:t>𝑔</m:t>
                         </m:r>
                       </m:sub>
                     </m:sSub>
                   </m:oMath>
                 </a14:m>
                 <a:r>
-                  <a:rPr/>
+                  <a:rPr dirty="0"/>
                   <a:t>.</a:t>
                 </a:r>
               </a:p>
             </p:txBody>
           </p:sp>
         </mc:Choice>
+        <mc:Fallback>
+          <p:sp>
+            <p:nvSpPr>
+              <p:cNvPr id="3" name="Content Placeholder 2"/>
+              <p:cNvSpPr>
+                <a:spLocks noGrp="1" noRot="1" noChangeAspect="1" noMove="1" noResize="1" noEditPoints="1" noAdjustHandles="1" noChangeArrowheads="1" noChangeShapeType="1" noTextEdit="1"/>
+              </p:cNvSpPr>
+              <p:nvPr>
+                <p:ph idx="1"/>
+              </p:nvPr>
+            </p:nvSpPr>
+            <p:spPr>
+              <a:xfrm>
+                <a:off x="450850" y="1363437"/>
+                <a:ext cx="2749550" cy="2882900"/>
+              </a:xfrm>
+              <a:blipFill>
+                <a:blip r:embed="rId3"/>
+                <a:stretch>
+                  <a:fillRect l="-3670" t="-2632" r="-1835"/>
+                </a:stretch>
+              </a:blipFill>
+            </p:spPr>
+            <p:txBody>
+              <a:bodyPr/>
+              <a:lstStyle/>
+              <a:p>
+                <a:r>
+                  <a:rPr lang="en-US">
+                    <a:noFill/>
+                  </a:rPr>
+                  <a:t> </a:t>
+                </a:r>
+              </a:p>
+            </p:txBody>
+          </p:sp>
+        </mc:Fallback>
       </mc:AlternateContent>
     </p:spTree>
   </p:cSld>
+  <p:clrMapOvr>
+    <a:masterClrMapping/>
+  </p:clrMapOvr>
 </p:sld>
 </file>
 
@@ -4475,20 +4825,29 @@
         </p:nvSpPr>
         <p:spPr>
           <a:xfrm>
-            <a:off x="457201" y="204787"/>
+            <a:off x="111026" y="71835"/>
             <a:ext cx="3008313" cy="871538"/>
           </a:xfrm>
         </p:spPr>
         <p:txBody>
-          <a:bodyPr/>
-          <a:lstStyle/>
-          <a:p>
-            <a:pPr lvl="0" indent="0" marL="0">
+          <a:bodyPr>
+            <a:normAutofit/>
+          </a:bodyPr>
+          <a:lstStyle/>
+          <a:p>
+            <a:pPr marL="0" lvl="0" indent="0">
               <a:buNone/>
             </a:pPr>
             <a:r>
-              <a:rPr/>
-              <a:t>Astrophysical Implications</a:t>
+              <a:rPr sz="2400" dirty="0"/>
+              <a:t>Astrophysical </a:t>
+            </a:r>
+            <a:br>
+              <a:rPr lang="en-US" sz="2400" dirty="0"/>
+            </a:br>
+            <a:r>
+              <a:rPr sz="2400" dirty="0"/>
+              <a:t>Implications</a:t>
             </a:r>
           </a:p>
         </p:txBody>
@@ -4500,27 +4859,54 @@
             <a:spLocks noGrp="1"/>
           </p:cNvSpPr>
           <p:nvPr>
-            <p:ph idx="2" sz="half" type="body"/>
-          </p:nvPr>
-        </p:nvSpPr>
-        <p:spPr/>
-        <p:txBody>
-          <a:bodyPr/>
-          <a:lstStyle/>
-          <a:p>
-            <a:pPr lvl="0" indent="0" marL="0">
+            <p:ph type="body" sz="half" idx="2"/>
+          </p:nvPr>
+        </p:nvSpPr>
+        <p:spPr>
+          <a:xfrm>
+            <a:off x="111026" y="1117599"/>
+            <a:ext cx="2313198" cy="3518297"/>
+          </a:xfrm>
+        </p:spPr>
+        <p:txBody>
+          <a:bodyPr>
+            <a:normAutofit fontScale="92500"/>
+          </a:bodyPr>
+          <a:lstStyle/>
+          <a:p>
+            <a:pPr marL="0" lvl="0" indent="0">
               <a:buNone/>
             </a:pPr>
             <a:r>
-              <a:rPr/>
-              <a:t>Extrapolated to astrophysical systems, where the enormous scale separation implies huge energy gains.</a:t>
+              <a:rPr sz="2800" dirty="0"/>
+              <a:t>Extrapolated to astrophysical systems</a:t>
+            </a:r>
+            <a:endParaRPr lang="en-US" sz="2800" dirty="0"/>
+          </a:p>
+          <a:p>
+            <a:pPr marL="0" lvl="0" indent="0">
+              <a:buNone/>
+            </a:pPr>
+            <a:endParaRPr lang="en-US" sz="2800" dirty="0"/>
+          </a:p>
+          <a:p>
+            <a:pPr marL="0" lvl="0" indent="0">
+              <a:buNone/>
+            </a:pPr>
+            <a:r>
+              <a:rPr lang="en-US" sz="2800" dirty="0"/>
+              <a:t>E</a:t>
+            </a:r>
+            <a:r>
+              <a:rPr sz="2800" dirty="0"/>
+              <a:t>normous scale separation implies huge energy gains.</a:t>
             </a:r>
           </a:p>
         </p:txBody>
       </p:sp>
       <p:pic>
         <p:nvPicPr>
-          <p:cNvPr descr="20250416115046.png" id="0" name="Picture 1"/>
+          <p:cNvPr id="3" name="Picture 1" descr="20250416115046.png"/>
           <p:cNvPicPr>
             <a:picLocks noGrp="1" noChangeAspect="1"/>
           </p:cNvPicPr>
@@ -4534,8 +4920,8 @@
         </p:blipFill>
         <p:spPr bwMode="auto">
           <a:xfrm>
-            <a:off x="3568700" y="1117600"/>
-            <a:ext cx="5105400" cy="2044700"/>
+            <a:off x="2424224" y="943373"/>
+            <a:ext cx="6719776" cy="2691253"/>
           </a:xfrm>
           <a:prstGeom prst="rect">
             <a:avLst/>
@@ -4550,7 +4936,7 @@
       </p:pic>
       <p:sp>
         <p:nvSpPr>
-          <p:cNvPr id="1" name="TextBox 3"/>
+          <p:cNvPr id="5" name="TextBox 3"/>
           <p:cNvSpPr txBox="1"/>
           <p:nvPr/>
         </p:nvSpPr>
@@ -4568,11 +4954,10 @@
           <a:bodyPr/>
           <a:lstStyle/>
           <a:p>
-            <a:pPr lvl="0" indent="0" marL="0" algn="ctr">
+            <a:pPr marL="0" lvl="0" indent="0" algn="ctr">
               <a:buNone/>
             </a:pPr>
             <a:r>
-              <a:rPr/>
               <a:t>(a) Final particle spectra for different system sizes; (b) Scaling law of maximum particle energy gain with system size and magnetic field magnitude.</a:t>
             </a:r>
           </a:p>
@@ -4580,6 +4965,9 @@
       </p:sp>
     </p:spTree>
   </p:cSld>
+  <p:clrMapOvr>
+    <a:masterClrMapping/>
+  </p:clrMapOvr>
 </p:sld>
 </file>
 
@@ -4615,11 +5003,10 @@
           <a:bodyPr/>
           <a:lstStyle/>
           <a:p>
-            <a:pPr lvl="0" indent="0" marL="0">
+            <a:pPr marL="0" lvl="0" indent="0">
               <a:buNone/>
             </a:pPr>
             <a:r>
-              <a:rPr/>
               <a:t>Strengths &amp; Limitations</a:t>
             </a:r>
           </a:p>
@@ -4637,74 +5024,67 @@
         </p:nvSpPr>
         <p:spPr/>
         <p:txBody>
-          <a:bodyPr/>
-          <a:lstStyle/>
-          <a:p>
-            <a:pPr lvl="0" indent="0" marL="0">
+          <a:bodyPr>
+            <a:normAutofit fontScale="85000" lnSpcReduction="20000"/>
+          </a:bodyPr>
+          <a:lstStyle/>
+          <a:p>
+            <a:pPr marL="0" lvl="0" indent="0">
               <a:buNone/>
             </a:pPr>
             <a:r>
-              <a:rPr/>
               <a:t>Strengths:</a:t>
             </a:r>
           </a:p>
           <a:p>
             <a:pPr lvl="0"/>
             <a:r>
-              <a:rPr/>
               <a:t>Fully kinetic, 3D, self‑consistent; captures both MHD and particle scales.</a:t>
             </a:r>
           </a:p>
           <a:p>
             <a:pPr lvl="0"/>
             <a:r>
-              <a:rPr/>
               <a:t>Robust across parameter scans (σ, B‑profile, system size).</a:t>
             </a:r>
           </a:p>
           <a:p>
             <a:pPr lvl="0"/>
             <a:r>
-              <a:rPr/>
               <a:t>Detailed acceleration mechanism analysis.</a:t>
             </a:r>
           </a:p>
           <a:p>
-            <a:pPr lvl="0" indent="0" marL="0">
+            <a:pPr marL="0" lvl="0" indent="0">
               <a:buNone/>
             </a:pPr>
             <a:r>
-              <a:rPr/>
               <a:t>Limitations &amp; open questions:</a:t>
             </a:r>
           </a:p>
           <a:p>
             <a:pPr lvl="0"/>
             <a:r>
-              <a:rPr/>
               <a:t>Electron‑positron plasma with large gyroradius.</a:t>
             </a:r>
           </a:p>
           <a:p>
             <a:pPr lvl="0"/>
             <a:r>
-              <a:rPr/>
               <a:t>Radiative cooling and pair production not included.</a:t>
             </a:r>
           </a:p>
           <a:p>
             <a:pPr lvl="0"/>
             <a:r>
-              <a:rPr/>
               <a:t>Connection to global jet dynamics and external kink instability.</a:t>
             </a:r>
           </a:p>
           <a:p>
-            <a:pPr lvl="0" indent="0" marL="0">
+            <a:pPr marL="0" lvl="0" indent="0">
               <a:buNone/>
             </a:pPr>
             <a:r>
-              <a:rPr/>
               <a:t>Harris, D. E., J. A. Biretta, W. Junor, E. S. Perlman, W. B. Sparks, and A. S. Wilson. 2003. “Flaring X-Ray Emission from HST-1, a Knot in the M87 Jet.” </a:t>
             </a:r>
             <a:r>
@@ -4712,7 +5092,6 @@
               <a:t>Astrophysical Journal</a:t>
             </a:r>
             <a:r>
-              <a:rPr/>
               <a:t> 586 (1): L41. </a:t>
             </a:r>
             <a:r>
@@ -4722,7 +5101,6 @@
               <a:t>https://doi.org/10.1086/374773</a:t>
             </a:r>
             <a:r>
-              <a:rPr/>
               <a:t>.</a:t>
             </a:r>
           </a:p>
@@ -4730,6 +5108,9 @@
       </p:sp>
     </p:spTree>
   </p:cSld>
+  <p:clrMapOvr>
+    <a:masterClrMapping/>
+  </p:clrMapOvr>
 </p:sld>
 </file>
 
@@ -4762,14 +5143,15 @@
         </p:nvSpPr>
         <p:spPr/>
         <p:txBody>
-          <a:bodyPr/>
-          <a:lstStyle/>
-          <a:p>
-            <a:pPr lvl="0" indent="0" marL="0">
+          <a:bodyPr>
+            <a:normAutofit fontScale="90000"/>
+          </a:bodyPr>
+          <a:lstStyle/>
+          <a:p>
+            <a:pPr marL="0" lvl="0" indent="0">
               <a:buNone/>
             </a:pPr>
             <a:r>
-              <a:rPr/>
               <a:t>Scientific Context - AGN jets as cosmic accelerators</a:t>
             </a:r>
           </a:p>
@@ -4777,7 +5159,7 @@
       </p:sp>
       <p:pic>
         <p:nvPicPr>
-          <p:cNvPr descr="https://assets.science.nasa.gov/dynamicimage/assets/science/missions/hubble/releases/2010/05/STScI-01EVVDBNKDG4N91CJS5FYG1ENG.jpg" id="0" name="Picture 1"/>
+          <p:cNvPr id="4" name="Picture 1" descr="https://assets.science.nasa.gov/dynamicimage/assets/science/missions/hubble/releases/2010/05/STScI-01EVVDBNKDG4N91CJS5FYG1ENG.jpg"/>
           <p:cNvPicPr>
             <a:picLocks noGrp="1" noChangeAspect="1"/>
           </p:cNvPicPr>
@@ -4791,7 +5173,7 @@
         </p:blipFill>
         <p:spPr bwMode="auto">
           <a:xfrm>
-            <a:off x="2413000" y="1193800"/>
+            <a:off x="3975987" y="1236331"/>
             <a:ext cx="4318000" cy="2882900"/>
           </a:xfrm>
           <a:prstGeom prst="rect">
@@ -4807,13 +5189,13 @@
       </p:pic>
       <p:sp>
         <p:nvSpPr>
-          <p:cNvPr id="1" name="TextBox 3"/>
+          <p:cNvPr id="5" name="TextBox 3"/>
           <p:cNvSpPr txBox="1"/>
           <p:nvPr/>
         </p:nvSpPr>
         <p:spPr>
           <a:xfrm>
-            <a:off x="457200" y="4076700"/>
+            <a:off x="2020187" y="4119231"/>
             <a:ext cx="8229600" cy="508000"/>
           </a:xfrm>
           <a:prstGeom prst="rect">
@@ -4825,11 +5207,11 @@
           <a:bodyPr/>
           <a:lstStyle/>
           <a:p>
-            <a:pPr lvl="0" indent="0" marL="0" algn="ctr">
+            <a:pPr marL="0" lvl="0" indent="0" algn="ctr">
               <a:buNone/>
             </a:pPr>
             <a:r>
-              <a:rPr/>
+              <a:rPr dirty="0"/>
               <a:t>Hubble Space Telescope Images of HST-1 in M87 (Credit: NASA)</a:t>
             </a:r>
           </a:p>
@@ -4845,16 +5227,21 @@
             <p:ph idx="1"/>
           </p:nvPr>
         </p:nvSpPr>
-        <p:spPr/>
-        <p:txBody>
-          <a:bodyPr/>
-          <a:lstStyle/>
-          <a:p>
-            <a:pPr lvl="0" indent="0" marL="0">
+        <p:spPr>
+          <a:xfrm>
+            <a:off x="255182" y="1182549"/>
+            <a:ext cx="2913320" cy="3754972"/>
+          </a:xfrm>
+        </p:spPr>
+        <p:txBody>
+          <a:bodyPr/>
+          <a:lstStyle/>
+          <a:p>
+            <a:pPr marL="0" lvl="0" indent="0">
               <a:buNone/>
             </a:pPr>
             <a:r>
-              <a:rPr/>
+              <a:rPr dirty="0"/>
               <a:t>Extragalactic jets from active galactic nuclei (AGNs) carry relativistic magnetized plasma and produce nonthermal electrons/positrons that radiate from radio to TeV energies.</a:t>
             </a:r>
           </a:p>
@@ -4862,6 +5249,9 @@
       </p:sp>
     </p:spTree>
   </p:cSld>
+  <p:clrMapOvr>
+    <a:masterClrMapping/>
+  </p:clrMapOvr>
 </p:sld>
 </file>
 
@@ -4902,11 +5292,10 @@
           <a:bodyPr/>
           <a:lstStyle/>
           <a:p>
-            <a:pPr lvl="0" indent="0" marL="0">
+            <a:pPr marL="0" lvl="0" indent="0">
               <a:buNone/>
             </a:pPr>
             <a:r>
-              <a:rPr/>
               <a:t>Scientific Context - AGN jets as cosmic accelerators</a:t>
             </a:r>
           </a:p>
@@ -4919,27 +5308,37 @@
             <a:spLocks noGrp="1"/>
           </p:cNvSpPr>
           <p:nvPr>
-            <p:ph idx="2" sz="half" type="body"/>
+            <p:ph type="body" sz="half" idx="2"/>
           </p:nvPr>
         </p:nvSpPr>
         <p:spPr/>
         <p:txBody>
-          <a:bodyPr/>
-          <a:lstStyle/>
-          <a:p>
-            <a:pPr lvl="0" indent="0" marL="0">
+          <a:bodyPr>
+            <a:normAutofit/>
+          </a:bodyPr>
+          <a:lstStyle/>
+          <a:p>
+            <a:pPr marL="0" lvl="0" indent="0">
               <a:buNone/>
             </a:pPr>
             <a:r>
-              <a:rPr/>
-              <a:t>AGN jets are also candidate sources of ultrahigh-energy cosmic rays (UHECRs; E &gt; 10²⁰ eV), bolstered by recent neutrino–γ coincidences (e.g., TXS 0506+056)</a:t>
+              <a:rPr sz="2400" dirty="0"/>
+              <a:t>AGN jets are also candidate sources of ultrahigh-energy cosmic rays (UHECRs; E &gt; 10²⁰ eV), bolstered by recent neutrino–</a:t>
+            </a:r>
+            <a:r>
+              <a:rPr sz="2400" dirty="0" err="1"/>
+              <a:t>γ</a:t>
+            </a:r>
+            <a:r>
+              <a:rPr sz="2400" dirty="0"/>
+              <a:t> coincidences (e.g., TXS 0506+056)</a:t>
             </a:r>
           </a:p>
         </p:txBody>
       </p:sp>
       <p:pic>
         <p:nvPicPr>
-          <p:cNvPr descr="20250416105148.png" id="0" name="Picture 1"/>
+          <p:cNvPr id="3" name="Picture 1" descr="20250416105148.png"/>
           <p:cNvPicPr>
             <a:picLocks noGrp="1" noChangeAspect="1"/>
           </p:cNvPicPr>
@@ -4969,7 +5368,7 @@
       </p:pic>
       <p:sp>
         <p:nvSpPr>
-          <p:cNvPr id="1" name="TextBox 3"/>
+          <p:cNvPr id="5" name="TextBox 3"/>
           <p:cNvSpPr txBox="1"/>
           <p:nvPr/>
         </p:nvSpPr>
@@ -4987,11 +5386,10 @@
           <a:bodyPr/>
           <a:lstStyle/>
           <a:p>
-            <a:pPr lvl="0" indent="0" marL="0" algn="ctr">
+            <a:pPr marL="0" lvl="0" indent="0" algn="ctr">
               <a:buNone/>
             </a:pPr>
             <a:r>
-              <a:rPr/>
               <a:t>Chandra X-ray image of the M87 jet (Harris et al. (2003))</a:t>
             </a:r>
           </a:p>
@@ -4999,6 +5397,9 @@
       </p:sp>
     </p:spTree>
   </p:cSld>
+  <p:clrMapOvr>
+    <a:masterClrMapping/>
+  </p:clrMapOvr>
 </p:sld>
 </file>
 
@@ -5034,11 +5435,10 @@
           <a:bodyPr/>
           <a:lstStyle/>
           <a:p>
-            <a:pPr lvl="0" indent="0" marL="0">
+            <a:pPr marL="0" lvl="0" indent="0">
               <a:buNone/>
             </a:pPr>
             <a:r>
-              <a:rPr/>
               <a:t>Acceleration Puzzle</a:t>
             </a:r>
           </a:p>
@@ -5059,29 +5459,42 @@
           <a:bodyPr/>
           <a:lstStyle/>
           <a:p>
-            <a:pPr lvl="0" indent="0" marL="0">
+            <a:pPr marL="0" lvl="0" indent="0">
               <a:buNone/>
             </a:pPr>
             <a:r>
-              <a:rPr/>
+              <a:rPr dirty="0"/>
               <a:t>Open question: How do jets convert magnetic energy into nonthermal particles so efficiently?</a:t>
             </a:r>
-          </a:p>
-          <a:p>
-            <a:pPr lvl="0" indent="0" marL="0">
+            <a:endParaRPr lang="en-US" dirty="0"/>
+          </a:p>
+          <a:p>
+            <a:pPr marL="0" lvl="0" indent="0">
               <a:buNone/>
             </a:pPr>
-            <a:r>
-              <a:rPr/>
+            <a:endParaRPr dirty="0"/>
+          </a:p>
+          <a:p>
+            <a:pPr marL="0" lvl="0" indent="0">
+              <a:buNone/>
+            </a:pPr>
+            <a:r>
+              <a:rPr dirty="0"/>
               <a:t>Standard shock acceleration struggles in magnetically dominated flows, showing low efficiency in PIC studies</a:t>
             </a:r>
           </a:p>
           <a:p>
-            <a:pPr lvl="0" indent="0" marL="0">
+            <a:pPr marL="0" lvl="0" indent="0">
               <a:buNone/>
             </a:pPr>
-            <a:r>
-              <a:rPr/>
+            <a:endParaRPr lang="en-US" dirty="0"/>
+          </a:p>
+          <a:p>
+            <a:pPr marL="0" lvl="0" indent="0">
+              <a:buNone/>
+            </a:pPr>
+            <a:r>
+              <a:rPr dirty="0"/>
               <a:t>Alternative: Tap jet’s magnetic free energy via instabilities.</a:t>
             </a:r>
           </a:p>
@@ -5089,6 +5502,9 @@
       </p:sp>
     </p:spTree>
   </p:cSld>
+  <p:clrMapOvr>
+    <a:masterClrMapping/>
+  </p:clrMapOvr>
 </p:sld>
 </file>
 
@@ -5124,11 +5540,10 @@
           <a:bodyPr/>
           <a:lstStyle/>
           <a:p>
-            <a:pPr lvl="0" indent="0" marL="0">
+            <a:pPr marL="0" lvl="0" indent="0">
               <a:buNone/>
             </a:pPr>
             <a:r>
-              <a:rPr/>
               <a:t>Stability of Jets</a:t>
             </a:r>
           </a:p>
@@ -5144,44 +5559,57 @@
             <p:ph idx="1"/>
           </p:nvPr>
         </p:nvSpPr>
-        <p:spPr/>
-        <p:txBody>
-          <a:bodyPr/>
+        <p:spPr>
+          <a:xfrm>
+            <a:off x="457200" y="1200150"/>
+            <a:ext cx="8229600" cy="3943349"/>
+          </a:xfrm>
+        </p:spPr>
+        <p:txBody>
+          <a:bodyPr>
+            <a:normAutofit/>
+          </a:bodyPr>
           <a:lstStyle/>
           <a:p>
             <a:pPr lvl="0"/>
             <a:r>
-              <a:rPr/>
+              <a:rPr dirty="0"/>
               <a:t>Unstable: magnetized jets are strongly unstable to current-driven instabilities in non-relativistic jets</a:t>
             </a:r>
           </a:p>
           <a:p>
             <a:pPr lvl="1"/>
             <a:r>
-              <a:rPr/>
+              <a:rPr dirty="0"/>
               <a:t>Question: magnetized jets are unable to break out of the star, a necessary condition to form a GRB.</a:t>
             </a:r>
           </a:p>
           <a:p>
             <a:pPr lvl="0"/>
             <a:r>
-              <a:rPr/>
+              <a:rPr dirty="0"/>
               <a:t>Stable: half of the energy remains locked in the magnetic form</a:t>
             </a:r>
           </a:p>
           <a:p>
             <a:pPr lvl="1"/>
             <a:r>
-              <a:rPr/>
+              <a:rPr dirty="0"/>
               <a:t>Question: it would be difficult to explain the high-energy emission radiated from them</a:t>
             </a:r>
           </a:p>
           <a:p>
-            <a:pPr lvl="0" indent="0" marL="0">
+            <a:pPr marL="0" lvl="0" indent="0">
               <a:buNone/>
             </a:pPr>
-            <a:r>
-              <a:rPr/>
+            <a:endParaRPr lang="en-US" dirty="0"/>
+          </a:p>
+          <a:p>
+            <a:pPr marL="0" lvl="0" indent="0">
+              <a:buNone/>
+            </a:pPr>
+            <a:r>
+              <a:rPr dirty="0"/>
               <a:t>Solution: A local current-driven instability in a mildly unstable jet?</a:t>
             </a:r>
           </a:p>
@@ -5189,6 +5617,9 @@
       </p:sp>
     </p:spTree>
   </p:cSld>
+  <p:clrMapOvr>
+    <a:masterClrMapping/>
+  </p:clrMapOvr>
 </p:sld>
 </file>
 
@@ -5229,11 +5660,10 @@
           <a:bodyPr/>
           <a:lstStyle/>
           <a:p>
-            <a:pPr lvl="0" indent="0" marL="0">
+            <a:pPr marL="0" lvl="0" indent="0">
               <a:buNone/>
             </a:pPr>
             <a:r>
-              <a:rPr/>
               <a:t>Kink Instability (KI)</a:t>
             </a:r>
           </a:p>
@@ -5248,15 +5678,17 @@
                 <a:spLocks noGrp="1"/>
               </p:cNvSpPr>
               <p:nvPr>
-                <p:ph idx="2" sz="half" type="body"/>
+                <p:ph type="body" sz="half" idx="2"/>
               </p:nvPr>
             </p:nvSpPr>
             <p:spPr/>
             <p:txBody>
-              <a:bodyPr/>
+              <a:bodyPr>
+                <a:normAutofit/>
+              </a:bodyPr>
               <a:lstStyle/>
               <a:p>
-                <a:pPr lvl="0" indent="0" marL="0">
+                <a:pPr marL="0" lvl="0" indent="0">
                   <a:buNone/>
                 </a:pPr>
                 <a14:m>
@@ -5264,89 +5696,114 @@
                     <m:oMathParaPr>
                       <m:jc m:val="center"/>
                     </m:oMathParaPr>
-                    <m:oMath>
+                    <m:oMath xmlns:m="http://schemas.openxmlformats.org/officeDocument/2006/math">
                       <m:r>
-                        <m:rPr>
-                          <m:sty m:val="b"/>
-                        </m:rPr>
-                        <m:t>ξ</m:t>
+                        <a:rPr lang="ar-AE" sz="2400" smtClean="0">
+                          <a:latin typeface="Cambria Math" panose="02040503050406030204" pitchFamily="18" charset="0"/>
+                        </a:rPr>
+                        <m:t>𝛏</m:t>
                       </m:r>
                       <m:d>
                         <m:dPr>
-                          <m:begChr m:val="("/>
-                          <m:endChr m:val=")"/>
-                          <m:sepChr m:val=""/>
-                          <m:grow/>
+                          <m:ctrlPr>
+                            <a:rPr lang="ar-AE" sz="2400" i="1">
+                              <a:latin typeface="Cambria Math" panose="02040503050406030204" pitchFamily="18" charset="0"/>
+                            </a:rPr>
+                          </m:ctrlPr>
                         </m:dPr>
                         <m:e>
                           <m:r>
-                            <m:rPr>
-                              <m:sty m:val="b"/>
-                            </m:rPr>
-                            <m:t>r</m:t>
+                            <a:rPr lang="ar-AE" sz="2400">
+                              <a:latin typeface="Cambria Math" panose="02040503050406030204" pitchFamily="18" charset="0"/>
+                            </a:rPr>
+                            <m:t>𝐫</m:t>
                           </m:r>
                         </m:e>
                       </m:d>
                       <m:r>
-                        <m:rPr>
-                          <m:sty m:val="p"/>
-                        </m:rPr>
+                        <a:rPr lang="ar-AE" sz="2400">
+                          <a:latin typeface="Cambria Math" panose="02040503050406030204" pitchFamily="18" charset="0"/>
+                        </a:rPr>
                         <m:t>=</m:t>
                       </m:r>
                       <m:r>
-                        <m:rPr>
-                          <m:sty m:val="b"/>
-                        </m:rPr>
-                        <m:t>ξ</m:t>
+                        <a:rPr lang="ar-AE" sz="2400">
+                          <a:latin typeface="Cambria Math" panose="02040503050406030204" pitchFamily="18" charset="0"/>
+                        </a:rPr>
+                        <m:t>𝛏</m:t>
                       </m:r>
                       <m:d>
                         <m:dPr>
-                          <m:begChr m:val="("/>
-                          <m:endChr m:val=")"/>
-                          <m:sepChr m:val=""/>
-                          <m:grow/>
+                          <m:ctrlPr>
+                            <a:rPr lang="ar-AE" sz="2400" i="1">
+                              <a:latin typeface="Cambria Math" panose="02040503050406030204" pitchFamily="18" charset="0"/>
+                            </a:rPr>
+                          </m:ctrlPr>
                         </m:dPr>
                         <m:e>
                           <m:r>
-                            <m:t>r</m:t>
+                            <a:rPr lang="ar-AE" sz="2400">
+                              <a:latin typeface="Cambria Math" panose="02040503050406030204" pitchFamily="18" charset="0"/>
+                            </a:rPr>
+                            <m:t>𝑟</m:t>
                           </m:r>
                         </m:e>
                       </m:d>
                       <m:sSup>
+                        <m:sSupPr>
+                          <m:ctrlPr>
+                            <a:rPr lang="ar-AE" sz="2400" i="1">
+                              <a:latin typeface="Cambria Math" panose="02040503050406030204" pitchFamily="18" charset="0"/>
+                            </a:rPr>
+                          </m:ctrlPr>
+                        </m:sSupPr>
                         <m:e>
                           <m:r>
-                            <m:t>e</m:t>
+                            <a:rPr lang="ar-AE" sz="2400">
+                              <a:latin typeface="Cambria Math" panose="02040503050406030204" pitchFamily="18" charset="0"/>
+                            </a:rPr>
+                            <m:t>𝑒</m:t>
                           </m:r>
                         </m:e>
                         <m:sup>
                           <m:r>
-                            <m:t>i</m:t>
+                            <a:rPr lang="ar-AE" sz="2400">
+                              <a:latin typeface="Cambria Math" panose="02040503050406030204" pitchFamily="18" charset="0"/>
+                            </a:rPr>
+                            <m:t>𝑖</m:t>
                           </m:r>
                           <m:d>
                             <m:dPr>
-                              <m:begChr m:val="("/>
-                              <m:endChr m:val=")"/>
-                              <m:sepChr m:val=""/>
-                              <m:grow/>
+                              <m:ctrlPr>
+                                <a:rPr lang="ar-AE" sz="2400" i="1">
+                                  <a:latin typeface="Cambria Math" panose="02040503050406030204" pitchFamily="18" charset="0"/>
+                                </a:rPr>
+                              </m:ctrlPr>
                             </m:dPr>
                             <m:e>
                               <m:r>
-                                <m:t>m</m:t>
+                                <a:rPr lang="ar-AE" sz="2400">
+                                  <a:latin typeface="Cambria Math" panose="02040503050406030204" pitchFamily="18" charset="0"/>
+                                </a:rPr>
+                                <m:t>𝑚</m:t>
                               </m:r>
                               <m:r>
-                                <m:t>θ</m:t>
+                                <a:rPr lang="ar-AE" sz="2400">
+                                  <a:latin typeface="Cambria Math" panose="02040503050406030204" pitchFamily="18" charset="0"/>
+                                </a:rPr>
+                                <m:t>𝜃</m:t>
                               </m:r>
                               <m:r>
-                                <m:rPr>
-                                  <m:sty m:val="p"/>
-                                </m:rPr>
+                                <a:rPr lang="ar-AE" sz="2400">
+                                  <a:latin typeface="Cambria Math" panose="02040503050406030204" pitchFamily="18" charset="0"/>
+                                </a:rPr>
                                 <m:t>+</m:t>
                               </m:r>
                               <m:r>
-                                <m:t>k</m:t>
-                              </m:r>
-                              <m:r>
-                                <m:t>z</m:t>
+                                <a:rPr lang="ar-AE" sz="2400">
+                                  <a:latin typeface="Cambria Math" panose="02040503050406030204" pitchFamily="18" charset="0"/>
+                                </a:rPr>
+                                <m:t>𝑘𝑧</m:t>
                               </m:r>
                             </m:e>
                           </m:d>
@@ -5355,9 +5812,16 @@
                     </m:oMath>
                   </m:oMathPara>
                 </a14:m>
+                <a:endParaRPr lang="ar-AE" sz="2400" dirty="0"/>
               </a:p>
               <a:p>
-                <a:pPr lvl="0" indent="0" marL="0">
+                <a:pPr marL="0" lvl="0" indent="0">
+                  <a:buNone/>
+                </a:pPr>
+                <a:endParaRPr lang="ar-AE" sz="2400" dirty="0"/>
+              </a:p>
+              <a:p>
+                <a:pPr marL="0" lvl="0" indent="0">
                   <a:buNone/>
                 </a:pPr>
                 <a14:m>
@@ -5365,103 +5829,173 @@
                     <m:oMathParaPr>
                       <m:jc m:val="center"/>
                     </m:oMathParaPr>
-                    <m:oMath>
+                    <m:oMath xmlns:m="http://schemas.openxmlformats.org/officeDocument/2006/math">
                       <m:r>
-                        <m:rPr>
-                          <m:sty m:val="b"/>
-                        </m:rPr>
-                        <m:t>B</m:t>
+                        <a:rPr lang="ar-AE" sz="2400">
+                          <a:latin typeface="Cambria Math" panose="02040503050406030204" pitchFamily="18" charset="0"/>
+                        </a:rPr>
+                        <m:t>𝐁</m:t>
                       </m:r>
                       <m:r>
-                        <m:rPr>
-                          <m:sty m:val="p"/>
-                        </m:rPr>
+                        <a:rPr lang="ar-AE" sz="2400">
+                          <a:latin typeface="Cambria Math" panose="02040503050406030204" pitchFamily="18" charset="0"/>
+                        </a:rPr>
                         <m:t>⋅</m:t>
                       </m:r>
                       <m:r>
                         <m:rPr>
                           <m:sty m:val="p"/>
                         </m:rPr>
+                        <a:rPr lang="ar-AE" sz="2400">
+                          <a:latin typeface="Cambria Math" panose="02040503050406030204" pitchFamily="18" charset="0"/>
+                        </a:rPr>
                         <m:t>∇</m:t>
                       </m:r>
                       <m:r>
-                        <m:rPr>
-                          <m:sty m:val="p"/>
-                        </m:rPr>
+                        <a:rPr lang="ar-AE" sz="2400">
+                          <a:latin typeface="Cambria Math" panose="02040503050406030204" pitchFamily="18" charset="0"/>
+                        </a:rPr>
                         <m:t>=</m:t>
                       </m:r>
                       <m:f>
                         <m:fPr>
-                          <m:type m:val="bar"/>
+                          <m:ctrlPr>
+                            <a:rPr lang="ar-AE" sz="2400" i="1">
+                              <a:latin typeface="Cambria Math" panose="02040503050406030204" pitchFamily="18" charset="0"/>
+                            </a:rPr>
+                          </m:ctrlPr>
                         </m:fPr>
                         <m:num>
                           <m:r>
-                            <m:t>i</m:t>
-                          </m:r>
-                          <m:r>
-                            <m:t>m</m:t>
+                            <a:rPr lang="ar-AE" sz="2400">
+                              <a:latin typeface="Cambria Math" panose="02040503050406030204" pitchFamily="18" charset="0"/>
+                            </a:rPr>
+                            <m:t>𝑖𝑚</m:t>
                           </m:r>
                         </m:num>
                         <m:den>
                           <m:r>
-                            <m:t>r</m:t>
+                            <a:rPr lang="ar-AE" sz="2400">
+                              <a:latin typeface="Cambria Math" panose="02040503050406030204" pitchFamily="18" charset="0"/>
+                            </a:rPr>
+                            <m:t>𝑟</m:t>
                           </m:r>
                         </m:den>
                       </m:f>
                       <m:sSub>
+                        <m:sSubPr>
+                          <m:ctrlPr>
+                            <a:rPr lang="ar-AE" sz="2400" i="1">
+                              <a:latin typeface="Cambria Math" panose="02040503050406030204" pitchFamily="18" charset="0"/>
+                            </a:rPr>
+                          </m:ctrlPr>
+                        </m:sSubPr>
                         <m:e>
                           <m:r>
-                            <m:t>B</m:t>
+                            <a:rPr lang="ar-AE" sz="2400">
+                              <a:latin typeface="Cambria Math" panose="02040503050406030204" pitchFamily="18" charset="0"/>
+                            </a:rPr>
+                            <m:t>𝐵</m:t>
                           </m:r>
                         </m:e>
                         <m:sub>
                           <m:r>
-                            <m:t>θ</m:t>
+                            <a:rPr lang="ar-AE" sz="2400">
+                              <a:latin typeface="Cambria Math" panose="02040503050406030204" pitchFamily="18" charset="0"/>
+                            </a:rPr>
+                            <m:t>𝜃</m:t>
                           </m:r>
                         </m:sub>
                       </m:sSub>
                       <m:r>
-                        <m:rPr>
-                          <m:sty m:val="p"/>
-                        </m:rPr>
+                        <a:rPr lang="ar-AE" sz="2400">
+                          <a:latin typeface="Cambria Math" panose="02040503050406030204" pitchFamily="18" charset="0"/>
+                        </a:rPr>
                         <m:t>+</m:t>
                       </m:r>
                       <m:r>
-                        <m:t>i</m:t>
-                      </m:r>
-                      <m:r>
-                        <m:t>k</m:t>
+                        <a:rPr lang="ar-AE" sz="2400">
+                          <a:latin typeface="Cambria Math" panose="02040503050406030204" pitchFamily="18" charset="0"/>
+                        </a:rPr>
+                        <m:t>𝑖𝑘</m:t>
                       </m:r>
                       <m:sSub>
+                        <m:sSubPr>
+                          <m:ctrlPr>
+                            <a:rPr lang="ar-AE" sz="2400" i="1">
+                              <a:latin typeface="Cambria Math" panose="02040503050406030204" pitchFamily="18" charset="0"/>
+                            </a:rPr>
+                          </m:ctrlPr>
+                        </m:sSubPr>
                         <m:e>
                           <m:r>
-                            <m:t>B</m:t>
+                            <a:rPr lang="ar-AE" sz="2400">
+                              <a:latin typeface="Cambria Math" panose="02040503050406030204" pitchFamily="18" charset="0"/>
+                            </a:rPr>
+                            <m:t>𝐵</m:t>
                           </m:r>
                         </m:e>
                         <m:sub>
                           <m:r>
-                            <m:t>z</m:t>
+                            <a:rPr lang="ar-AE" sz="2400">
+                              <a:latin typeface="Cambria Math" panose="02040503050406030204" pitchFamily="18" charset="0"/>
+                            </a:rPr>
+                            <m:t>𝑧</m:t>
                           </m:r>
                         </m:sub>
                       </m:sSub>
                     </m:oMath>
                   </m:oMathPara>
                 </a14:m>
+                <a:endParaRPr sz="2400" dirty="0"/>
               </a:p>
             </p:txBody>
           </p:sp>
         </mc:Choice>
+        <mc:Fallback>
+          <p:sp>
+            <p:nvSpPr>
+              <p:cNvPr id="4" name="Text Placeholder 3"/>
+              <p:cNvSpPr>
+                <a:spLocks noGrp="1" noRot="1" noChangeAspect="1" noMove="1" noResize="1" noEditPoints="1" noAdjustHandles="1" noChangeArrowheads="1" noChangeShapeType="1" noTextEdit="1"/>
+              </p:cNvSpPr>
+              <p:nvPr>
+                <p:ph type="body" sz="half" idx="2"/>
+              </p:nvPr>
+            </p:nvSpPr>
+            <p:spPr>
+              <a:blipFill>
+                <a:blip r:embed="rId2"/>
+                <a:stretch>
+                  <a:fillRect l="-3376" t="-360" r="-4219"/>
+                </a:stretch>
+              </a:blipFill>
+            </p:spPr>
+            <p:txBody>
+              <a:bodyPr/>
+              <a:lstStyle/>
+              <a:p>
+                <a:r>
+                  <a:rPr lang="en-US">
+                    <a:noFill/>
+                  </a:rPr>
+                  <a:t> </a:t>
+                </a:r>
+              </a:p>
+            </p:txBody>
+          </p:sp>
+        </mc:Fallback>
       </mc:AlternateContent>
       <p:pic>
         <p:nvPicPr>
-          <p:cNvPr descr="20250416112025.png" id="0" name="Picture 1"/>
+          <p:cNvPr id="3" name="Picture 1" descr="20250416112025.png"/>
           <p:cNvPicPr>
             <a:picLocks noGrp="1" noChangeAspect="1"/>
           </p:cNvPicPr>
           <p:nvPr/>
         </p:nvPicPr>
         <p:blipFill>
-          <a:blip r:embed="rId2"/>
+          <a:blip r:embed="rId3"/>
           <a:stretch>
             <a:fillRect/>
           </a:stretch>
@@ -5484,7 +6018,7 @@
       </p:pic>
       <p:sp>
         <p:nvSpPr>
-          <p:cNvPr id="1" name="TextBox 3"/>
+          <p:cNvPr id="5" name="TextBox 3"/>
           <p:cNvSpPr txBox="1"/>
           <p:nvPr/>
         </p:nvSpPr>
@@ -5502,11 +6036,10 @@
           <a:bodyPr/>
           <a:lstStyle/>
           <a:p>
-            <a:pPr lvl="0" indent="0" marL="0" algn="ctr">
+            <a:pPr marL="0" lvl="0" indent="0" algn="ctr">
               <a:buNone/>
             </a:pPr>
             <a:r>
-              <a:rPr/>
               <a:t>Displacements of the plasma</a:t>
             </a:r>
           </a:p>
@@ -5514,6 +6047,9 @@
       </p:sp>
     </p:spTree>
   </p:cSld>
+  <p:clrMapOvr>
+    <a:masterClrMapping/>
+  </p:clrMapOvr>
 </p:sld>
 </file>
 
@@ -5549,11 +6085,10 @@
           <a:bodyPr/>
           <a:lstStyle/>
           <a:p>
-            <a:pPr lvl="0" indent="0" marL="0">
+            <a:pPr marL="0" lvl="0" indent="0">
               <a:buNone/>
             </a:pPr>
             <a:r>
-              <a:rPr/>
               <a:t>Kink Instability (KI) - Two stages</a:t>
             </a:r>
           </a:p>
@@ -5571,19 +6106,19 @@
         </p:nvSpPr>
         <p:spPr/>
         <p:txBody>
-          <a:bodyPr/>
+          <a:bodyPr>
+            <a:normAutofit fontScale="92500"/>
+          </a:bodyPr>
           <a:lstStyle/>
           <a:p>
             <a:pPr lvl="0"/>
             <a:r>
-              <a:rPr/>
               <a:t>Internal kink (First): grows internally in the jet without affecting the overall jet morphology. It converts the magnetic energy into thermal energy via magnetic reconnection. As a result, the toroidal magnetic field decays, and the jet finds itself in a stable configuration that inhibits further growth of the internal kink</a:t>
             </a:r>
           </a:p>
           <a:p>
             <a:pPr lvl="0"/>
             <a:r>
-              <a:rPr/>
               <a:t>External kink (Second): kink modes can still grow externally on the periphery of the jet and perturb the entire jet body. Such an external kink instability grows over longer time-scales and typically affects the outer parts of the jet, near the jet head.</a:t>
             </a:r>
           </a:p>
@@ -5591,6 +6126,9 @@
       </p:sp>
     </p:spTree>
   </p:cSld>
+  <p:clrMapOvr>
+    <a:masterClrMapping/>
+  </p:clrMapOvr>
 </p:sld>
 </file>
 
@@ -5626,11 +6164,10 @@
           <a:bodyPr/>
           <a:lstStyle/>
           <a:p>
-            <a:pPr lvl="0" indent="0" marL="0">
+            <a:pPr marL="0" lvl="0" indent="0">
               <a:buNone/>
             </a:pPr>
             <a:r>
-              <a:rPr/>
               <a:t>Internal instability - two stages</a:t>
             </a:r>
           </a:p>
@@ -5638,7 +6175,7 @@
       </p:sp>
       <p:pic>
         <p:nvPicPr>
-          <p:cNvPr descr="alvesEfficientNonthermalParticle2018_fig_S1.png" id="0" name="Picture 1"/>
+          <p:cNvPr id="3" name="Picture 1" descr="alvesEfficientNonthermalParticle2018_fig_S1.png"/>
           <p:cNvPicPr>
             <a:picLocks noGrp="1" noChangeAspect="1"/>
           </p:cNvPicPr>
@@ -5668,7 +6205,7 @@
       </p:pic>
       <p:sp>
         <p:nvSpPr>
-          <p:cNvPr id="1" name="TextBox 3"/>
+          <p:cNvPr id="4" name="TextBox 3"/>
           <p:cNvSpPr txBox="1"/>
           <p:nvPr/>
         </p:nvSpPr>
@@ -5686,11 +6223,10 @@
           <a:bodyPr/>
           <a:lstStyle/>
           <a:p>
-            <a:pPr lvl="0" indent="0" marL="0" algn="ctr">
+            <a:pPr marL="0" lvl="0" indent="0" algn="ctr">
               <a:buNone/>
             </a:pPr>
             <a:r>
-              <a:rPr/>
               <a:t>Schematic illustration of the formation of a coherent inductive electric field along jet axis.</a:t>
             </a:r>
           </a:p>
@@ -5698,6 +6234,9 @@
       </p:sp>
     </p:spTree>
   </p:cSld>
+  <p:clrMapOvr>
+    <a:masterClrMapping/>
+  </p:clrMapOvr>
 </p:sld>
 </file>
 
@@ -5733,11 +6272,10 @@
           <a:bodyPr/>
           <a:lstStyle/>
           <a:p>
-            <a:pPr lvl="0" indent="0" marL="0">
+            <a:pPr marL="0" lvl="0" indent="0">
               <a:buNone/>
             </a:pPr>
             <a:r>
-              <a:rPr/>
               <a:t>Simulation Setup</a:t>
             </a:r>
           </a:p>
@@ -5757,94 +6295,90 @@
             </p:nvSpPr>
             <p:spPr/>
             <p:txBody>
-              <a:bodyPr/>
+              <a:bodyPr>
+                <a:normAutofit lnSpcReduction="10000"/>
+              </a:bodyPr>
               <a:lstStyle/>
               <a:p>
                 <a:pPr lvl="0"/>
                 <a:r>
-                  <a:rPr/>
                   <a:t>Approach: 3D PIC simulations with OSIRIS 3.0, tracking both MHD scales (jet radius R₀) and kinetic scales (gyroradius ρ)</a:t>
                 </a:r>
               </a:p>
               <a:p>
                 <a:pPr lvl="0"/>
                 <a:r>
-                  <a:rPr/>
                   <a:t>Parameters:</a:t>
                 </a:r>
               </a:p>
               <a:p>
                 <a:pPr lvl="1"/>
                 <a:r>
-                  <a:rPr/>
                   <a:t>Electron‑positron plasma in hydromagnetic equilibrium.</a:t>
                 </a:r>
               </a:p>
               <a:p>
                 <a:pPr lvl="1"/>
                 <a:r>
-                  <a:rPr/>
                   <a:t>Toroidal B‑field, magnetization </a:t>
                 </a:r>
                 <a14:m>
                   <m:oMath xmlns:m="http://schemas.openxmlformats.org/officeDocument/2006/math">
                     <m:r>
-                      <m:t>σ</m:t>
+                      <a:rPr>
+                        <a:latin typeface="Cambria Math" panose="02040503050406030204" pitchFamily="18" charset="0"/>
+                      </a:rPr>
+                      <m:t>𝜎</m:t>
                     </m:r>
                     <m:r>
-                      <m:rPr>
-                        <m:sty m:val="p"/>
-                      </m:rPr>
+                      <a:rPr>
+                        <a:latin typeface="Cambria Math" panose="02040503050406030204" pitchFamily="18" charset="0"/>
+                      </a:rPr>
                       <m:t>≡</m:t>
                     </m:r>
                     <m:r>
-                      <m:t>B</m:t>
+                      <a:rPr>
+                        <a:latin typeface="Cambria Math" panose="02040503050406030204" pitchFamily="18" charset="0"/>
+                      </a:rPr>
+                      <m:t>𝐵</m:t>
                     </m:r>
                     <m:r>
-                      <m:rPr>
-                        <m:sty m:val="p"/>
-                      </m:rPr>
-                      <m:t>₀</m:t>
-                    </m:r>
-                    <m:r>
-                      <m:rPr>
-                        <m:sty m:val="p"/>
-                      </m:rPr>
-                      <m:t>²</m:t>
-                    </m:r>
-                    <m:r>
-                      <m:rPr>
-                        <m:sty m:val="p"/>
-                      </m:rPr>
-                      <m:t>/</m:t>
+                      <a:rPr>
+                        <a:latin typeface="Cambria Math" panose="02040503050406030204" pitchFamily="18" charset="0"/>
+                      </a:rPr>
+                      <m:t>₀²/</m:t>
                     </m:r>
                     <m:d>
                       <m:dPr>
-                        <m:begChr m:val="("/>
-                        <m:endChr m:val=")"/>
-                        <m:sepChr m:val=""/>
-                        <m:grow/>
+                        <m:ctrlPr>
+                          <a:rPr i="1">
+                            <a:latin typeface="Cambria Math" panose="02040503050406030204" pitchFamily="18" charset="0"/>
+                          </a:rPr>
+                        </m:ctrlPr>
                       </m:dPr>
                       <m:e>
                         <m:r>
+                          <a:rPr>
+                            <a:latin typeface="Cambria Math" panose="02040503050406030204" pitchFamily="18" charset="0"/>
+                          </a:rPr>
                           <m:t>4</m:t>
                         </m:r>
                         <m:r>
-                          <m:t>π</m:t>
+                          <a:rPr>
+                            <a:latin typeface="Cambria Math" panose="02040503050406030204" pitchFamily="18" charset="0"/>
+                          </a:rPr>
+                          <m:t>𝜋</m:t>
                         </m:r>
                         <m:r>
-                          <m:t>n</m:t>
+                          <a:rPr>
+                            <a:latin typeface="Cambria Math" panose="02040503050406030204" pitchFamily="18" charset="0"/>
+                          </a:rPr>
+                          <m:t>𝑛𝑚𝑐</m:t>
                         </m:r>
                         <m:r>
-                          <m:t>m</m:t>
-                        </m:r>
-                        <m:r>
-                          <m:t>c</m:t>
-                        </m:r>
-                        <m:r>
-                          <m:rPr>
-                            <m:sty m:val="p"/>
-                          </m:rPr>
+                          <a:rPr>
+                            <a:latin typeface="Cambria Math" panose="02040503050406030204" pitchFamily="18" charset="0"/>
+                          </a:rPr>
                           <m:t>²</m:t>
                         </m:r>
                       </m:e>
@@ -5852,84 +6386,127 @@
                   </m:oMath>
                 </a14:m>
                 <a:r>
-                  <a:rPr/>
                   <a:t> up to σ = 25.</a:t>
                 </a:r>
               </a:p>
               <a:p>
                 <a:pPr lvl="1"/>
                 <a:r>
-                  <a:rPr/>
                   <a:t>Plasma current density </a:t>
                 </a:r>
                 <a14:m>
                   <m:oMath xmlns:m="http://schemas.openxmlformats.org/officeDocument/2006/math">
                     <m:r>
-                      <m:t>J</m:t>
+                      <a:rPr>
+                        <a:latin typeface="Cambria Math" panose="02040503050406030204" pitchFamily="18" charset="0"/>
+                      </a:rPr>
+                      <m:t>𝐽</m:t>
+                    </m:r>
+                    <m:r>
+                      <a:rPr>
+                        <a:latin typeface="Cambria Math" panose="02040503050406030204" pitchFamily="18" charset="0"/>
+                      </a:rPr>
+                      <m:t>=</m:t>
+                    </m:r>
+                    <m:r>
+                      <a:rPr>
+                        <a:latin typeface="Cambria Math" panose="02040503050406030204" pitchFamily="18" charset="0"/>
+                      </a:rPr>
+                      <m:t>𝑐</m:t>
+                    </m:r>
+                    <m:r>
+                      <a:rPr>
+                        <a:latin typeface="Cambria Math" panose="02040503050406030204" pitchFamily="18" charset="0"/>
+                      </a:rPr>
+                      <m:t>/4</m:t>
+                    </m:r>
+                    <m:r>
+                      <a:rPr>
+                        <a:latin typeface="Cambria Math" panose="02040503050406030204" pitchFamily="18" charset="0"/>
+                      </a:rPr>
+                      <m:t>𝜋</m:t>
                     </m:r>
                     <m:r>
                       <m:rPr>
                         <m:sty m:val="p"/>
                       </m:rPr>
-                      <m:t>=</m:t>
-                    </m:r>
-                    <m:r>
-                      <m:t>c</m:t>
-                    </m:r>
-                    <m:r>
-                      <m:rPr>
-                        <m:sty m:val="p"/>
-                      </m:rPr>
-                      <m:t>/</m:t>
-                    </m:r>
-                    <m:r>
-                      <m:t>4</m:t>
-                    </m:r>
-                    <m:r>
-                      <m:t>π</m:t>
-                    </m:r>
-                    <m:r>
-                      <m:rPr>
-                        <m:sty m:val="p"/>
-                      </m:rPr>
+                      <a:rPr>
+                        <a:latin typeface="Cambria Math" panose="02040503050406030204" pitchFamily="18" charset="0"/>
+                      </a:rPr>
                       <m:t>∇</m:t>
                     </m:r>
                     <m:r>
-                      <m:rPr>
-                        <m:sty m:val="p"/>
-                      </m:rPr>
+                      <a:rPr>
+                        <a:latin typeface="Cambria Math" panose="02040503050406030204" pitchFamily="18" charset="0"/>
+                      </a:rPr>
                       <m:t>×</m:t>
                     </m:r>
                     <m:r>
-                      <m:t>B</m:t>
+                      <a:rPr>
+                        <a:latin typeface="Cambria Math" panose="02040503050406030204" pitchFamily="18" charset="0"/>
+                      </a:rPr>
+                      <m:t>𝐵</m:t>
                     </m:r>
                   </m:oMath>
                 </a14:m>
                 <a:r>
-                  <a:rPr/>
                   <a:t> supported by symmetrically streaming electrons and positrons.</a:t>
                 </a:r>
               </a:p>
               <a:p>
                 <a:pPr lvl="1"/>
                 <a:r>
-                  <a:rPr/>
                   <a:t>Domain size ~ (10–20) R₀, resolving ρ with ≳10 cells.</a:t>
                 </a:r>
               </a:p>
               <a:p>
                 <a:pPr lvl="1"/>
                 <a:r>
-                  <a:rPr/>
                   <a:t>Up to 5.5×10¹¹ particles tracked.</a:t>
                 </a:r>
               </a:p>
             </p:txBody>
           </p:sp>
         </mc:Choice>
+        <mc:Fallback>
+          <p:sp>
+            <p:nvSpPr>
+              <p:cNvPr id="3" name="Content Placeholder 2"/>
+              <p:cNvSpPr>
+                <a:spLocks noGrp="1" noRot="1" noChangeAspect="1" noMove="1" noResize="1" noEditPoints="1" noAdjustHandles="1" noChangeArrowheads="1" noChangeShapeType="1" noTextEdit="1"/>
+              </p:cNvSpPr>
+              <p:nvPr>
+                <p:ph idx="1"/>
+              </p:nvPr>
+            </p:nvSpPr>
+            <p:spPr>
+              <a:blipFill>
+                <a:blip r:embed="rId2"/>
+                <a:stretch>
+                  <a:fillRect l="-1080" t="-2239"/>
+                </a:stretch>
+              </a:blipFill>
+            </p:spPr>
+            <p:txBody>
+              <a:bodyPr/>
+              <a:lstStyle/>
+              <a:p>
+                <a:r>
+                  <a:rPr lang="en-US">
+                    <a:noFill/>
+                  </a:rPr>
+                  <a:t> </a:t>
+                </a:r>
+              </a:p>
+            </p:txBody>
+          </p:sp>
+        </mc:Fallback>
       </mc:AlternateContent>
     </p:spTree>
   </p:cSld>
+  <p:clrMapOvr>
+    <a:masterClrMapping/>
+  </p:clrMapOvr>
 </p:sld>
 </file>
 

--- a/docs/blog/journal_club/2025-04-16_kink_instability/index.pptx
+++ b/docs/blog/journal_club/2025-04-16_kink_instability/index.pptx
@@ -1,6 +1,6 @@
 
 <file path=ppt/presentation.xml><?xml version="1.0" encoding="utf-8"?>
-<p:presentation xmlns:a="http://schemas.openxmlformats.org/drawingml/2006/main" xmlns:r="http://schemas.openxmlformats.org/officeDocument/2006/relationships" xmlns:p="http://schemas.openxmlformats.org/presentationml/2006/main" saveSubsetFonts="1" autoCompressPictures="0">
+<p:presentation xmlns:a="http://schemas.openxmlformats.org/drawingml/2006/main" xmlns:p="http://schemas.openxmlformats.org/presentationml/2006/main" xmlns:r="http://schemas.openxmlformats.org/officeDocument/2006/relationships" autoCompressPictures="0" saveSubsetFonts="1">
   <p:sldMasterIdLst>
     <p:sldMasterId id="2147483648" r:id="rId1"/>
   </p:sldMasterIdLst>
@@ -31,8 +31,8 @@
     <a:defPPr>
       <a:defRPr lang="en-US"/>
     </a:defPPr>
-    <a:lvl1pPr marL="0" algn="l" defTabSz="457200" rtl="0" eaLnBrk="1" latinLnBrk="0" hangingPunct="1">
-      <a:defRPr sz="1800" kern="1200">
+    <a:lvl1pPr algn="l" defTabSz="457200" eaLnBrk="1" hangingPunct="1" latinLnBrk="0" marL="0" rtl="0">
+      <a:defRPr kern="1200" sz="1800">
         <a:solidFill>
           <a:schemeClr val="tx1"/>
         </a:solidFill>
@@ -41,8 +41,8 @@
         <a:cs typeface="+mn-cs"/>
       </a:defRPr>
     </a:lvl1pPr>
-    <a:lvl2pPr marL="457200" algn="l" defTabSz="457200" rtl="0" eaLnBrk="1" latinLnBrk="0" hangingPunct="1">
-      <a:defRPr sz="1800" kern="1200">
+    <a:lvl2pPr algn="l" defTabSz="457200" eaLnBrk="1" hangingPunct="1" latinLnBrk="0" marL="457200" rtl="0">
+      <a:defRPr kern="1200" sz="1800">
         <a:solidFill>
           <a:schemeClr val="tx1"/>
         </a:solidFill>
@@ -51,8 +51,8 @@
         <a:cs typeface="+mn-cs"/>
       </a:defRPr>
     </a:lvl2pPr>
-    <a:lvl3pPr marL="914400" algn="l" defTabSz="457200" rtl="0" eaLnBrk="1" latinLnBrk="0" hangingPunct="1">
-      <a:defRPr sz="1800" kern="1200">
+    <a:lvl3pPr algn="l" defTabSz="457200" eaLnBrk="1" hangingPunct="1" latinLnBrk="0" marL="914400" rtl="0">
+      <a:defRPr kern="1200" sz="1800">
         <a:solidFill>
           <a:schemeClr val="tx1"/>
         </a:solidFill>
@@ -61,8 +61,8 @@
         <a:cs typeface="+mn-cs"/>
       </a:defRPr>
     </a:lvl3pPr>
-    <a:lvl4pPr marL="1371600" algn="l" defTabSz="457200" rtl="0" eaLnBrk="1" latinLnBrk="0" hangingPunct="1">
-      <a:defRPr sz="1800" kern="1200">
+    <a:lvl4pPr algn="l" defTabSz="457200" eaLnBrk="1" hangingPunct="1" latinLnBrk="0" marL="1371600" rtl="0">
+      <a:defRPr kern="1200" sz="1800">
         <a:solidFill>
           <a:schemeClr val="tx1"/>
         </a:solidFill>
@@ -71,8 +71,8 @@
         <a:cs typeface="+mn-cs"/>
       </a:defRPr>
     </a:lvl4pPr>
-    <a:lvl5pPr marL="1828800" algn="l" defTabSz="457200" rtl="0" eaLnBrk="1" latinLnBrk="0" hangingPunct="1">
-      <a:defRPr sz="1800" kern="1200">
+    <a:lvl5pPr algn="l" defTabSz="457200" eaLnBrk="1" hangingPunct="1" latinLnBrk="0" marL="1828800" rtl="0">
+      <a:defRPr kern="1200" sz="1800">
         <a:solidFill>
           <a:schemeClr val="tx1"/>
         </a:solidFill>
@@ -81,8 +81,8 @@
         <a:cs typeface="+mn-cs"/>
       </a:defRPr>
     </a:lvl5pPr>
-    <a:lvl6pPr marL="2286000" algn="l" defTabSz="457200" rtl="0" eaLnBrk="1" latinLnBrk="0" hangingPunct="1">
-      <a:defRPr sz="1800" kern="1200">
+    <a:lvl6pPr algn="l" defTabSz="457200" eaLnBrk="1" hangingPunct="1" latinLnBrk="0" marL="2286000" rtl="0">
+      <a:defRPr kern="1200" sz="1800">
         <a:solidFill>
           <a:schemeClr val="tx1"/>
         </a:solidFill>
@@ -91,8 +91,8 @@
         <a:cs typeface="+mn-cs"/>
       </a:defRPr>
     </a:lvl6pPr>
-    <a:lvl7pPr marL="2743200" algn="l" defTabSz="457200" rtl="0" eaLnBrk="1" latinLnBrk="0" hangingPunct="1">
-      <a:defRPr sz="1800" kern="1200">
+    <a:lvl7pPr algn="l" defTabSz="457200" eaLnBrk="1" hangingPunct="1" latinLnBrk="0" marL="2743200" rtl="0">
+      <a:defRPr kern="1200" sz="1800">
         <a:solidFill>
           <a:schemeClr val="tx1"/>
         </a:solidFill>
@@ -101,8 +101,8 @@
         <a:cs typeface="+mn-cs"/>
       </a:defRPr>
     </a:lvl7pPr>
-    <a:lvl8pPr marL="3200400" algn="l" defTabSz="457200" rtl="0" eaLnBrk="1" latinLnBrk="0" hangingPunct="1">
-      <a:defRPr sz="1800" kern="1200">
+    <a:lvl8pPr algn="l" defTabSz="457200" eaLnBrk="1" hangingPunct="1" latinLnBrk="0" marL="3200400" rtl="0">
+      <a:defRPr kern="1200" sz="1800">
         <a:solidFill>
           <a:schemeClr val="tx1"/>
         </a:solidFill>
@@ -111,8 +111,8 @@
         <a:cs typeface="+mn-cs"/>
       </a:defRPr>
     </a:lvl8pPr>
-    <a:lvl9pPr marL="3657600" algn="l" defTabSz="457200" rtl="0" eaLnBrk="1" latinLnBrk="0" hangingPunct="1">
-      <a:defRPr sz="1800" kern="1200">
+    <a:lvl9pPr algn="l" defTabSz="457200" eaLnBrk="1" hangingPunct="1" latinLnBrk="0" marL="3657600" rtl="0">
+      <a:defRPr kern="1200" sz="1800">
         <a:solidFill>
           <a:schemeClr val="tx1"/>
         </a:solidFill>
@@ -223,7 +223,7 @@
           <a:p>
             <a:fld id="{0F9C1CCF-B725-44A7-AA57-5E433BD85C9F}" type="datetimeFigureOut">
               <a:rPr lang="en-US" smtClean="0"/>
-              <a:t>4/16/25</a:t>
+              <a:t>1/2/22</a:t>
             </a:fld>
             <a:endParaRPr lang="en-US"/>
           </a:p>
@@ -534,10 +534,11 @@
           <a:bodyPr/>
           <a:lstStyle/>
           <a:p>
-            <a:pPr marL="0" lvl="0" indent="0">
+            <a:pPr lvl="0" indent="0" marL="0">
               <a:buNone/>
             </a:pPr>
             <a:r>
+              <a:rPr/>
               <a:t>These drifts allow particles to gain energy from the inductive electric field, with the instantaneous rate of energy gain being connected to the spatial and temporal distribution of the magnetic field curvature. Figure 3(c) illustrates the energy evolution of particles that start highly magnetized and reach the confinement energy. These particles experience fast energy gains by encountering regions where the field curvature radius κ−1 is only a few times their gyroradius. Once they are accelerated to a large fraction (0.2–0.3) of the confinement energy, the guiding center approximation breaks down [Fig. 3(c)], and particles become effectively unmagnetized, moving with vz ∼ c along the jet axis. The acceleration stops when the particles either escape the jet spine in the transverse direction or when the electric field decays as the instability subsides.</a:t>
             </a:r>
           </a:p>
@@ -568,9 +569,6 @@
       </p:sp>
     </p:spTree>
   </p:cSld>
-  <p:clrMapOvr>
-    <a:masterClrMapping/>
-  </p:clrMapOvr>
 </p:notes>
 </file>
 
@@ -753,7 +751,7 @@
           <a:p>
             <a:fld id="{241EB5C9-1307-BA42-ABA2-0BC069CD8E7F}" type="datetimeFigureOut">
               <a:rPr lang="en-US" smtClean="0"/>
-              <a:t>4/16/25</a:t>
+              <a:t>1/2/22</a:t>
             </a:fld>
             <a:endParaRPr lang="en-US"/>
           </a:p>
@@ -921,7 +919,7 @@
           <a:p>
             <a:fld id="{241EB5C9-1307-BA42-ABA2-0BC069CD8E7F}" type="datetimeFigureOut">
               <a:rPr lang="en-US" smtClean="0"/>
-              <a:t>4/16/25</a:t>
+              <a:t>1/2/22</a:t>
             </a:fld>
             <a:endParaRPr lang="en-US"/>
           </a:p>
@@ -1099,7 +1097,7 @@
           <a:p>
             <a:fld id="{241EB5C9-1307-BA42-ABA2-0BC069CD8E7F}" type="datetimeFigureOut">
               <a:rPr lang="en-US" smtClean="0"/>
-              <a:t>4/16/25</a:t>
+              <a:t>1/2/22</a:t>
             </a:fld>
             <a:endParaRPr lang="en-US"/>
           </a:p>
@@ -1267,7 +1265,7 @@
           <a:p>
             <a:fld id="{241EB5C9-1307-BA42-ABA2-0BC069CD8E7F}" type="datetimeFigureOut">
               <a:rPr lang="en-US" smtClean="0"/>
-              <a:t>4/16/25</a:t>
+              <a:t>1/2/22</a:t>
             </a:fld>
             <a:endParaRPr lang="en-US"/>
           </a:p>
@@ -1512,7 +1510,7 @@
           <a:p>
             <a:fld id="{241EB5C9-1307-BA42-ABA2-0BC069CD8E7F}" type="datetimeFigureOut">
               <a:rPr lang="en-US" smtClean="0"/>
-              <a:t>4/16/25</a:t>
+              <a:t>1/2/22</a:t>
             </a:fld>
             <a:endParaRPr lang="en-US"/>
           </a:p>
@@ -1797,7 +1795,7 @@
           <a:p>
             <a:fld id="{241EB5C9-1307-BA42-ABA2-0BC069CD8E7F}" type="datetimeFigureOut">
               <a:rPr lang="en-US" smtClean="0"/>
-              <a:t>4/16/25</a:t>
+              <a:t>1/2/22</a:t>
             </a:fld>
             <a:endParaRPr lang="en-US"/>
           </a:p>
@@ -2216,7 +2214,7 @@
           <a:p>
             <a:fld id="{241EB5C9-1307-BA42-ABA2-0BC069CD8E7F}" type="datetimeFigureOut">
               <a:rPr lang="en-US" smtClean="0"/>
-              <a:t>4/16/25</a:t>
+              <a:t>1/2/22</a:t>
             </a:fld>
             <a:endParaRPr lang="en-US"/>
           </a:p>
@@ -2333,7 +2331,7 @@
           <a:p>
             <a:fld id="{241EB5C9-1307-BA42-ABA2-0BC069CD8E7F}" type="datetimeFigureOut">
               <a:rPr lang="en-US" smtClean="0"/>
-              <a:t>4/16/25</a:t>
+              <a:t>1/2/22</a:t>
             </a:fld>
             <a:endParaRPr lang="en-US"/>
           </a:p>
@@ -2428,7 +2426,7 @@
           <a:p>
             <a:fld id="{241EB5C9-1307-BA42-ABA2-0BC069CD8E7F}" type="datetimeFigureOut">
               <a:rPr lang="en-US" smtClean="0"/>
-              <a:t>4/16/25</a:t>
+              <a:t>1/2/22</a:t>
             </a:fld>
             <a:endParaRPr lang="en-US"/>
           </a:p>
@@ -2703,7 +2701,7 @@
           <a:p>
             <a:fld id="{241EB5C9-1307-BA42-ABA2-0BC069CD8E7F}" type="datetimeFigureOut">
               <a:rPr lang="en-US" smtClean="0"/>
-              <a:t>4/16/25</a:t>
+              <a:t>1/2/22</a:t>
             </a:fld>
             <a:endParaRPr lang="en-US"/>
           </a:p>
@@ -2955,7 +2953,7 @@
           <a:p>
             <a:fld id="{241EB5C9-1307-BA42-ABA2-0BC069CD8E7F}" type="datetimeFigureOut">
               <a:rPr lang="en-US" smtClean="0"/>
-              <a:t>4/16/25</a:t>
+              <a:t>1/2/22</a:t>
             </a:fld>
             <a:endParaRPr lang="en-US"/>
           </a:p>
@@ -3017,7 +3015,7 @@
 </file>
 
 <file path=ppt/slideMasters/slideMaster1.xml><?xml version="1.0" encoding="utf-8"?>
-<p:sldMaster xmlns:a="http://schemas.openxmlformats.org/drawingml/2006/main" xmlns:r="http://schemas.openxmlformats.org/officeDocument/2006/relationships" xmlns:p="http://schemas.openxmlformats.org/presentationml/2006/main">
+<p:sldMaster xmlns:a="http://schemas.openxmlformats.org/drawingml/2006/main" xmlns:p="http://schemas.openxmlformats.org/presentationml/2006/main" xmlns:r="http://schemas.openxmlformats.org/officeDocument/2006/relationships">
   <p:cSld>
     <p:bg>
       <p:bgRef idx="1001">
@@ -3058,7 +3056,7 @@
           </a:prstGeom>
         </p:spPr>
         <p:txBody>
-          <a:bodyPr vert="horz" lIns="91440" tIns="45720" rIns="91440" bIns="45720" rtlCol="0" anchor="ctr">
+          <a:bodyPr anchor="ctr" bIns="45720" lIns="91440" rIns="91440" rtlCol="0" tIns="45720" vert="horz">
             <a:normAutofit/>
           </a:bodyPr>
           <a:lstStyle/>
@@ -3077,7 +3075,7 @@
             <a:spLocks noGrp="1"/>
           </p:cNvSpPr>
           <p:nvPr>
-            <p:ph type="body" idx="1"/>
+            <p:ph idx="1" type="body"/>
           </p:nvPr>
         </p:nvSpPr>
         <p:spPr>
@@ -3090,7 +3088,7 @@
           </a:prstGeom>
         </p:spPr>
         <p:txBody>
-          <a:bodyPr vert="horz" lIns="91440" tIns="45720" rIns="91440" bIns="45720" rtlCol="0">
+          <a:bodyPr bIns="45720" lIns="91440" rIns="91440" rtlCol="0" tIns="45720" vert="horz">
             <a:normAutofit/>
           </a:bodyPr>
           <a:lstStyle/>
@@ -3138,7 +3136,7 @@
             <a:spLocks noGrp="1"/>
           </p:cNvSpPr>
           <p:nvPr>
-            <p:ph type="dt" sz="half" idx="2"/>
+            <p:ph idx="2" sz="half" type="dt"/>
           </p:nvPr>
         </p:nvSpPr>
         <p:spPr>
@@ -3151,7 +3149,7 @@
           </a:prstGeom>
         </p:spPr>
         <p:txBody>
-          <a:bodyPr vert="horz" lIns="91440" tIns="45720" rIns="91440" bIns="45720" rtlCol="0" anchor="ctr"/>
+          <a:bodyPr anchor="ctr" bIns="45720" lIns="91440" rIns="91440" rtlCol="0" tIns="45720" vert="horz"/>
           <a:lstStyle>
             <a:lvl1pPr algn="l">
               <a:defRPr sz="900">
@@ -3166,7 +3164,7 @@
           <a:p>
             <a:fld id="{241EB5C9-1307-BA42-ABA2-0BC069CD8E7F}" type="datetimeFigureOut">
               <a:rPr lang="en-US" smtClean="0"/>
-              <a:t>4/16/25</a:t>
+              <a:t>1/2/22</a:t>
             </a:fld>
             <a:endParaRPr lang="en-US"/>
           </a:p>
@@ -3179,7 +3177,7 @@
             <a:spLocks noGrp="1"/>
           </p:cNvSpPr>
           <p:nvPr>
-            <p:ph type="ftr" sz="quarter" idx="3"/>
+            <p:ph idx="3" sz="quarter" type="ftr"/>
           </p:nvPr>
         </p:nvSpPr>
         <p:spPr>
@@ -3192,7 +3190,7 @@
           </a:prstGeom>
         </p:spPr>
         <p:txBody>
-          <a:bodyPr vert="horz" lIns="91440" tIns="45720" rIns="91440" bIns="45720" rtlCol="0" anchor="ctr"/>
+          <a:bodyPr anchor="ctr" bIns="45720" lIns="91440" rIns="91440" rtlCol="0" tIns="45720" vert="horz"/>
           <a:lstStyle>
             <a:lvl1pPr algn="ctr">
               <a:defRPr sz="900">
@@ -3216,7 +3214,7 @@
             <a:spLocks noGrp="1"/>
           </p:cNvSpPr>
           <p:nvPr>
-            <p:ph type="sldNum" sz="quarter" idx="4"/>
+            <p:ph idx="4" sz="quarter" type="sldNum"/>
           </p:nvPr>
         </p:nvSpPr>
         <p:spPr>
@@ -3229,7 +3227,7 @@
           </a:prstGeom>
         </p:spPr>
         <p:txBody>
-          <a:bodyPr vert="horz" lIns="91440" tIns="45720" rIns="91440" bIns="45720" rtlCol="0" anchor="ctr"/>
+          <a:bodyPr anchor="ctr" bIns="45720" lIns="91440" rIns="91440" rtlCol="0" tIns="45720" vert="horz"/>
           <a:lstStyle>
             <a:lvl1pPr algn="r">
               <a:defRPr sz="900">
@@ -3257,7 +3255,7 @@
       </p:ext>
     </p:extLst>
   </p:cSld>
-  <p:clrMap bg1="lt1" tx1="dk1" bg2="lt2" tx2="dk2" accent1="accent1" accent2="accent2" accent3="accent3" accent4="accent4" accent5="accent5" accent6="accent6" hlink="hlink" folHlink="folHlink"/>
+  <p:clrMap accent1="accent1" accent2="accent2" accent3="accent3" accent4="accent4" accent5="accent5" accent6="accent6" bg1="lt1" bg2="lt2" folHlink="folHlink" hlink="hlink" tx1="dk1" tx2="dk2"/>
   <p:sldLayoutIdLst>
     <p:sldLayoutId id="2147483649" r:id="rId1"/>
     <p:sldLayoutId id="2147483650" r:id="rId2"/>
@@ -3273,12 +3271,12 @@
   </p:sldLayoutIdLst>
   <p:txStyles>
     <p:titleStyle>
-      <a:lvl1pPr algn="ctr" defTabSz="342900" rtl="0" eaLnBrk="1" latinLnBrk="0" hangingPunct="1">
+      <a:lvl1pPr algn="ctr" defTabSz="342900" eaLnBrk="1" hangingPunct="1" latinLnBrk="0" rtl="0">
         <a:spcBef>
           <a:spcPct val="0"/>
         </a:spcBef>
         <a:buNone/>
-        <a:defRPr sz="3300" kern="1200">
+        <a:defRPr kern="1200" sz="3300">
           <a:solidFill>
             <a:schemeClr val="tx1"/>
           </a:solidFill>
@@ -3289,13 +3287,13 @@
       </a:lvl1pPr>
     </p:titleStyle>
     <p:bodyStyle>
-      <a:lvl1pPr marL="342900" indent="-342900" algn="l" defTabSz="342900" rtl="0" eaLnBrk="1" latinLnBrk="0" hangingPunct="1">
+      <a:lvl1pPr algn="l" defTabSz="342900" eaLnBrk="1" hangingPunct="1" indent="-342900" latinLnBrk="0" marL="342900" rtl="0">
         <a:spcBef>
           <a:spcPct val="20000"/>
         </a:spcBef>
         <a:buFont typeface="Arial"/>
         <a:buChar char="•"/>
-        <a:defRPr sz="2400" kern="1200">
+        <a:defRPr kern="1200" sz="2400">
           <a:solidFill>
             <a:schemeClr val="tx1"/>
           </a:solidFill>
@@ -3304,13 +3302,13 @@
           <a:cs typeface="+mn-cs"/>
         </a:defRPr>
       </a:lvl1pPr>
-      <a:lvl2pPr marL="685800" indent="-342900" algn="l" defTabSz="342900" rtl="0" eaLnBrk="1" latinLnBrk="0" hangingPunct="1">
+      <a:lvl2pPr algn="l" defTabSz="342900" eaLnBrk="1" hangingPunct="1" indent="-342900" latinLnBrk="0" marL="685800" rtl="0">
         <a:spcBef>
           <a:spcPct val="20000"/>
         </a:spcBef>
         <a:buFont typeface="Arial"/>
         <a:buChar char="–"/>
-        <a:defRPr sz="2100" kern="1200">
+        <a:defRPr kern="1200" sz="2100">
           <a:solidFill>
             <a:schemeClr val="tx1"/>
           </a:solidFill>
@@ -3319,13 +3317,13 @@
           <a:cs typeface="+mn-cs"/>
         </a:defRPr>
       </a:lvl2pPr>
-      <a:lvl3pPr marL="1028700" indent="-342900" algn="l" defTabSz="342900" rtl="0" eaLnBrk="1" latinLnBrk="0" hangingPunct="1">
+      <a:lvl3pPr algn="l" defTabSz="342900" eaLnBrk="1" hangingPunct="1" indent="-342900" latinLnBrk="0" marL="1028700" rtl="0">
         <a:spcBef>
           <a:spcPct val="20000"/>
         </a:spcBef>
         <a:buFont typeface="Arial"/>
         <a:buChar char="•"/>
-        <a:defRPr sz="1800" kern="1200">
+        <a:defRPr kern="1200" sz="1800">
           <a:solidFill>
             <a:schemeClr val="tx1"/>
           </a:solidFill>
@@ -3334,13 +3332,13 @@
           <a:cs typeface="+mn-cs"/>
         </a:defRPr>
       </a:lvl3pPr>
-      <a:lvl4pPr marL="1371600" indent="-342900" algn="l" defTabSz="342900" rtl="0" eaLnBrk="1" latinLnBrk="0" hangingPunct="1">
+      <a:lvl4pPr algn="l" defTabSz="342900" eaLnBrk="1" hangingPunct="1" indent="-342900" latinLnBrk="0" marL="1371600" rtl="0">
         <a:spcBef>
           <a:spcPct val="20000"/>
         </a:spcBef>
         <a:buFont typeface="Arial"/>
         <a:buChar char="–"/>
-        <a:defRPr sz="1500" kern="1200">
+        <a:defRPr kern="1200" sz="1500">
           <a:solidFill>
             <a:schemeClr val="tx1"/>
           </a:solidFill>
@@ -3349,13 +3347,13 @@
           <a:cs typeface="+mn-cs"/>
         </a:defRPr>
       </a:lvl4pPr>
-      <a:lvl5pPr marL="1714500" indent="-342900" algn="l" defTabSz="342900" rtl="0" eaLnBrk="1" latinLnBrk="0" hangingPunct="1">
+      <a:lvl5pPr algn="l" defTabSz="342900" eaLnBrk="1" hangingPunct="1" indent="-342900" latinLnBrk="0" marL="1714500" rtl="0">
         <a:spcBef>
           <a:spcPct val="20000"/>
         </a:spcBef>
         <a:buFont typeface="Arial"/>
         <a:buChar char="»"/>
-        <a:defRPr sz="1500" kern="1200">
+        <a:defRPr kern="1200" sz="1500">
           <a:solidFill>
             <a:schemeClr val="tx1"/>
           </a:solidFill>
@@ -3364,13 +3362,13 @@
           <a:cs typeface="+mn-cs"/>
         </a:defRPr>
       </a:lvl5pPr>
-      <a:lvl6pPr marL="2057400" indent="-342900" algn="l" defTabSz="342900" rtl="0" eaLnBrk="1" latinLnBrk="0" hangingPunct="1">
+      <a:lvl6pPr algn="l" defTabSz="342900" eaLnBrk="1" hangingPunct="1" indent="-342900" latinLnBrk="0" marL="2057400" rtl="0">
         <a:spcBef>
           <a:spcPct val="20000"/>
         </a:spcBef>
         <a:buFont typeface="Arial"/>
         <a:buChar char="•"/>
-        <a:defRPr sz="1500" kern="1200">
+        <a:defRPr kern="1200" sz="1500">
           <a:solidFill>
             <a:schemeClr val="tx1"/>
           </a:solidFill>
@@ -3379,13 +3377,13 @@
           <a:cs typeface="+mn-cs"/>
         </a:defRPr>
       </a:lvl6pPr>
-      <a:lvl7pPr marL="2400300" indent="-342900" algn="l" defTabSz="342900" rtl="0" eaLnBrk="1" latinLnBrk="0" hangingPunct="1">
+      <a:lvl7pPr algn="l" defTabSz="342900" eaLnBrk="1" hangingPunct="1" indent="-342900" latinLnBrk="0" marL="2400300" rtl="0">
         <a:spcBef>
           <a:spcPct val="20000"/>
         </a:spcBef>
         <a:buFont typeface="Arial"/>
         <a:buChar char="•"/>
-        <a:defRPr sz="1500" kern="1200">
+        <a:defRPr kern="1200" sz="1500">
           <a:solidFill>
             <a:schemeClr val="tx1"/>
           </a:solidFill>
@@ -3394,13 +3392,13 @@
           <a:cs typeface="+mn-cs"/>
         </a:defRPr>
       </a:lvl7pPr>
-      <a:lvl8pPr marL="2743200" indent="-342900" algn="l" defTabSz="342900" rtl="0" eaLnBrk="1" latinLnBrk="0" hangingPunct="1">
+      <a:lvl8pPr algn="l" defTabSz="342900" eaLnBrk="1" hangingPunct="1" indent="-342900" latinLnBrk="0" marL="2743200" rtl="0">
         <a:spcBef>
           <a:spcPct val="20000"/>
         </a:spcBef>
         <a:buFont typeface="Arial"/>
         <a:buChar char="•"/>
-        <a:defRPr sz="1500" kern="1200">
+        <a:defRPr kern="1200" sz="1500">
           <a:solidFill>
             <a:schemeClr val="tx1"/>
           </a:solidFill>
@@ -3409,13 +3407,13 @@
           <a:cs typeface="+mn-cs"/>
         </a:defRPr>
       </a:lvl8pPr>
-      <a:lvl9pPr marL="3086100" indent="-342900" algn="l" defTabSz="342900" rtl="0" eaLnBrk="1" latinLnBrk="0" hangingPunct="1">
+      <a:lvl9pPr algn="l" defTabSz="342900" eaLnBrk="1" hangingPunct="1" indent="-342900" latinLnBrk="0" marL="3086100" rtl="0">
         <a:spcBef>
           <a:spcPct val="20000"/>
         </a:spcBef>
         <a:buFont typeface="Arial"/>
         <a:buChar char="•"/>
-        <a:defRPr sz="1500" kern="1200">
+        <a:defRPr kern="1200" sz="1500">
           <a:solidFill>
             <a:schemeClr val="tx1"/>
           </a:solidFill>
@@ -3429,8 +3427,8 @@
       <a:defPPr>
         <a:defRPr lang="en-US"/>
       </a:defPPr>
-      <a:lvl1pPr marL="0" algn="l" defTabSz="342900" rtl="0" eaLnBrk="1" latinLnBrk="0" hangingPunct="1">
-        <a:defRPr sz="1350" kern="1200">
+      <a:lvl1pPr algn="l" defTabSz="342900" eaLnBrk="1" hangingPunct="1" latinLnBrk="0" marL="0" rtl="0">
+        <a:defRPr kern="1200" sz="1350">
           <a:solidFill>
             <a:schemeClr val="tx1"/>
           </a:solidFill>
@@ -3439,8 +3437,8 @@
           <a:cs typeface="+mn-cs"/>
         </a:defRPr>
       </a:lvl1pPr>
-      <a:lvl2pPr marL="342900" algn="l" defTabSz="342900" rtl="0" eaLnBrk="1" latinLnBrk="0" hangingPunct="1">
-        <a:defRPr sz="1350" kern="1200">
+      <a:lvl2pPr algn="l" defTabSz="342900" eaLnBrk="1" hangingPunct="1" latinLnBrk="0" marL="342900" rtl="0">
+        <a:defRPr kern="1200" sz="1350">
           <a:solidFill>
             <a:schemeClr val="tx1"/>
           </a:solidFill>
@@ -3449,8 +3447,8 @@
           <a:cs typeface="+mn-cs"/>
         </a:defRPr>
       </a:lvl2pPr>
-      <a:lvl3pPr marL="685800" algn="l" defTabSz="342900" rtl="0" eaLnBrk="1" latinLnBrk="0" hangingPunct="1">
-        <a:defRPr sz="1350" kern="1200">
+      <a:lvl3pPr algn="l" defTabSz="342900" eaLnBrk="1" hangingPunct="1" latinLnBrk="0" marL="685800" rtl="0">
+        <a:defRPr kern="1200" sz="1350">
           <a:solidFill>
             <a:schemeClr val="tx1"/>
           </a:solidFill>
@@ -3459,8 +3457,8 @@
           <a:cs typeface="+mn-cs"/>
         </a:defRPr>
       </a:lvl3pPr>
-      <a:lvl4pPr marL="1028700" algn="l" defTabSz="342900" rtl="0" eaLnBrk="1" latinLnBrk="0" hangingPunct="1">
-        <a:defRPr sz="1350" kern="1200">
+      <a:lvl4pPr algn="l" defTabSz="342900" eaLnBrk="1" hangingPunct="1" latinLnBrk="0" marL="1028700" rtl="0">
+        <a:defRPr kern="1200" sz="1350">
           <a:solidFill>
             <a:schemeClr val="tx1"/>
           </a:solidFill>
@@ -3469,8 +3467,8 @@
           <a:cs typeface="+mn-cs"/>
         </a:defRPr>
       </a:lvl4pPr>
-      <a:lvl5pPr marL="1371600" algn="l" defTabSz="342900" rtl="0" eaLnBrk="1" latinLnBrk="0" hangingPunct="1">
-        <a:defRPr sz="1350" kern="1200">
+      <a:lvl5pPr algn="l" defTabSz="342900" eaLnBrk="1" hangingPunct="1" latinLnBrk="0" marL="1371600" rtl="0">
+        <a:defRPr kern="1200" sz="1350">
           <a:solidFill>
             <a:schemeClr val="tx1"/>
           </a:solidFill>
@@ -3479,8 +3477,8 @@
           <a:cs typeface="+mn-cs"/>
         </a:defRPr>
       </a:lvl5pPr>
-      <a:lvl6pPr marL="1714500" algn="l" defTabSz="342900" rtl="0" eaLnBrk="1" latinLnBrk="0" hangingPunct="1">
-        <a:defRPr sz="1350" kern="1200">
+      <a:lvl6pPr algn="l" defTabSz="342900" eaLnBrk="1" hangingPunct="1" latinLnBrk="0" marL="1714500" rtl="0">
+        <a:defRPr kern="1200" sz="1350">
           <a:solidFill>
             <a:schemeClr val="tx1"/>
           </a:solidFill>
@@ -3489,8 +3487,8 @@
           <a:cs typeface="+mn-cs"/>
         </a:defRPr>
       </a:lvl6pPr>
-      <a:lvl7pPr marL="2057400" algn="l" defTabSz="342900" rtl="0" eaLnBrk="1" latinLnBrk="0" hangingPunct="1">
-        <a:defRPr sz="1350" kern="1200">
+      <a:lvl7pPr algn="l" defTabSz="342900" eaLnBrk="1" hangingPunct="1" latinLnBrk="0" marL="2057400" rtl="0">
+        <a:defRPr kern="1200" sz="1350">
           <a:solidFill>
             <a:schemeClr val="tx1"/>
           </a:solidFill>
@@ -3499,8 +3497,8 @@
           <a:cs typeface="+mn-cs"/>
         </a:defRPr>
       </a:lvl7pPr>
-      <a:lvl8pPr marL="2400300" algn="l" defTabSz="342900" rtl="0" eaLnBrk="1" latinLnBrk="0" hangingPunct="1">
-        <a:defRPr sz="1350" kern="1200">
+      <a:lvl8pPr algn="l" defTabSz="342900" eaLnBrk="1" hangingPunct="1" latinLnBrk="0" marL="2400300" rtl="0">
+        <a:defRPr kern="1200" sz="1350">
           <a:solidFill>
             <a:schemeClr val="tx1"/>
           </a:solidFill>
@@ -3509,8 +3507,8 @@
           <a:cs typeface="+mn-cs"/>
         </a:defRPr>
       </a:lvl8pPr>
-      <a:lvl9pPr marL="2743200" algn="l" defTabSz="342900" rtl="0" eaLnBrk="1" latinLnBrk="0" hangingPunct="1">
-        <a:defRPr sz="1350" kern="1200">
+      <a:lvl9pPr algn="l" defTabSz="342900" eaLnBrk="1" hangingPunct="1" latinLnBrk="0" marL="2743200" rtl="0">
+        <a:defRPr kern="1200" sz="1350">
           <a:solidFill>
             <a:schemeClr val="tx1"/>
           </a:solidFill>
@@ -3561,10 +3559,11 @@
           <a:bodyPr/>
           <a:lstStyle/>
           <a:p>
-            <a:pPr marL="0" lvl="0" indent="0">
+            <a:pPr lvl="0" indent="0" marL="0">
               <a:buNone/>
             </a:pPr>
             <a:r>
+              <a:rPr/>
               <a:t>Efficient Nonthermal Particle Acceleration</a:t>
             </a:r>
           </a:p>
@@ -3577,7 +3576,7 @@
             <a:spLocks noGrp="1"/>
           </p:cNvSpPr>
           <p:nvPr>
-            <p:ph type="subTitle" idx="1"/>
+            <p:ph idx="1" type="subTitle"/>
           </p:nvPr>
         </p:nvSpPr>
         <p:spPr>
@@ -3587,28 +3586,30 @@
           </a:xfrm>
         </p:spPr>
         <p:txBody>
-          <a:bodyPr>
-            <a:normAutofit fontScale="77500" lnSpcReduction="20000"/>
-          </a:bodyPr>
-          <a:lstStyle/>
-          <a:p>
-            <a:pPr marL="0" lvl="0" indent="0">
+          <a:bodyPr/>
+          <a:lstStyle/>
+          <a:p>
+            <a:pPr lvl="0" indent="0" marL="0">
               <a:buNone/>
             </a:pPr>
             <a:r>
+              <a:rPr/>
               <a:t>by the Kink Instability in Relativistic Jets</a:t>
             </a:r>
             <a:br/>
             <a:br/>
             <a:r>
+              <a:rPr/>
               <a:t>E. P. Alves</a:t>
             </a:r>
             <a:br/>
             <a:r>
+              <a:rPr/>
               <a:t>J. Zrake</a:t>
             </a:r>
             <a:br/>
             <a:r>
+              <a:rPr/>
               <a:t>F. Fiuza</a:t>
             </a:r>
           </a:p>
@@ -3621,7 +3622,7 @@
             <a:spLocks noGrp="1"/>
           </p:cNvSpPr>
           <p:nvPr>
-            <p:ph type="dt" sz="half" idx="10"/>
+            <p:ph idx="10" sz="half" type="dt"/>
           </p:nvPr>
         </p:nvSpPr>
         <p:spPr/>
@@ -3629,10 +3630,11 @@
           <a:bodyPr/>
           <a:lstStyle/>
           <a:p>
-            <a:pPr marL="0" lvl="0" indent="0">
+            <a:pPr lvl="0" indent="0" marL="0">
               <a:buNone/>
             </a:pPr>
             <a:r>
+              <a:rPr/>
               <a:t>2025-04-16</a:t>
             </a:r>
           </a:p>
@@ -3640,9 +3642,6 @@
       </p:sp>
     </p:spTree>
   </p:cSld>
-  <p:clrMapOvr>
-    <a:masterClrMapping/>
-  </p:clrMapOvr>
 </p:sld>
 </file>
 
@@ -3678,24 +3677,55 @@
           <a:bodyPr/>
           <a:lstStyle/>
           <a:p>
-            <a:pPr marL="0" lvl="0" indent="0">
+            <a:pPr lvl="0" indent="0" marL="0">
               <a:buNone/>
             </a:pPr>
             <a:r>
+              <a:rPr/>
               <a:t>Simulation results</a:t>
             </a:r>
           </a:p>
         </p:txBody>
       </p:sp>
-      <p:sp>
-        <p:nvSpPr>
-          <p:cNvPr id="4" name="TextBox 3"/>
+      <p:pic>
+        <p:nvPicPr>
+          <p:cNvPr descr="https://physics.aps.org/assets/829f4489-3b81-4ea3-b32e-1bfad1b6aa20/video1.mp4" id="0" name="Picture 1"/>
+          <p:cNvPicPr>
+            <a:picLocks noGrp="1" noChangeAspect="1"/>
+          </p:cNvPicPr>
+          <p:nvPr/>
+        </p:nvPicPr>
+        <p:blipFill>
+          <a:blip r:embed="rId2"/>
+          <a:stretch>
+            <a:fillRect/>
+          </a:stretch>
+        </p:blipFill>
+        <p:spPr bwMode="auto">
+          <a:xfrm>
+            <a:off x="2413000" y="1193800"/>
+            <a:ext cx="4318000" cy="2882900"/>
+          </a:xfrm>
+          <a:prstGeom prst="rect">
+            <a:avLst/>
+          </a:prstGeom>
+          <a:noFill/>
+          <a:ln w="9525">
+            <a:noFill/>
+            <a:headEnd/>
+            <a:tailEnd/>
+          </a:ln>
+        </p:spPr>
+      </p:pic>
+      <p:sp>
+        <p:nvSpPr>
+          <p:cNvPr id="1" name="TextBox 3"/>
           <p:cNvSpPr txBox="1"/>
           <p:nvPr/>
         </p:nvSpPr>
         <p:spPr>
           <a:xfrm>
-            <a:off x="457200" y="4746171"/>
+            <a:off x="457200" y="4076700"/>
             <a:ext cx="8229600" cy="508000"/>
           </a:xfrm>
           <a:prstGeom prst="rect">
@@ -3707,194 +3737,18 @@
           <a:bodyPr/>
           <a:lstStyle/>
           <a:p>
-            <a:pPr marL="0" lvl="0" indent="0" algn="ctr">
+            <a:pPr lvl="0" indent="0" marL="0" algn="ctr">
               <a:buNone/>
             </a:pPr>
             <a:r>
-              <a:rPr dirty="0"/>
+              <a:rPr/>
               <a:t>Evolution of the jet structure subject to the kink instability</a:t>
             </a:r>
           </a:p>
         </p:txBody>
       </p:sp>
-      <p:pic>
-        <p:nvPicPr>
-          <p:cNvPr id="5" name="video1">
-            <a:hlinkClick r:id="" action="ppaction://media"/>
-            <a:extLst>
-              <a:ext uri="{FF2B5EF4-FFF2-40B4-BE49-F238E27FC236}">
-                <a16:creationId xmlns:a16="http://schemas.microsoft.com/office/drawing/2014/main" id="{7D69D9C1-48D7-0F0F-B3C7-8EDF1435069B}"/>
-              </a:ext>
-            </a:extLst>
-          </p:cNvPr>
-          <p:cNvPicPr>
-            <a:picLocks noChangeAspect="1"/>
-          </p:cNvPicPr>
-          <p:nvPr>
-            <a:videoFile r:link="rId2"/>
-            <p:extLst>
-              <p:ext uri="{DAA4B4D4-6D71-4841-9C94-3DE7FCFB9230}">
-                <p14:media xmlns:p14="http://schemas.microsoft.com/office/powerpoint/2010/main" r:embed="rId1"/>
-              </p:ext>
-            </p:extLst>
-          </p:nvPr>
-        </p:nvPicPr>
-        <p:blipFill>
-          <a:blip r:embed="rId4"/>
-          <a:stretch>
-            <a:fillRect/>
-          </a:stretch>
-        </p:blipFill>
-        <p:spPr>
-          <a:xfrm>
-            <a:off x="0" y="1204487"/>
-            <a:ext cx="9144000" cy="3400425"/>
-          </a:xfrm>
-          <a:prstGeom prst="rect">
-            <a:avLst/>
-          </a:prstGeom>
-        </p:spPr>
-      </p:pic>
     </p:spTree>
   </p:cSld>
-  <p:clrMapOvr>
-    <a:masterClrMapping/>
-  </p:clrMapOvr>
-  <p:timing>
-    <p:tnLst>
-      <p:par>
-        <p:cTn id="1" dur="indefinite" restart="never" nodeType="tmRoot">
-          <p:childTnLst>
-            <p:seq concurrent="1" nextAc="seek">
-              <p:cTn id="2" dur="indefinite" nodeType="mainSeq">
-                <p:childTnLst>
-                  <p:par>
-                    <p:cTn id="3" fill="hold">
-                      <p:stCondLst>
-                        <p:cond delay="indefinite"/>
-                      </p:stCondLst>
-                      <p:childTnLst>
-                        <p:par>
-                          <p:cTn id="4" fill="hold">
-                            <p:stCondLst>
-                              <p:cond delay="0"/>
-                            </p:stCondLst>
-                            <p:childTnLst>
-                              <p:par>
-                                <p:cTn id="5" presetID="1" presetClass="mediacall" presetSubtype="0" fill="hold" nodeType="clickEffect">
-                                  <p:stCondLst>
-                                    <p:cond delay="0"/>
-                                  </p:stCondLst>
-                                  <p:childTnLst>
-                                    <p:cmd type="call" cmd="playFrom(0.0)">
-                                      <p:cBhvr>
-                                        <p:cTn id="6" dur="14699" fill="hold"/>
-                                        <p:tgtEl>
-                                          <p:spTgt spid="5"/>
-                                        </p:tgtEl>
-                                      </p:cBhvr>
-                                    </p:cmd>
-                                  </p:childTnLst>
-                                </p:cTn>
-                              </p:par>
-                            </p:childTnLst>
-                          </p:cTn>
-                        </p:par>
-                      </p:childTnLst>
-                    </p:cTn>
-                  </p:par>
-                </p:childTnLst>
-              </p:cTn>
-              <p:prevCondLst>
-                <p:cond evt="onPrev" delay="0">
-                  <p:tgtEl>
-                    <p:sldTgt/>
-                  </p:tgtEl>
-                </p:cond>
-              </p:prevCondLst>
-              <p:nextCondLst>
-                <p:cond evt="onNext" delay="0">
-                  <p:tgtEl>
-                    <p:sldTgt/>
-                  </p:tgtEl>
-                </p:cond>
-              </p:nextCondLst>
-            </p:seq>
-            <p:video>
-              <p:cMediaNode vol="80000">
-                <p:cTn id="7" fill="hold" display="0">
-                  <p:stCondLst>
-                    <p:cond delay="indefinite"/>
-                  </p:stCondLst>
-                </p:cTn>
-                <p:tgtEl>
-                  <p:spTgt spid="5"/>
-                </p:tgtEl>
-              </p:cMediaNode>
-            </p:video>
-            <p:seq concurrent="1" nextAc="seek">
-              <p:cTn id="8" restart="whenNotActive" fill="hold" evtFilter="cancelBubble" nodeType="interactiveSeq">
-                <p:stCondLst>
-                  <p:cond evt="onClick" delay="0">
-                    <p:tgtEl>
-                      <p:spTgt spid="5"/>
-                    </p:tgtEl>
-                  </p:cond>
-                </p:stCondLst>
-                <p:endSync evt="end" delay="0">
-                  <p:rtn val="all"/>
-                </p:endSync>
-                <p:childTnLst>
-                  <p:par>
-                    <p:cTn id="9" fill="hold">
-                      <p:stCondLst>
-                        <p:cond delay="0"/>
-                      </p:stCondLst>
-                      <p:childTnLst>
-                        <p:par>
-                          <p:cTn id="10" fill="hold">
-                            <p:stCondLst>
-                              <p:cond delay="0"/>
-                            </p:stCondLst>
-                            <p:childTnLst>
-                              <p:par>
-                                <p:cTn id="11" presetID="2" presetClass="mediacall" presetSubtype="0" fill="hold" nodeType="clickEffect">
-                                  <p:stCondLst>
-                                    <p:cond delay="0"/>
-                                  </p:stCondLst>
-                                  <p:childTnLst>
-                                    <p:cmd type="call" cmd="togglePause">
-                                      <p:cBhvr>
-                                        <p:cTn id="12" dur="1" fill="hold"/>
-                                        <p:tgtEl>
-                                          <p:spTgt spid="5"/>
-                                        </p:tgtEl>
-                                      </p:cBhvr>
-                                    </p:cmd>
-                                  </p:childTnLst>
-                                </p:cTn>
-                              </p:par>
-                            </p:childTnLst>
-                          </p:cTn>
-                        </p:par>
-                      </p:childTnLst>
-                    </p:cTn>
-                  </p:par>
-                </p:childTnLst>
-              </p:cTn>
-              <p:nextCondLst>
-                <p:cond evt="onClick" delay="0">
-                  <p:tgtEl>
-                    <p:spTgt spid="5"/>
-                  </p:tgtEl>
-                </p:cond>
-              </p:nextCondLst>
-            </p:seq>
-          </p:childTnLst>
-        </p:cTn>
-      </p:par>
-    </p:tnLst>
-  </p:timing>
 </p:sld>
 </file>
 
@@ -3930,10 +3784,11 @@
           <a:bodyPr/>
           <a:lstStyle/>
           <a:p>
-            <a:pPr marL="0" lvl="0" indent="0">
+            <a:pPr lvl="0" indent="0" marL="0">
               <a:buNone/>
             </a:pPr>
             <a:r>
+              <a:rPr/>
               <a:t>Simulation results</a:t>
             </a:r>
           </a:p>
@@ -3941,7 +3796,7 @@
       </p:sp>
       <p:pic>
         <p:nvPicPr>
-          <p:cNvPr id="3" name="Picture 1" descr="20250416113511.png"/>
+          <p:cNvPr descr="20250416113511.png" id="0" name="Picture 1"/>
           <p:cNvPicPr>
             <a:picLocks noGrp="1" noChangeAspect="1"/>
           </p:cNvPicPr>
@@ -3971,7 +3826,7 @@
       </p:pic>
       <p:sp>
         <p:nvSpPr>
-          <p:cNvPr id="4" name="TextBox 3"/>
+          <p:cNvPr id="1" name="TextBox 3"/>
           <p:cNvSpPr txBox="1"/>
           <p:nvPr/>
         </p:nvSpPr>
@@ -3989,10 +3844,11 @@
           <a:bodyPr/>
           <a:lstStyle/>
           <a:p>
-            <a:pPr marL="0" lvl="0" indent="0" algn="ctr">
+            <a:pPr lvl="0" indent="0" marL="0" algn="ctr">
               <a:buNone/>
             </a:pPr>
             <a:r>
+              <a:rPr/>
               <a:t>Evolution of the jet structure subject to the kink instability</a:t>
             </a:r>
           </a:p>
@@ -4000,9 +3856,6 @@
       </p:sp>
     </p:spTree>
   </p:cSld>
-  <p:clrMapOvr>
-    <a:masterClrMapping/>
-  </p:clrMapOvr>
 </p:sld>
 </file>
 
@@ -4035,15 +3888,14 @@
         </p:nvSpPr>
         <p:spPr/>
         <p:txBody>
-          <a:bodyPr>
-            <a:normAutofit fontScale="90000"/>
-          </a:bodyPr>
-          <a:lstStyle/>
-          <a:p>
-            <a:pPr marL="0" lvl="0" indent="0">
+          <a:bodyPr/>
+          <a:lstStyle/>
+          <a:p>
+            <a:pPr lvl="0" indent="0" marL="0">
               <a:buNone/>
             </a:pPr>
             <a:r>
+              <a:rPr/>
               <a:t>Simulation results - Temporal evolution of energies and particle energy spectrum</a:t>
             </a:r>
           </a:p>
@@ -4051,7 +3903,7 @@
       </p:sp>
       <p:pic>
         <p:nvPicPr>
-          <p:cNvPr id="3" name="Picture 1" descr="20250416113724.png"/>
+          <p:cNvPr descr="20250416113724.png" id="0" name="Picture 1"/>
           <p:cNvPicPr>
             <a:picLocks noGrp="1" noChangeAspect="1"/>
           </p:cNvPicPr>
@@ -4081,7 +3933,7 @@
       </p:pic>
       <p:sp>
         <p:nvSpPr>
-          <p:cNvPr id="4" name="TextBox 3"/>
+          <p:cNvPr id="1" name="TextBox 3"/>
           <p:cNvSpPr txBox="1"/>
           <p:nvPr/>
         </p:nvSpPr>
@@ -4099,10 +3951,11 @@
           <a:bodyPr/>
           <a:lstStyle/>
           <a:p>
-            <a:pPr marL="0" lvl="0" indent="0" algn="ctr">
+            <a:pPr lvl="0" indent="0" marL="0" algn="ctr">
               <a:buNone/>
             </a:pPr>
             <a:r>
+              <a:rPr/>
               <a:t>Temporal evolution of energies and particle energy spectrum</a:t>
             </a:r>
           </a:p>
@@ -4110,9 +3963,6 @@
       </p:sp>
     </p:spTree>
   </p:cSld>
-  <p:clrMapOvr>
-    <a:masterClrMapping/>
-  </p:clrMapOvr>
 </p:sld>
 </file>
 
@@ -4148,10 +3998,11 @@
           <a:bodyPr/>
           <a:lstStyle/>
           <a:p>
-            <a:pPr marL="0" lvl="0" indent="0">
+            <a:pPr lvl="0" indent="0" marL="0">
               <a:buNone/>
             </a:pPr>
             <a:r>
+              <a:rPr/>
               <a:t>Acceleration mechanism</a:t>
             </a:r>
           </a:p>
@@ -4159,7 +4010,7 @@
       </p:sp>
       <p:pic>
         <p:nvPicPr>
-          <p:cNvPr id="4" name="Picture 1" descr="20250416113931.png"/>
+          <p:cNvPr descr="20250416113931.png" id="0" name="Picture 1"/>
           <p:cNvPicPr>
             <a:picLocks noGrp="1" noChangeAspect="1"/>
           </p:cNvPicPr>
@@ -4173,8 +4024,8 @@
         </p:blipFill>
         <p:spPr bwMode="auto">
           <a:xfrm>
-            <a:off x="3354614" y="881151"/>
-            <a:ext cx="5217885" cy="4056370"/>
+            <a:off x="2717800" y="1193800"/>
+            <a:ext cx="3708400" cy="2882900"/>
           </a:xfrm>
           <a:prstGeom prst="rect">
             <a:avLst/>
@@ -4189,13 +4040,13 @@
       </p:pic>
       <p:sp>
         <p:nvSpPr>
-          <p:cNvPr id="5" name="TextBox 3"/>
+          <p:cNvPr id="1" name="TextBox 3"/>
           <p:cNvSpPr txBox="1"/>
           <p:nvPr/>
         </p:nvSpPr>
         <p:spPr>
           <a:xfrm>
-            <a:off x="1603827" y="4816929"/>
+            <a:off x="457200" y="4076700"/>
             <a:ext cx="8229600" cy="508000"/>
           </a:xfrm>
           <a:prstGeom prst="rect">
@@ -4207,20 +4058,12 @@
           <a:bodyPr/>
           <a:lstStyle/>
           <a:p>
-            <a:pPr marL="0" lvl="0" indent="0" algn="ctr">
+            <a:pPr lvl="0" indent="0" marL="0" algn="ctr">
               <a:buNone/>
             </a:pPr>
             <a:r>
-              <a:rPr dirty="0"/>
-              <a:t>(a) Evolution of particle energy </a:t>
-            </a:r>
-            <a:r>
-              <a:rPr dirty="0" err="1"/>
-              <a:t>ε</a:t>
-            </a:r>
-            <a:r>
-              <a:rPr dirty="0"/>
-              <a:t> and (b) relative magnitude of E and B</a:t>
+              <a:rPr/>
+              <a:t>(a) Evolution of particle energy ε and (b) relative magnitude of E and B</a:t>
             </a:r>
           </a:p>
         </p:txBody>
@@ -4237,33 +4080,21 @@
                 <p:ph idx="1"/>
               </p:nvPr>
             </p:nvSpPr>
-            <p:spPr>
-              <a:xfrm>
-                <a:off x="114300" y="954371"/>
-                <a:ext cx="3240314" cy="3862558"/>
-              </a:xfrm>
-            </p:spPr>
+            <p:spPr/>
             <p:txBody>
               <a:bodyPr/>
               <a:lstStyle/>
               <a:p>
-                <a:pPr marL="0" lvl="0" indent="0">
+                <a:pPr lvl="0" indent="0" marL="0">
                   <a:buNone/>
                 </a:pPr>
                 <a:r>
-                  <a:rPr dirty="0"/>
+                  <a:rPr/>
                   <a:t>Inductive electric field accompanied by guiding center curvature drift</a:t>
                 </a:r>
-                <a:endParaRPr lang="en-US" dirty="0"/>
               </a:p>
               <a:p>
-                <a:pPr marL="0" lvl="0" indent="0">
-                  <a:buNone/>
-                </a:pPr>
-                <a:endParaRPr dirty="0"/>
-              </a:p>
-              <a:p>
-                <a:pPr marL="0" lvl="0" indent="0">
+                <a:pPr lvl="0" indent="0" marL="0">
                   <a:buNone/>
                 </a:pPr>
                 <a14:m>
@@ -4271,101 +4102,80 @@
                     <m:oMathParaPr>
                       <m:jc m:val="center"/>
                     </m:oMathParaPr>
-                    <m:oMath xmlns:m="http://schemas.openxmlformats.org/officeDocument/2006/math">
+                    <m:oMath>
                       <m:r>
-                        <a:rPr>
-                          <a:latin typeface="Cambria Math" panose="02040503050406030204" pitchFamily="18" charset="0"/>
-                        </a:rPr>
-                        <m:t>𝐄</m:t>
+                        <m:rPr>
+                          <m:sty m:val="b"/>
+                        </m:rPr>
+                        <m:t>E</m:t>
                       </m:r>
                       <m:r>
-                        <a:rPr>
-                          <a:latin typeface="Cambria Math" panose="02040503050406030204" pitchFamily="18" charset="0"/>
-                        </a:rPr>
-                        <m:t>=−</m:t>
+                        <m:rPr>
+                          <m:sty m:val="p"/>
+                        </m:rPr>
+                        <m:t>=</m:t>
                       </m:r>
                       <m:r>
-                        <a:rPr>
-                          <a:latin typeface="Cambria Math" panose="02040503050406030204" pitchFamily="18" charset="0"/>
-                        </a:rPr>
-                        <m:t>𝐯</m:t>
+                        <m:rPr>
+                          <m:sty m:val="p"/>
+                        </m:rPr>
+                        <m:t>−</m:t>
                       </m:r>
                       <m:r>
-                        <a:rPr>
-                          <a:latin typeface="Cambria Math" panose="02040503050406030204" pitchFamily="18" charset="0"/>
-                        </a:rPr>
+                        <m:rPr>
+                          <m:sty m:val="b"/>
+                        </m:rPr>
+                        <m:t>v</m:t>
+                      </m:r>
+                      <m:r>
+                        <m:rPr>
+                          <m:sty m:val="p"/>
+                        </m:rPr>
                         <m:t>×</m:t>
                       </m:r>
                       <m:r>
-                        <a:rPr>
-                          <a:latin typeface="Cambria Math" panose="02040503050406030204" pitchFamily="18" charset="0"/>
-                        </a:rPr>
-                        <m:t>𝐁</m:t>
+                        <m:rPr>
+                          <m:sty m:val="b"/>
+                        </m:rPr>
+                        <m:t>B</m:t>
                       </m:r>
                       <m:r>
-                        <a:rPr>
-                          <a:latin typeface="Cambria Math" panose="02040503050406030204" pitchFamily="18" charset="0"/>
-                        </a:rPr>
+                        <m:rPr>
+                          <m:sty m:val="p"/>
+                        </m:rPr>
                         <m:t>≃</m:t>
                       </m:r>
                       <m:sSub>
-                        <m:sSubPr>
-                          <m:ctrlPr>
-                            <a:rPr i="1">
-                              <a:latin typeface="Cambria Math" panose="02040503050406030204" pitchFamily="18" charset="0"/>
-                            </a:rPr>
-                          </m:ctrlPr>
-                        </m:sSubPr>
                         <m:e>
                           <m:r>
-                            <a:rPr>
-                              <a:latin typeface="Cambria Math" panose="02040503050406030204" pitchFamily="18" charset="0"/>
-                            </a:rPr>
-                            <m:t>𝐸</m:t>
+                            <m:t>E</m:t>
                           </m:r>
                         </m:e>
                         <m:sub>
                           <m:r>
-                            <a:rPr>
-                              <a:latin typeface="Cambria Math" panose="02040503050406030204" pitchFamily="18" charset="0"/>
-                            </a:rPr>
-                            <m:t>𝑧</m:t>
+                            <m:t>z</m:t>
                           </m:r>
                         </m:sub>
                       </m:sSub>
                       <m:acc>
                         <m:accPr>
                           <m:chr m:val="̂"/>
-                          <m:ctrlPr>
-                            <a:rPr i="1">
-                              <a:latin typeface="Cambria Math" panose="02040503050406030204" pitchFamily="18" charset="0"/>
-                            </a:rPr>
-                          </m:ctrlPr>
                         </m:accPr>
                         <m:e>
                           <m:r>
-                            <a:rPr>
-                              <a:latin typeface="Cambria Math" panose="02040503050406030204" pitchFamily="18" charset="0"/>
-                            </a:rPr>
-                            <m:t>𝐳</m:t>
+                            <m:rPr>
+                              <m:sty m:val="b"/>
+                            </m:rPr>
+                            <m:t>z</m:t>
                           </m:r>
                         </m:e>
                       </m:acc>
                     </m:oMath>
                   </m:oMathPara>
                 </a14:m>
-                <a:endParaRPr dirty="0"/>
               </a:p>
               <a:p>
-                <a:pPr marL="0" lvl="0" indent="0">
-                  <a:buNone/>
-                </a:pPr>
-                <a:endParaRPr lang="en-US" dirty="0">
-                  <a:latin typeface="Cambria Math" panose="02040503050406030204" pitchFamily="18" charset="0"/>
-                </a:endParaRPr>
-              </a:p>
-              <a:p>
-                <a:pPr marL="0" lvl="0" indent="0">
+                <a:pPr lvl="0" indent="0" marL="0">
                   <a:buNone/>
                 </a:pPr>
                 <a14:m>
@@ -4373,148 +4183,96 @@
                     <m:oMathParaPr>
                       <m:jc m:val="center"/>
                     </m:oMathParaPr>
-                    <m:oMath xmlns:m="http://schemas.openxmlformats.org/officeDocument/2006/math">
+                    <m:oMath>
                       <m:sSub>
-                        <m:sSubPr>
-                          <m:ctrlPr>
-                            <a:rPr>
-                              <a:latin typeface="Cambria Math" panose="02040503050406030204" pitchFamily="18" charset="0"/>
-                            </a:rPr>
-                          </m:ctrlPr>
-                        </m:sSubPr>
                         <m:e>
                           <m:r>
-                            <a:rPr>
-                              <a:latin typeface="Cambria Math" panose="02040503050406030204" pitchFamily="18" charset="0"/>
-                            </a:rPr>
-                            <m:t>𝐯</m:t>
+                            <m:rPr>
+                              <m:sty m:val="b"/>
+                            </m:rPr>
+                            <m:t>v</m:t>
                           </m:r>
                         </m:e>
                         <m:sub>
                           <m:r>
                             <m:rPr>
                               <m:nor/>
+                              <m:sty m:val="p"/>
                             </m:rPr>
-                            <a:rPr/>
-                            <m:t>curv</m:t>
-                          </m:r>
-                          <m:r>
-                            <m:rPr>
-                              <m:nor/>
-                            </m:rPr>
-                            <a:rPr/>
-                            <m:t> </m:t>
+                            <m:t>curv </m:t>
                           </m:r>
                         </m:sub>
                       </m:sSub>
                       <m:r>
-                        <a:rPr>
-                          <a:latin typeface="Cambria Math" panose="02040503050406030204" pitchFamily="18" charset="0"/>
-                        </a:rPr>
+                        <m:rPr>
+                          <m:sty m:val="p"/>
+                        </m:rPr>
                         <m:t>=</m:t>
                       </m:r>
                       <m:r>
-                        <a:rPr>
-                          <a:latin typeface="Cambria Math" panose="02040503050406030204" pitchFamily="18" charset="0"/>
-                        </a:rPr>
-                        <m:t>𝛾</m:t>
+                        <m:t>γ</m:t>
                       </m:r>
                       <m:r>
-                        <a:rPr>
-                          <a:latin typeface="Cambria Math" panose="02040503050406030204" pitchFamily="18" charset="0"/>
-                        </a:rPr>
-                        <m:t>𝑚</m:t>
+                        <m:t>m</m:t>
                       </m:r>
                       <m:sSubSup>
-                        <m:sSubSupPr>
-                          <m:ctrlPr>
-                            <a:rPr i="1">
-                              <a:latin typeface="Cambria Math" panose="02040503050406030204" pitchFamily="18" charset="0"/>
-                            </a:rPr>
-                          </m:ctrlPr>
-                        </m:sSubSupPr>
                         <m:e>
                           <m:r>
-                            <a:rPr>
-                              <a:latin typeface="Cambria Math" panose="02040503050406030204" pitchFamily="18" charset="0"/>
-                            </a:rPr>
-                            <m:t>𝑣</m:t>
+                            <m:t>v</m:t>
                           </m:r>
                         </m:e>
                         <m:sub>
                           <m:r>
-                            <a:rPr>
-                              <a:latin typeface="Cambria Math" panose="02040503050406030204" pitchFamily="18" charset="0"/>
-                            </a:rPr>
+                            <m:rPr>
+                              <m:sty m:val="p"/>
+                            </m:rPr>
                             <m:t>∥</m:t>
                           </m:r>
                         </m:sub>
                         <m:sup>
                           <m:r>
-                            <a:rPr>
-                              <a:latin typeface="Cambria Math" panose="02040503050406030204" pitchFamily="18" charset="0"/>
-                            </a:rPr>
                             <m:t>2</m:t>
                           </m:r>
                         </m:sup>
                       </m:sSubSup>
                       <m:r>
-                        <a:rPr>
-                          <a:latin typeface="Cambria Math" panose="02040503050406030204" pitchFamily="18" charset="0"/>
-                        </a:rPr>
-                        <m:t>𝑐</m:t>
+                        <m:t>c</m:t>
                       </m:r>
                       <m:r>
-                        <a:rPr>
-                          <a:latin typeface="Cambria Math" panose="02040503050406030204" pitchFamily="18" charset="0"/>
-                        </a:rPr>
-                        <m:t>𝐁</m:t>
+                        <m:rPr>
+                          <m:sty m:val="b"/>
+                        </m:rPr>
+                        <m:t>B</m:t>
                       </m:r>
                       <m:r>
-                        <a:rPr>
-                          <a:latin typeface="Cambria Math" panose="02040503050406030204" pitchFamily="18" charset="0"/>
-                        </a:rPr>
+                        <m:rPr>
+                          <m:sty m:val="p"/>
+                        </m:rPr>
                         <m:t>×</m:t>
                       </m:r>
                       <m:r>
-                        <a:rPr>
-                          <a:latin typeface="Cambria Math" panose="02040503050406030204" pitchFamily="18" charset="0"/>
-                        </a:rPr>
-                        <m:t>𝛋</m:t>
+                        <m:rPr>
+                          <m:sty m:val="b"/>
+                        </m:rPr>
+                        <m:t>κ</m:t>
                       </m:r>
                       <m:r>
-                        <a:rPr>
-                          <a:latin typeface="Cambria Math" panose="02040503050406030204" pitchFamily="18" charset="0"/>
-                        </a:rPr>
+                        <m:rPr>
+                          <m:sty m:val="p"/>
+                        </m:rPr>
                         <m:t>/</m:t>
                       </m:r>
                       <m:r>
-                        <a:rPr>
-                          <a:latin typeface="Cambria Math" panose="02040503050406030204" pitchFamily="18" charset="0"/>
-                        </a:rPr>
-                        <m:t>𝑒</m:t>
+                        <m:t>e</m:t>
                       </m:r>
                       <m:sSup>
-                        <m:sSupPr>
-                          <m:ctrlPr>
-                            <a:rPr i="1">
-                              <a:latin typeface="Cambria Math" panose="02040503050406030204" pitchFamily="18" charset="0"/>
-                            </a:rPr>
-                          </m:ctrlPr>
-                        </m:sSupPr>
                         <m:e>
                           <m:r>
-                            <a:rPr>
-                              <a:latin typeface="Cambria Math" panose="02040503050406030204" pitchFamily="18" charset="0"/>
-                            </a:rPr>
-                            <m:t>𝐵</m:t>
+                            <m:t>B</m:t>
                           </m:r>
                         </m:e>
                         <m:sup>
                           <m:r>
-                            <a:rPr>
-                              <a:latin typeface="Cambria Math" panose="02040503050406030204" pitchFamily="18" charset="0"/>
-                            </a:rPr>
                             <m:t>2</m:t>
                           </m:r>
                         </m:sup>
@@ -4522,54 +4280,13 @@
                     </m:oMath>
                   </m:oMathPara>
                 </a14:m>
-                <a:endParaRPr dirty="0"/>
               </a:p>
             </p:txBody>
           </p:sp>
         </mc:Choice>
-        <mc:Fallback>
-          <p:sp>
-            <p:nvSpPr>
-              <p:cNvPr id="3" name="Content Placeholder 2"/>
-              <p:cNvSpPr>
-                <a:spLocks noGrp="1" noRot="1" noChangeAspect="1" noMove="1" noResize="1" noEditPoints="1" noAdjustHandles="1" noChangeArrowheads="1" noChangeShapeType="1" noTextEdit="1"/>
-              </p:cNvSpPr>
-              <p:nvPr>
-                <p:ph idx="1"/>
-              </p:nvPr>
-            </p:nvSpPr>
-            <p:spPr>
-              <a:xfrm>
-                <a:off x="114300" y="954371"/>
-                <a:ext cx="3240314" cy="3862558"/>
-              </a:xfrm>
-              <a:blipFill>
-                <a:blip r:embed="rId4"/>
-                <a:stretch>
-                  <a:fillRect l="-3137" t="-1311" r="-3529"/>
-                </a:stretch>
-              </a:blipFill>
-            </p:spPr>
-            <p:txBody>
-              <a:bodyPr/>
-              <a:lstStyle/>
-              <a:p>
-                <a:r>
-                  <a:rPr lang="en-US">
-                    <a:noFill/>
-                  </a:rPr>
-                  <a:t> </a:t>
-                </a:r>
-              </a:p>
-            </p:txBody>
-          </p:sp>
-        </mc:Fallback>
       </mc:AlternateContent>
     </p:spTree>
   </p:cSld>
-  <p:clrMapOvr>
-    <a:masterClrMapping/>
-  </p:clrMapOvr>
 </p:sld>
 </file>
 
@@ -4605,10 +4322,11 @@
           <a:bodyPr/>
           <a:lstStyle/>
           <a:p>
-            <a:pPr marL="0" lvl="0" indent="0">
+            <a:pPr lvl="0" indent="0" marL="0">
               <a:buNone/>
             </a:pPr>
             <a:r>
+              <a:rPr/>
               <a:t>Acceleration mechanism</a:t>
             </a:r>
           </a:p>
@@ -4616,7 +4334,7 @@
       </p:sp>
       <p:pic>
         <p:nvPicPr>
-          <p:cNvPr id="4" name="Picture 1" descr="20250416114719.png"/>
+          <p:cNvPr descr="20250416114719.png" id="0" name="Picture 1"/>
           <p:cNvPicPr>
             <a:picLocks noGrp="1" noChangeAspect="1"/>
           </p:cNvPicPr>
@@ -4630,8 +4348,8 @@
         </p:blipFill>
         <p:spPr bwMode="auto">
           <a:xfrm>
-            <a:off x="3200400" y="897162"/>
-            <a:ext cx="5943600" cy="4100903"/>
+            <a:off x="2476500" y="1193800"/>
+            <a:ext cx="4178300" cy="2882900"/>
           </a:xfrm>
           <a:prstGeom prst="rect">
             <a:avLst/>
@@ -4646,13 +4364,13 @@
       </p:pic>
       <p:sp>
         <p:nvSpPr>
-          <p:cNvPr id="5" name="TextBox 3"/>
+          <p:cNvPr id="1" name="TextBox 3"/>
           <p:cNvSpPr txBox="1"/>
           <p:nvPr/>
         </p:nvSpPr>
         <p:spPr>
           <a:xfrm>
-            <a:off x="1665514" y="4744065"/>
+            <a:off x="457200" y="4076700"/>
             <a:ext cx="8229600" cy="508000"/>
           </a:xfrm>
           <a:prstGeom prst="rect">
@@ -4664,11 +4382,11 @@
           <a:bodyPr/>
           <a:lstStyle/>
           <a:p>
-            <a:pPr marL="0" lvl="0" indent="0" algn="ctr">
+            <a:pPr lvl="0" indent="0" marL="0" algn="ctr">
               <a:buNone/>
             </a:pPr>
             <a:r>
-              <a:rPr dirty="0"/>
+              <a:rPr/>
               <a:t>Evolution of the power spectrum of magnetic field fluctuations</a:t>
             </a:r>
           </a:p>
@@ -4686,113 +4404,45 @@
                 <p:ph idx="1"/>
               </p:nvPr>
             </p:nvSpPr>
-            <p:spPr>
-              <a:xfrm>
-                <a:off x="450850" y="1363437"/>
-                <a:ext cx="2749550" cy="2882900"/>
-              </a:xfrm>
-            </p:spPr>
+            <p:spPr/>
             <p:txBody>
-              <a:bodyPr>
-                <a:normAutofit lnSpcReduction="10000"/>
-              </a:bodyPr>
+              <a:bodyPr/>
               <a:lstStyle/>
               <a:p>
-                <a:pPr marL="0" lvl="0" indent="0">
+                <a:pPr lvl="0" indent="0" marL="0">
                   <a:buNone/>
                 </a:pPr>
                 <a:r>
-                  <a:rPr dirty="0"/>
-                  <a:t>A large-scale (∼</a:t>
-                </a:r>
-                <a:r>
-                  <a:rPr dirty="0" err="1"/>
-                  <a:t>Rc</a:t>
-                </a:r>
-                <a:r>
-                  <a:rPr dirty="0"/>
-                  <a:t>) inductive electric field acting in concert with a magnetic field that is tangled over a range of scales that extends down to </a:t>
+                  <a:rPr/>
+                  <a:t>A large-scale (∼Rc) inductive electric field acting in concert with a magnetic field that is tangled over a range of scales that extends down to </a:t>
                 </a:r>
                 <a14:m>
                   <m:oMath xmlns:m="http://schemas.openxmlformats.org/officeDocument/2006/math">
                     <m:sSub>
-                      <m:sSubPr>
-                        <m:ctrlPr>
-                          <a:rPr>
-                            <a:latin typeface="Cambria Math" panose="02040503050406030204" pitchFamily="18" charset="0"/>
-                          </a:rPr>
-                        </m:ctrlPr>
-                      </m:sSubPr>
                       <m:e>
                         <m:r>
-                          <a:rPr>
-                            <a:latin typeface="Cambria Math" panose="02040503050406030204" pitchFamily="18" charset="0"/>
-                          </a:rPr>
-                          <m:t>𝜌</m:t>
+                          <m:t>ρ</m:t>
                         </m:r>
                       </m:e>
                       <m:sub>
                         <m:r>
-                          <a:rPr>
-                            <a:latin typeface="Cambria Math" panose="02040503050406030204" pitchFamily="18" charset="0"/>
-                          </a:rPr>
-                          <m:t>𝑔</m:t>
+                          <m:t>g</m:t>
                         </m:r>
                       </m:sub>
                     </m:sSub>
                   </m:oMath>
                 </a14:m>
                 <a:r>
-                  <a:rPr dirty="0"/>
+                  <a:rPr/>
                   <a:t>.</a:t>
                 </a:r>
               </a:p>
             </p:txBody>
           </p:sp>
         </mc:Choice>
-        <mc:Fallback>
-          <p:sp>
-            <p:nvSpPr>
-              <p:cNvPr id="3" name="Content Placeholder 2"/>
-              <p:cNvSpPr>
-                <a:spLocks noGrp="1" noRot="1" noChangeAspect="1" noMove="1" noResize="1" noEditPoints="1" noAdjustHandles="1" noChangeArrowheads="1" noChangeShapeType="1" noTextEdit="1"/>
-              </p:cNvSpPr>
-              <p:nvPr>
-                <p:ph idx="1"/>
-              </p:nvPr>
-            </p:nvSpPr>
-            <p:spPr>
-              <a:xfrm>
-                <a:off x="450850" y="1363437"/>
-                <a:ext cx="2749550" cy="2882900"/>
-              </a:xfrm>
-              <a:blipFill>
-                <a:blip r:embed="rId3"/>
-                <a:stretch>
-                  <a:fillRect l="-3670" t="-2632" r="-1835"/>
-                </a:stretch>
-              </a:blipFill>
-            </p:spPr>
-            <p:txBody>
-              <a:bodyPr/>
-              <a:lstStyle/>
-              <a:p>
-                <a:r>
-                  <a:rPr lang="en-US">
-                    <a:noFill/>
-                  </a:rPr>
-                  <a:t> </a:t>
-                </a:r>
-              </a:p>
-            </p:txBody>
-          </p:sp>
-        </mc:Fallback>
       </mc:AlternateContent>
     </p:spTree>
   </p:cSld>
-  <p:clrMapOvr>
-    <a:masterClrMapping/>
-  </p:clrMapOvr>
 </p:sld>
 </file>
 
@@ -4825,29 +4475,20 @@
         </p:nvSpPr>
         <p:spPr>
           <a:xfrm>
-            <a:off x="111026" y="71835"/>
+            <a:off x="457201" y="204787"/>
             <a:ext cx="3008313" cy="871538"/>
           </a:xfrm>
         </p:spPr>
         <p:txBody>
-          <a:bodyPr>
-            <a:normAutofit/>
-          </a:bodyPr>
-          <a:lstStyle/>
-          <a:p>
-            <a:pPr marL="0" lvl="0" indent="0">
+          <a:bodyPr/>
+          <a:lstStyle/>
+          <a:p>
+            <a:pPr lvl="0" indent="0" marL="0">
               <a:buNone/>
             </a:pPr>
             <a:r>
-              <a:rPr sz="2400" dirty="0"/>
-              <a:t>Astrophysical </a:t>
-            </a:r>
-            <a:br>
-              <a:rPr lang="en-US" sz="2400" dirty="0"/>
-            </a:br>
-            <a:r>
-              <a:rPr sz="2400" dirty="0"/>
-              <a:t>Implications</a:t>
+              <a:rPr/>
+              <a:t>Astrophysical Implications</a:t>
             </a:r>
           </a:p>
         </p:txBody>
@@ -4859,54 +4500,27 @@
             <a:spLocks noGrp="1"/>
           </p:cNvSpPr>
           <p:nvPr>
-            <p:ph type="body" sz="half" idx="2"/>
-          </p:nvPr>
-        </p:nvSpPr>
-        <p:spPr>
-          <a:xfrm>
-            <a:off x="111026" y="1117599"/>
-            <a:ext cx="2313198" cy="3518297"/>
-          </a:xfrm>
-        </p:spPr>
-        <p:txBody>
-          <a:bodyPr>
-            <a:normAutofit fontScale="92500"/>
-          </a:bodyPr>
-          <a:lstStyle/>
-          <a:p>
-            <a:pPr marL="0" lvl="0" indent="0">
+            <p:ph idx="2" sz="half" type="body"/>
+          </p:nvPr>
+        </p:nvSpPr>
+        <p:spPr/>
+        <p:txBody>
+          <a:bodyPr/>
+          <a:lstStyle/>
+          <a:p>
+            <a:pPr lvl="0" indent="0" marL="0">
               <a:buNone/>
             </a:pPr>
             <a:r>
-              <a:rPr sz="2800" dirty="0"/>
-              <a:t>Extrapolated to astrophysical systems</a:t>
-            </a:r>
-            <a:endParaRPr lang="en-US" sz="2800" dirty="0"/>
-          </a:p>
-          <a:p>
-            <a:pPr marL="0" lvl="0" indent="0">
-              <a:buNone/>
-            </a:pPr>
-            <a:endParaRPr lang="en-US" sz="2800" dirty="0"/>
-          </a:p>
-          <a:p>
-            <a:pPr marL="0" lvl="0" indent="0">
-              <a:buNone/>
-            </a:pPr>
-            <a:r>
-              <a:rPr lang="en-US" sz="2800" dirty="0"/>
-              <a:t>E</a:t>
-            </a:r>
-            <a:r>
-              <a:rPr sz="2800" dirty="0"/>
-              <a:t>normous scale separation implies huge energy gains.</a:t>
+              <a:rPr/>
+              <a:t>Extrapolated to astrophysical systems, where the enormous scale separation implies huge energy gains.</a:t>
             </a:r>
           </a:p>
         </p:txBody>
       </p:sp>
       <p:pic>
         <p:nvPicPr>
-          <p:cNvPr id="3" name="Picture 1" descr="20250416115046.png"/>
+          <p:cNvPr descr="20250416115046.png" id="0" name="Picture 1"/>
           <p:cNvPicPr>
             <a:picLocks noGrp="1" noChangeAspect="1"/>
           </p:cNvPicPr>
@@ -4920,8 +4534,8 @@
         </p:blipFill>
         <p:spPr bwMode="auto">
           <a:xfrm>
-            <a:off x="2424224" y="943373"/>
-            <a:ext cx="6719776" cy="2691253"/>
+            <a:off x="3568700" y="1117600"/>
+            <a:ext cx="5105400" cy="2044700"/>
           </a:xfrm>
           <a:prstGeom prst="rect">
             <a:avLst/>
@@ -4936,7 +4550,7 @@
       </p:pic>
       <p:sp>
         <p:nvSpPr>
-          <p:cNvPr id="5" name="TextBox 3"/>
+          <p:cNvPr id="1" name="TextBox 3"/>
           <p:cNvSpPr txBox="1"/>
           <p:nvPr/>
         </p:nvSpPr>
@@ -4954,10 +4568,11 @@
           <a:bodyPr/>
           <a:lstStyle/>
           <a:p>
-            <a:pPr marL="0" lvl="0" indent="0" algn="ctr">
+            <a:pPr lvl="0" indent="0" marL="0" algn="ctr">
               <a:buNone/>
             </a:pPr>
             <a:r>
+              <a:rPr/>
               <a:t>(a) Final particle spectra for different system sizes; (b) Scaling law of maximum particle energy gain with system size and magnetic field magnitude.</a:t>
             </a:r>
           </a:p>
@@ -4965,9 +4580,6 @@
       </p:sp>
     </p:spTree>
   </p:cSld>
-  <p:clrMapOvr>
-    <a:masterClrMapping/>
-  </p:clrMapOvr>
 </p:sld>
 </file>
 
@@ -5003,10 +4615,11 @@
           <a:bodyPr/>
           <a:lstStyle/>
           <a:p>
-            <a:pPr marL="0" lvl="0" indent="0">
+            <a:pPr lvl="0" indent="0" marL="0">
               <a:buNone/>
             </a:pPr>
             <a:r>
+              <a:rPr/>
               <a:t>Strengths &amp; Limitations</a:t>
             </a:r>
           </a:p>
@@ -5024,67 +4637,74 @@
         </p:nvSpPr>
         <p:spPr/>
         <p:txBody>
-          <a:bodyPr>
-            <a:normAutofit fontScale="85000" lnSpcReduction="20000"/>
-          </a:bodyPr>
-          <a:lstStyle/>
-          <a:p>
-            <a:pPr marL="0" lvl="0" indent="0">
+          <a:bodyPr/>
+          <a:lstStyle/>
+          <a:p>
+            <a:pPr lvl="0" indent="0" marL="0">
               <a:buNone/>
             </a:pPr>
             <a:r>
+              <a:rPr/>
               <a:t>Strengths:</a:t>
             </a:r>
           </a:p>
           <a:p>
             <a:pPr lvl="0"/>
             <a:r>
+              <a:rPr/>
               <a:t>Fully kinetic, 3D, self‑consistent; captures both MHD and particle scales.</a:t>
             </a:r>
           </a:p>
           <a:p>
             <a:pPr lvl="0"/>
             <a:r>
+              <a:rPr/>
               <a:t>Robust across parameter scans (σ, B‑profile, system size).</a:t>
             </a:r>
           </a:p>
           <a:p>
             <a:pPr lvl="0"/>
             <a:r>
+              <a:rPr/>
               <a:t>Detailed acceleration mechanism analysis.</a:t>
             </a:r>
           </a:p>
           <a:p>
-            <a:pPr marL="0" lvl="0" indent="0">
+            <a:pPr lvl="0" indent="0" marL="0">
               <a:buNone/>
             </a:pPr>
             <a:r>
+              <a:rPr/>
               <a:t>Limitations &amp; open questions:</a:t>
             </a:r>
           </a:p>
           <a:p>
             <a:pPr lvl="0"/>
             <a:r>
+              <a:rPr/>
               <a:t>Electron‑positron plasma with large gyroradius.</a:t>
             </a:r>
           </a:p>
           <a:p>
             <a:pPr lvl="0"/>
             <a:r>
+              <a:rPr/>
               <a:t>Radiative cooling and pair production not included.</a:t>
             </a:r>
           </a:p>
           <a:p>
             <a:pPr lvl="0"/>
             <a:r>
+              <a:rPr/>
               <a:t>Connection to global jet dynamics and external kink instability.</a:t>
             </a:r>
           </a:p>
           <a:p>
-            <a:pPr marL="0" lvl="0" indent="0">
+            <a:pPr lvl="0" indent="0" marL="0">
               <a:buNone/>
             </a:pPr>
             <a:r>
+              <a:rPr/>
               <a:t>Harris, D. E., J. A. Biretta, W. Junor, E. S. Perlman, W. B. Sparks, and A. S. Wilson. 2003. “Flaring X-Ray Emission from HST-1, a Knot in the M87 Jet.” </a:t>
             </a:r>
             <a:r>
@@ -5092,6 +4712,7 @@
               <a:t>Astrophysical Journal</a:t>
             </a:r>
             <a:r>
+              <a:rPr/>
               <a:t> 586 (1): L41. </a:t>
             </a:r>
             <a:r>
@@ -5101,6 +4722,7 @@
               <a:t>https://doi.org/10.1086/374773</a:t>
             </a:r>
             <a:r>
+              <a:rPr/>
               <a:t>.</a:t>
             </a:r>
           </a:p>
@@ -5108,9 +4730,6 @@
       </p:sp>
     </p:spTree>
   </p:cSld>
-  <p:clrMapOvr>
-    <a:masterClrMapping/>
-  </p:clrMapOvr>
 </p:sld>
 </file>
 
@@ -5143,15 +4762,14 @@
         </p:nvSpPr>
         <p:spPr/>
         <p:txBody>
-          <a:bodyPr>
-            <a:normAutofit fontScale="90000"/>
-          </a:bodyPr>
-          <a:lstStyle/>
-          <a:p>
-            <a:pPr marL="0" lvl="0" indent="0">
+          <a:bodyPr/>
+          <a:lstStyle/>
+          <a:p>
+            <a:pPr lvl="0" indent="0" marL="0">
               <a:buNone/>
             </a:pPr>
             <a:r>
+              <a:rPr/>
               <a:t>Scientific Context - AGN jets as cosmic accelerators</a:t>
             </a:r>
           </a:p>
@@ -5159,7 +4777,7 @@
       </p:sp>
       <p:pic>
         <p:nvPicPr>
-          <p:cNvPr id="4" name="Picture 1" descr="https://assets.science.nasa.gov/dynamicimage/assets/science/missions/hubble/releases/2010/05/STScI-01EVVDBNKDG4N91CJS5FYG1ENG.jpg"/>
+          <p:cNvPr descr="https://assets.science.nasa.gov/dynamicimage/assets/science/missions/hubble/releases/2010/05/STScI-01EVVDBNKDG4N91CJS5FYG1ENG.jpg" id="0" name="Picture 1"/>
           <p:cNvPicPr>
             <a:picLocks noGrp="1" noChangeAspect="1"/>
           </p:cNvPicPr>
@@ -5173,7 +4791,7 @@
         </p:blipFill>
         <p:spPr bwMode="auto">
           <a:xfrm>
-            <a:off x="3975987" y="1236331"/>
+            <a:off x="2413000" y="1193800"/>
             <a:ext cx="4318000" cy="2882900"/>
           </a:xfrm>
           <a:prstGeom prst="rect">
@@ -5189,13 +4807,13 @@
       </p:pic>
       <p:sp>
         <p:nvSpPr>
-          <p:cNvPr id="5" name="TextBox 3"/>
+          <p:cNvPr id="1" name="TextBox 3"/>
           <p:cNvSpPr txBox="1"/>
           <p:nvPr/>
         </p:nvSpPr>
         <p:spPr>
           <a:xfrm>
-            <a:off x="2020187" y="4119231"/>
+            <a:off x="457200" y="4076700"/>
             <a:ext cx="8229600" cy="508000"/>
           </a:xfrm>
           <a:prstGeom prst="rect">
@@ -5207,11 +4825,11 @@
           <a:bodyPr/>
           <a:lstStyle/>
           <a:p>
-            <a:pPr marL="0" lvl="0" indent="0" algn="ctr">
+            <a:pPr lvl="0" indent="0" marL="0" algn="ctr">
               <a:buNone/>
             </a:pPr>
             <a:r>
-              <a:rPr dirty="0"/>
+              <a:rPr/>
               <a:t>Hubble Space Telescope Images of HST-1 in M87 (Credit: NASA)</a:t>
             </a:r>
           </a:p>
@@ -5227,21 +4845,16 @@
             <p:ph idx="1"/>
           </p:nvPr>
         </p:nvSpPr>
-        <p:spPr>
-          <a:xfrm>
-            <a:off x="255182" y="1182549"/>
-            <a:ext cx="2913320" cy="3754972"/>
-          </a:xfrm>
-        </p:spPr>
-        <p:txBody>
-          <a:bodyPr/>
-          <a:lstStyle/>
-          <a:p>
-            <a:pPr marL="0" lvl="0" indent="0">
+        <p:spPr/>
+        <p:txBody>
+          <a:bodyPr/>
+          <a:lstStyle/>
+          <a:p>
+            <a:pPr lvl="0" indent="0" marL="0">
               <a:buNone/>
             </a:pPr>
             <a:r>
-              <a:rPr dirty="0"/>
+              <a:rPr/>
               <a:t>Extragalactic jets from active galactic nuclei (AGNs) carry relativistic magnetized plasma and produce nonthermal electrons/positrons that radiate from radio to TeV energies.</a:t>
             </a:r>
           </a:p>
@@ -5249,9 +4862,6 @@
       </p:sp>
     </p:spTree>
   </p:cSld>
-  <p:clrMapOvr>
-    <a:masterClrMapping/>
-  </p:clrMapOvr>
 </p:sld>
 </file>
 
@@ -5292,10 +4902,11 @@
           <a:bodyPr/>
           <a:lstStyle/>
           <a:p>
-            <a:pPr marL="0" lvl="0" indent="0">
+            <a:pPr lvl="0" indent="0" marL="0">
               <a:buNone/>
             </a:pPr>
             <a:r>
+              <a:rPr/>
               <a:t>Scientific Context - AGN jets as cosmic accelerators</a:t>
             </a:r>
           </a:p>
@@ -5308,37 +4919,27 @@
             <a:spLocks noGrp="1"/>
           </p:cNvSpPr>
           <p:nvPr>
-            <p:ph type="body" sz="half" idx="2"/>
+            <p:ph idx="2" sz="half" type="body"/>
           </p:nvPr>
         </p:nvSpPr>
         <p:spPr/>
         <p:txBody>
-          <a:bodyPr>
-            <a:normAutofit/>
-          </a:bodyPr>
-          <a:lstStyle/>
-          <a:p>
-            <a:pPr marL="0" lvl="0" indent="0">
+          <a:bodyPr/>
+          <a:lstStyle/>
+          <a:p>
+            <a:pPr lvl="0" indent="0" marL="0">
               <a:buNone/>
             </a:pPr>
             <a:r>
-              <a:rPr sz="2400" dirty="0"/>
-              <a:t>AGN jets are also candidate sources of ultrahigh-energy cosmic rays (UHECRs; E &gt; 10²⁰ eV), bolstered by recent neutrino–</a:t>
-            </a:r>
-            <a:r>
-              <a:rPr sz="2400" dirty="0" err="1"/>
-              <a:t>γ</a:t>
-            </a:r>
-            <a:r>
-              <a:rPr sz="2400" dirty="0"/>
-              <a:t> coincidences (e.g., TXS 0506+056)</a:t>
+              <a:rPr/>
+              <a:t>AGN jets are also candidate sources of ultrahigh-energy cosmic rays (UHECRs; E &gt; 10²⁰ eV), bolstered by recent neutrino–γ coincidences (e.g., TXS 0506+056)</a:t>
             </a:r>
           </a:p>
         </p:txBody>
       </p:sp>
       <p:pic>
         <p:nvPicPr>
-          <p:cNvPr id="3" name="Picture 1" descr="20250416105148.png"/>
+          <p:cNvPr descr="20250416105148.png" id="0" name="Picture 1"/>
           <p:cNvPicPr>
             <a:picLocks noGrp="1" noChangeAspect="1"/>
           </p:cNvPicPr>
@@ -5368,7 +4969,7 @@
       </p:pic>
       <p:sp>
         <p:nvSpPr>
-          <p:cNvPr id="5" name="TextBox 3"/>
+          <p:cNvPr id="1" name="TextBox 3"/>
           <p:cNvSpPr txBox="1"/>
           <p:nvPr/>
         </p:nvSpPr>
@@ -5386,10 +4987,11 @@
           <a:bodyPr/>
           <a:lstStyle/>
           <a:p>
-            <a:pPr marL="0" lvl="0" indent="0" algn="ctr">
+            <a:pPr lvl="0" indent="0" marL="0" algn="ctr">
               <a:buNone/>
             </a:pPr>
             <a:r>
+              <a:rPr/>
               <a:t>Chandra X-ray image of the M87 jet (Harris et al. (2003))</a:t>
             </a:r>
           </a:p>
@@ -5397,9 +4999,6 @@
       </p:sp>
     </p:spTree>
   </p:cSld>
-  <p:clrMapOvr>
-    <a:masterClrMapping/>
-  </p:clrMapOvr>
 </p:sld>
 </file>
 
@@ -5435,10 +5034,11 @@
           <a:bodyPr/>
           <a:lstStyle/>
           <a:p>
-            <a:pPr marL="0" lvl="0" indent="0">
+            <a:pPr lvl="0" indent="0" marL="0">
               <a:buNone/>
             </a:pPr>
             <a:r>
+              <a:rPr/>
               <a:t>Acceleration Puzzle</a:t>
             </a:r>
           </a:p>
@@ -5459,42 +5059,29 @@
           <a:bodyPr/>
           <a:lstStyle/>
           <a:p>
-            <a:pPr marL="0" lvl="0" indent="0">
+            <a:pPr lvl="0" indent="0" marL="0">
               <a:buNone/>
             </a:pPr>
             <a:r>
-              <a:rPr dirty="0"/>
+              <a:rPr/>
               <a:t>Open question: How do jets convert magnetic energy into nonthermal particles so efficiently?</a:t>
             </a:r>
-            <a:endParaRPr lang="en-US" dirty="0"/>
-          </a:p>
-          <a:p>
-            <a:pPr marL="0" lvl="0" indent="0">
+          </a:p>
+          <a:p>
+            <a:pPr lvl="0" indent="0" marL="0">
               <a:buNone/>
             </a:pPr>
-            <a:endParaRPr dirty="0"/>
-          </a:p>
-          <a:p>
-            <a:pPr marL="0" lvl="0" indent="0">
+            <a:r>
+              <a:rPr/>
+              <a:t>Standard shock acceleration struggles in magnetically dominated flows, showing low efficiency in PIC studies</a:t>
+            </a:r>
+          </a:p>
+          <a:p>
+            <a:pPr lvl="0" indent="0" marL="0">
               <a:buNone/>
             </a:pPr>
             <a:r>
-              <a:rPr dirty="0"/>
-              <a:t>Standard shock acceleration struggles in magnetically dominated flows, showing low efficiency in PIC studies</a:t>
-            </a:r>
-          </a:p>
-          <a:p>
-            <a:pPr marL="0" lvl="0" indent="0">
-              <a:buNone/>
-            </a:pPr>
-            <a:endParaRPr lang="en-US" dirty="0"/>
-          </a:p>
-          <a:p>
-            <a:pPr marL="0" lvl="0" indent="0">
-              <a:buNone/>
-            </a:pPr>
-            <a:r>
-              <a:rPr dirty="0"/>
+              <a:rPr/>
               <a:t>Alternative: Tap jet’s magnetic free energy via instabilities.</a:t>
             </a:r>
           </a:p>
@@ -5502,9 +5089,6 @@
       </p:sp>
     </p:spTree>
   </p:cSld>
-  <p:clrMapOvr>
-    <a:masterClrMapping/>
-  </p:clrMapOvr>
 </p:sld>
 </file>
 
@@ -5540,10 +5124,11 @@
           <a:bodyPr/>
           <a:lstStyle/>
           <a:p>
-            <a:pPr marL="0" lvl="0" indent="0">
+            <a:pPr lvl="0" indent="0" marL="0">
               <a:buNone/>
             </a:pPr>
             <a:r>
+              <a:rPr/>
               <a:t>Stability of Jets</a:t>
             </a:r>
           </a:p>
@@ -5559,57 +5144,44 @@
             <p:ph idx="1"/>
           </p:nvPr>
         </p:nvSpPr>
-        <p:spPr>
-          <a:xfrm>
-            <a:off x="457200" y="1200150"/>
-            <a:ext cx="8229600" cy="3943349"/>
-          </a:xfrm>
-        </p:spPr>
-        <p:txBody>
-          <a:bodyPr>
-            <a:normAutofit/>
-          </a:bodyPr>
+        <p:spPr/>
+        <p:txBody>
+          <a:bodyPr/>
           <a:lstStyle/>
           <a:p>
             <a:pPr lvl="0"/>
             <a:r>
-              <a:rPr dirty="0"/>
+              <a:rPr/>
               <a:t>Unstable: magnetized jets are strongly unstable to current-driven instabilities in non-relativistic jets</a:t>
             </a:r>
           </a:p>
           <a:p>
             <a:pPr lvl="1"/>
             <a:r>
-              <a:rPr dirty="0"/>
+              <a:rPr/>
               <a:t>Question: magnetized jets are unable to break out of the star, a necessary condition to form a GRB.</a:t>
             </a:r>
           </a:p>
           <a:p>
             <a:pPr lvl="0"/>
             <a:r>
-              <a:rPr dirty="0"/>
+              <a:rPr/>
               <a:t>Stable: half of the energy remains locked in the magnetic form</a:t>
             </a:r>
           </a:p>
           <a:p>
             <a:pPr lvl="1"/>
             <a:r>
-              <a:rPr dirty="0"/>
+              <a:rPr/>
               <a:t>Question: it would be difficult to explain the high-energy emission radiated from them</a:t>
             </a:r>
           </a:p>
           <a:p>
-            <a:pPr marL="0" lvl="0" indent="0">
+            <a:pPr lvl="0" indent="0" marL="0">
               <a:buNone/>
             </a:pPr>
-            <a:endParaRPr lang="en-US" dirty="0"/>
-          </a:p>
-          <a:p>
-            <a:pPr marL="0" lvl="0" indent="0">
-              <a:buNone/>
-            </a:pPr>
-            <a:r>
-              <a:rPr dirty="0"/>
+            <a:r>
+              <a:rPr/>
               <a:t>Solution: A local current-driven instability in a mildly unstable jet?</a:t>
             </a:r>
           </a:p>
@@ -5617,9 +5189,6 @@
       </p:sp>
     </p:spTree>
   </p:cSld>
-  <p:clrMapOvr>
-    <a:masterClrMapping/>
-  </p:clrMapOvr>
 </p:sld>
 </file>
 
@@ -5660,10 +5229,11 @@
           <a:bodyPr/>
           <a:lstStyle/>
           <a:p>
-            <a:pPr marL="0" lvl="0" indent="0">
+            <a:pPr lvl="0" indent="0" marL="0">
               <a:buNone/>
             </a:pPr>
             <a:r>
+              <a:rPr/>
               <a:t>Kink Instability (KI)</a:t>
             </a:r>
           </a:p>
@@ -5678,17 +5248,15 @@
                 <a:spLocks noGrp="1"/>
               </p:cNvSpPr>
               <p:nvPr>
-                <p:ph type="body" sz="half" idx="2"/>
+                <p:ph idx="2" sz="half" type="body"/>
               </p:nvPr>
             </p:nvSpPr>
             <p:spPr/>
             <p:txBody>
-              <a:bodyPr>
-                <a:normAutofit/>
-              </a:bodyPr>
+              <a:bodyPr/>
               <a:lstStyle/>
               <a:p>
-                <a:pPr marL="0" lvl="0" indent="0">
+                <a:pPr lvl="0" indent="0" marL="0">
                   <a:buNone/>
                 </a:pPr>
                 <a14:m>
@@ -5696,114 +5264,89 @@
                     <m:oMathParaPr>
                       <m:jc m:val="center"/>
                     </m:oMathParaPr>
-                    <m:oMath xmlns:m="http://schemas.openxmlformats.org/officeDocument/2006/math">
+                    <m:oMath>
                       <m:r>
-                        <a:rPr lang="ar-AE" sz="2400" smtClean="0">
-                          <a:latin typeface="Cambria Math" panose="02040503050406030204" pitchFamily="18" charset="0"/>
-                        </a:rPr>
-                        <m:t>𝛏</m:t>
+                        <m:rPr>
+                          <m:sty m:val="b"/>
+                        </m:rPr>
+                        <m:t>ξ</m:t>
                       </m:r>
                       <m:d>
                         <m:dPr>
-                          <m:ctrlPr>
-                            <a:rPr lang="ar-AE" sz="2400" i="1">
-                              <a:latin typeface="Cambria Math" panose="02040503050406030204" pitchFamily="18" charset="0"/>
-                            </a:rPr>
-                          </m:ctrlPr>
+                          <m:begChr m:val="("/>
+                          <m:endChr m:val=")"/>
+                          <m:sepChr m:val=""/>
+                          <m:grow/>
                         </m:dPr>
                         <m:e>
                           <m:r>
-                            <a:rPr lang="ar-AE" sz="2400">
-                              <a:latin typeface="Cambria Math" panose="02040503050406030204" pitchFamily="18" charset="0"/>
-                            </a:rPr>
-                            <m:t>𝐫</m:t>
+                            <m:rPr>
+                              <m:sty m:val="b"/>
+                            </m:rPr>
+                            <m:t>r</m:t>
                           </m:r>
                         </m:e>
                       </m:d>
                       <m:r>
-                        <a:rPr lang="ar-AE" sz="2400">
-                          <a:latin typeface="Cambria Math" panose="02040503050406030204" pitchFamily="18" charset="0"/>
-                        </a:rPr>
+                        <m:rPr>
+                          <m:sty m:val="p"/>
+                        </m:rPr>
                         <m:t>=</m:t>
                       </m:r>
                       <m:r>
-                        <a:rPr lang="ar-AE" sz="2400">
-                          <a:latin typeface="Cambria Math" panose="02040503050406030204" pitchFamily="18" charset="0"/>
-                        </a:rPr>
-                        <m:t>𝛏</m:t>
+                        <m:rPr>
+                          <m:sty m:val="b"/>
+                        </m:rPr>
+                        <m:t>ξ</m:t>
                       </m:r>
                       <m:d>
                         <m:dPr>
-                          <m:ctrlPr>
-                            <a:rPr lang="ar-AE" sz="2400" i="1">
-                              <a:latin typeface="Cambria Math" panose="02040503050406030204" pitchFamily="18" charset="0"/>
-                            </a:rPr>
-                          </m:ctrlPr>
+                          <m:begChr m:val="("/>
+                          <m:endChr m:val=")"/>
+                          <m:sepChr m:val=""/>
+                          <m:grow/>
                         </m:dPr>
                         <m:e>
                           <m:r>
-                            <a:rPr lang="ar-AE" sz="2400">
-                              <a:latin typeface="Cambria Math" panose="02040503050406030204" pitchFamily="18" charset="0"/>
-                            </a:rPr>
-                            <m:t>𝑟</m:t>
+                            <m:t>r</m:t>
                           </m:r>
                         </m:e>
                       </m:d>
                       <m:sSup>
-                        <m:sSupPr>
-                          <m:ctrlPr>
-                            <a:rPr lang="ar-AE" sz="2400" i="1">
-                              <a:latin typeface="Cambria Math" panose="02040503050406030204" pitchFamily="18" charset="0"/>
-                            </a:rPr>
-                          </m:ctrlPr>
-                        </m:sSupPr>
                         <m:e>
                           <m:r>
-                            <a:rPr lang="ar-AE" sz="2400">
-                              <a:latin typeface="Cambria Math" panose="02040503050406030204" pitchFamily="18" charset="0"/>
-                            </a:rPr>
-                            <m:t>𝑒</m:t>
+                            <m:t>e</m:t>
                           </m:r>
                         </m:e>
                         <m:sup>
                           <m:r>
-                            <a:rPr lang="ar-AE" sz="2400">
-                              <a:latin typeface="Cambria Math" panose="02040503050406030204" pitchFamily="18" charset="0"/>
-                            </a:rPr>
-                            <m:t>𝑖</m:t>
+                            <m:t>i</m:t>
                           </m:r>
                           <m:d>
                             <m:dPr>
-                              <m:ctrlPr>
-                                <a:rPr lang="ar-AE" sz="2400" i="1">
-                                  <a:latin typeface="Cambria Math" panose="02040503050406030204" pitchFamily="18" charset="0"/>
-                                </a:rPr>
-                              </m:ctrlPr>
+                              <m:begChr m:val="("/>
+                              <m:endChr m:val=")"/>
+                              <m:sepChr m:val=""/>
+                              <m:grow/>
                             </m:dPr>
                             <m:e>
                               <m:r>
-                                <a:rPr lang="ar-AE" sz="2400">
-                                  <a:latin typeface="Cambria Math" panose="02040503050406030204" pitchFamily="18" charset="0"/>
-                                </a:rPr>
-                                <m:t>𝑚</m:t>
+                                <m:t>m</m:t>
                               </m:r>
                               <m:r>
-                                <a:rPr lang="ar-AE" sz="2400">
-                                  <a:latin typeface="Cambria Math" panose="02040503050406030204" pitchFamily="18" charset="0"/>
-                                </a:rPr>
-                                <m:t>𝜃</m:t>
+                                <m:t>θ</m:t>
                               </m:r>
                               <m:r>
-                                <a:rPr lang="ar-AE" sz="2400">
-                                  <a:latin typeface="Cambria Math" panose="02040503050406030204" pitchFamily="18" charset="0"/>
-                                </a:rPr>
+                                <m:rPr>
+                                  <m:sty m:val="p"/>
+                                </m:rPr>
                                 <m:t>+</m:t>
                               </m:r>
                               <m:r>
-                                <a:rPr lang="ar-AE" sz="2400">
-                                  <a:latin typeface="Cambria Math" panose="02040503050406030204" pitchFamily="18" charset="0"/>
-                                </a:rPr>
-                                <m:t>𝑘𝑧</m:t>
+                                <m:t>k</m:t>
+                              </m:r>
+                              <m:r>
+                                <m:t>z</m:t>
                               </m:r>
                             </m:e>
                           </m:d>
@@ -5812,16 +5355,9 @@
                     </m:oMath>
                   </m:oMathPara>
                 </a14:m>
-                <a:endParaRPr lang="ar-AE" sz="2400" dirty="0"/>
               </a:p>
               <a:p>
-                <a:pPr marL="0" lvl="0" indent="0">
-                  <a:buNone/>
-                </a:pPr>
-                <a:endParaRPr lang="ar-AE" sz="2400" dirty="0"/>
-              </a:p>
-              <a:p>
-                <a:pPr marL="0" lvl="0" indent="0">
+                <a:pPr lvl="0" indent="0" marL="0">
                   <a:buNone/>
                 </a:pPr>
                 <a14:m>
@@ -5829,173 +5365,103 @@
                     <m:oMathParaPr>
                       <m:jc m:val="center"/>
                     </m:oMathParaPr>
-                    <m:oMath xmlns:m="http://schemas.openxmlformats.org/officeDocument/2006/math">
+                    <m:oMath>
                       <m:r>
-                        <a:rPr lang="ar-AE" sz="2400">
-                          <a:latin typeface="Cambria Math" panose="02040503050406030204" pitchFamily="18" charset="0"/>
-                        </a:rPr>
-                        <m:t>𝐁</m:t>
+                        <m:rPr>
+                          <m:sty m:val="b"/>
+                        </m:rPr>
+                        <m:t>B</m:t>
                       </m:r>
                       <m:r>
-                        <a:rPr lang="ar-AE" sz="2400">
-                          <a:latin typeface="Cambria Math" panose="02040503050406030204" pitchFamily="18" charset="0"/>
-                        </a:rPr>
+                        <m:rPr>
+                          <m:sty m:val="p"/>
+                        </m:rPr>
                         <m:t>⋅</m:t>
                       </m:r>
                       <m:r>
                         <m:rPr>
                           <m:sty m:val="p"/>
                         </m:rPr>
-                        <a:rPr lang="ar-AE" sz="2400">
-                          <a:latin typeface="Cambria Math" panose="02040503050406030204" pitchFamily="18" charset="0"/>
-                        </a:rPr>
                         <m:t>∇</m:t>
                       </m:r>
                       <m:r>
-                        <a:rPr lang="ar-AE" sz="2400">
-                          <a:latin typeface="Cambria Math" panose="02040503050406030204" pitchFamily="18" charset="0"/>
-                        </a:rPr>
+                        <m:rPr>
+                          <m:sty m:val="p"/>
+                        </m:rPr>
                         <m:t>=</m:t>
                       </m:r>
                       <m:f>
                         <m:fPr>
-                          <m:ctrlPr>
-                            <a:rPr lang="ar-AE" sz="2400" i="1">
-                              <a:latin typeface="Cambria Math" panose="02040503050406030204" pitchFamily="18" charset="0"/>
-                            </a:rPr>
-                          </m:ctrlPr>
+                          <m:type m:val="bar"/>
                         </m:fPr>
                         <m:num>
                           <m:r>
-                            <a:rPr lang="ar-AE" sz="2400">
-                              <a:latin typeface="Cambria Math" panose="02040503050406030204" pitchFamily="18" charset="0"/>
-                            </a:rPr>
-                            <m:t>𝑖𝑚</m:t>
+                            <m:t>i</m:t>
+                          </m:r>
+                          <m:r>
+                            <m:t>m</m:t>
                           </m:r>
                         </m:num>
                         <m:den>
                           <m:r>
-                            <a:rPr lang="ar-AE" sz="2400">
-                              <a:latin typeface="Cambria Math" panose="02040503050406030204" pitchFamily="18" charset="0"/>
-                            </a:rPr>
-                            <m:t>𝑟</m:t>
+                            <m:t>r</m:t>
                           </m:r>
                         </m:den>
                       </m:f>
                       <m:sSub>
-                        <m:sSubPr>
-                          <m:ctrlPr>
-                            <a:rPr lang="ar-AE" sz="2400" i="1">
-                              <a:latin typeface="Cambria Math" panose="02040503050406030204" pitchFamily="18" charset="0"/>
-                            </a:rPr>
-                          </m:ctrlPr>
-                        </m:sSubPr>
                         <m:e>
                           <m:r>
-                            <a:rPr lang="ar-AE" sz="2400">
-                              <a:latin typeface="Cambria Math" panose="02040503050406030204" pitchFamily="18" charset="0"/>
-                            </a:rPr>
-                            <m:t>𝐵</m:t>
+                            <m:t>B</m:t>
                           </m:r>
                         </m:e>
                         <m:sub>
                           <m:r>
-                            <a:rPr lang="ar-AE" sz="2400">
-                              <a:latin typeface="Cambria Math" panose="02040503050406030204" pitchFamily="18" charset="0"/>
-                            </a:rPr>
-                            <m:t>𝜃</m:t>
+                            <m:t>θ</m:t>
                           </m:r>
                         </m:sub>
                       </m:sSub>
                       <m:r>
-                        <a:rPr lang="ar-AE" sz="2400">
-                          <a:latin typeface="Cambria Math" panose="02040503050406030204" pitchFamily="18" charset="0"/>
-                        </a:rPr>
+                        <m:rPr>
+                          <m:sty m:val="p"/>
+                        </m:rPr>
                         <m:t>+</m:t>
                       </m:r>
                       <m:r>
-                        <a:rPr lang="ar-AE" sz="2400">
-                          <a:latin typeface="Cambria Math" panose="02040503050406030204" pitchFamily="18" charset="0"/>
-                        </a:rPr>
-                        <m:t>𝑖𝑘</m:t>
+                        <m:t>i</m:t>
+                      </m:r>
+                      <m:r>
+                        <m:t>k</m:t>
                       </m:r>
                       <m:sSub>
-                        <m:sSubPr>
-                          <m:ctrlPr>
-                            <a:rPr lang="ar-AE" sz="2400" i="1">
-                              <a:latin typeface="Cambria Math" panose="02040503050406030204" pitchFamily="18" charset="0"/>
-                            </a:rPr>
-                          </m:ctrlPr>
-                        </m:sSubPr>
                         <m:e>
                           <m:r>
-                            <a:rPr lang="ar-AE" sz="2400">
-                              <a:latin typeface="Cambria Math" panose="02040503050406030204" pitchFamily="18" charset="0"/>
-                            </a:rPr>
-                            <m:t>𝐵</m:t>
+                            <m:t>B</m:t>
                           </m:r>
                         </m:e>
                         <m:sub>
                           <m:r>
-                            <a:rPr lang="ar-AE" sz="2400">
-                              <a:latin typeface="Cambria Math" panose="02040503050406030204" pitchFamily="18" charset="0"/>
-                            </a:rPr>
-                            <m:t>𝑧</m:t>
+                            <m:t>z</m:t>
                           </m:r>
                         </m:sub>
                       </m:sSub>
                     </m:oMath>
                   </m:oMathPara>
                 </a14:m>
-                <a:endParaRPr sz="2400" dirty="0"/>
               </a:p>
             </p:txBody>
           </p:sp>
         </mc:Choice>
-        <mc:Fallback>
-          <p:sp>
-            <p:nvSpPr>
-              <p:cNvPr id="4" name="Text Placeholder 3"/>
-              <p:cNvSpPr>
-                <a:spLocks noGrp="1" noRot="1" noChangeAspect="1" noMove="1" noResize="1" noEditPoints="1" noAdjustHandles="1" noChangeArrowheads="1" noChangeShapeType="1" noTextEdit="1"/>
-              </p:cNvSpPr>
-              <p:nvPr>
-                <p:ph type="body" sz="half" idx="2"/>
-              </p:nvPr>
-            </p:nvSpPr>
-            <p:spPr>
-              <a:blipFill>
-                <a:blip r:embed="rId2"/>
-                <a:stretch>
-                  <a:fillRect l="-3376" t="-360" r="-4219"/>
-                </a:stretch>
-              </a:blipFill>
-            </p:spPr>
-            <p:txBody>
-              <a:bodyPr/>
-              <a:lstStyle/>
-              <a:p>
-                <a:r>
-                  <a:rPr lang="en-US">
-                    <a:noFill/>
-                  </a:rPr>
-                  <a:t> </a:t>
-                </a:r>
-              </a:p>
-            </p:txBody>
-          </p:sp>
-        </mc:Fallback>
       </mc:AlternateContent>
       <p:pic>
         <p:nvPicPr>
-          <p:cNvPr id="3" name="Picture 1" descr="20250416112025.png"/>
+          <p:cNvPr descr="20250416112025.png" id="0" name="Picture 1"/>
           <p:cNvPicPr>
             <a:picLocks noGrp="1" noChangeAspect="1"/>
           </p:cNvPicPr>
           <p:nvPr/>
         </p:nvPicPr>
         <p:blipFill>
-          <a:blip r:embed="rId3"/>
+          <a:blip r:embed="rId2"/>
           <a:stretch>
             <a:fillRect/>
           </a:stretch>
@@ -6018,7 +5484,7 @@
       </p:pic>
       <p:sp>
         <p:nvSpPr>
-          <p:cNvPr id="5" name="TextBox 3"/>
+          <p:cNvPr id="1" name="TextBox 3"/>
           <p:cNvSpPr txBox="1"/>
           <p:nvPr/>
         </p:nvSpPr>
@@ -6036,10 +5502,11 @@
           <a:bodyPr/>
           <a:lstStyle/>
           <a:p>
-            <a:pPr marL="0" lvl="0" indent="0" algn="ctr">
+            <a:pPr lvl="0" indent="0" marL="0" algn="ctr">
               <a:buNone/>
             </a:pPr>
             <a:r>
+              <a:rPr/>
               <a:t>Displacements of the plasma</a:t>
             </a:r>
           </a:p>
@@ -6047,9 +5514,6 @@
       </p:sp>
     </p:spTree>
   </p:cSld>
-  <p:clrMapOvr>
-    <a:masterClrMapping/>
-  </p:clrMapOvr>
 </p:sld>
 </file>
 
@@ -6085,10 +5549,11 @@
           <a:bodyPr/>
           <a:lstStyle/>
           <a:p>
-            <a:pPr marL="0" lvl="0" indent="0">
+            <a:pPr lvl="0" indent="0" marL="0">
               <a:buNone/>
             </a:pPr>
             <a:r>
+              <a:rPr/>
               <a:t>Kink Instability (KI) - Two stages</a:t>
             </a:r>
           </a:p>
@@ -6106,19 +5571,19 @@
         </p:nvSpPr>
         <p:spPr/>
         <p:txBody>
-          <a:bodyPr>
-            <a:normAutofit fontScale="92500"/>
-          </a:bodyPr>
+          <a:bodyPr/>
           <a:lstStyle/>
           <a:p>
             <a:pPr lvl="0"/>
             <a:r>
+              <a:rPr/>
               <a:t>Internal kink (First): grows internally in the jet without affecting the overall jet morphology. It converts the magnetic energy into thermal energy via magnetic reconnection. As a result, the toroidal magnetic field decays, and the jet finds itself in a stable configuration that inhibits further growth of the internal kink</a:t>
             </a:r>
           </a:p>
           <a:p>
             <a:pPr lvl="0"/>
             <a:r>
+              <a:rPr/>
               <a:t>External kink (Second): kink modes can still grow externally on the periphery of the jet and perturb the entire jet body. Such an external kink instability grows over longer time-scales and typically affects the outer parts of the jet, near the jet head.</a:t>
             </a:r>
           </a:p>
@@ -6126,9 +5591,6 @@
       </p:sp>
     </p:spTree>
   </p:cSld>
-  <p:clrMapOvr>
-    <a:masterClrMapping/>
-  </p:clrMapOvr>
 </p:sld>
 </file>
 
@@ -6164,10 +5626,11 @@
           <a:bodyPr/>
           <a:lstStyle/>
           <a:p>
-            <a:pPr marL="0" lvl="0" indent="0">
+            <a:pPr lvl="0" indent="0" marL="0">
               <a:buNone/>
             </a:pPr>
             <a:r>
+              <a:rPr/>
               <a:t>Internal instability - two stages</a:t>
             </a:r>
           </a:p>
@@ -6175,7 +5638,7 @@
       </p:sp>
       <p:pic>
         <p:nvPicPr>
-          <p:cNvPr id="3" name="Picture 1" descr="alvesEfficientNonthermalParticle2018_fig_S1.png"/>
+          <p:cNvPr descr="alvesEfficientNonthermalParticle2018_fig_S1.png" id="0" name="Picture 1"/>
           <p:cNvPicPr>
             <a:picLocks noGrp="1" noChangeAspect="1"/>
           </p:cNvPicPr>
@@ -6205,7 +5668,7 @@
       </p:pic>
       <p:sp>
         <p:nvSpPr>
-          <p:cNvPr id="4" name="TextBox 3"/>
+          <p:cNvPr id="1" name="TextBox 3"/>
           <p:cNvSpPr txBox="1"/>
           <p:nvPr/>
         </p:nvSpPr>
@@ -6223,10 +5686,11 @@
           <a:bodyPr/>
           <a:lstStyle/>
           <a:p>
-            <a:pPr marL="0" lvl="0" indent="0" algn="ctr">
+            <a:pPr lvl="0" indent="0" marL="0" algn="ctr">
               <a:buNone/>
             </a:pPr>
             <a:r>
+              <a:rPr/>
               <a:t>Schematic illustration of the formation of a coherent inductive electric field along jet axis.</a:t>
             </a:r>
           </a:p>
@@ -6234,9 +5698,6 @@
       </p:sp>
     </p:spTree>
   </p:cSld>
-  <p:clrMapOvr>
-    <a:masterClrMapping/>
-  </p:clrMapOvr>
 </p:sld>
 </file>
 
@@ -6272,10 +5733,11 @@
           <a:bodyPr/>
           <a:lstStyle/>
           <a:p>
-            <a:pPr marL="0" lvl="0" indent="0">
+            <a:pPr lvl="0" indent="0" marL="0">
               <a:buNone/>
             </a:pPr>
             <a:r>
+              <a:rPr/>
               <a:t>Simulation Setup</a:t>
             </a:r>
           </a:p>
@@ -6295,90 +5757,94 @@
             </p:nvSpPr>
             <p:spPr/>
             <p:txBody>
-              <a:bodyPr>
-                <a:normAutofit lnSpcReduction="10000"/>
-              </a:bodyPr>
+              <a:bodyPr/>
               <a:lstStyle/>
               <a:p>
                 <a:pPr lvl="0"/>
                 <a:r>
+                  <a:rPr/>
                   <a:t>Approach: 3D PIC simulations with OSIRIS 3.0, tracking both MHD scales (jet radius R₀) and kinetic scales (gyroradius ρ)</a:t>
                 </a:r>
               </a:p>
               <a:p>
                 <a:pPr lvl="0"/>
                 <a:r>
+                  <a:rPr/>
                   <a:t>Parameters:</a:t>
                 </a:r>
               </a:p>
               <a:p>
                 <a:pPr lvl="1"/>
                 <a:r>
+                  <a:rPr/>
                   <a:t>Electron‑positron plasma in hydromagnetic equilibrium.</a:t>
                 </a:r>
               </a:p>
               <a:p>
                 <a:pPr lvl="1"/>
                 <a:r>
+                  <a:rPr/>
                   <a:t>Toroidal B‑field, magnetization </a:t>
                 </a:r>
                 <a14:m>
                   <m:oMath xmlns:m="http://schemas.openxmlformats.org/officeDocument/2006/math">
                     <m:r>
-                      <a:rPr>
-                        <a:latin typeface="Cambria Math" panose="02040503050406030204" pitchFamily="18" charset="0"/>
-                      </a:rPr>
-                      <m:t>𝜎</m:t>
+                      <m:t>σ</m:t>
                     </m:r>
                     <m:r>
-                      <a:rPr>
-                        <a:latin typeface="Cambria Math" panose="02040503050406030204" pitchFamily="18" charset="0"/>
-                      </a:rPr>
+                      <m:rPr>
+                        <m:sty m:val="p"/>
+                      </m:rPr>
                       <m:t>≡</m:t>
                     </m:r>
                     <m:r>
-                      <a:rPr>
-                        <a:latin typeface="Cambria Math" panose="02040503050406030204" pitchFamily="18" charset="0"/>
-                      </a:rPr>
-                      <m:t>𝐵</m:t>
+                      <m:t>B</m:t>
                     </m:r>
                     <m:r>
-                      <a:rPr>
-                        <a:latin typeface="Cambria Math" panose="02040503050406030204" pitchFamily="18" charset="0"/>
-                      </a:rPr>
-                      <m:t>₀²/</m:t>
+                      <m:rPr>
+                        <m:sty m:val="p"/>
+                      </m:rPr>
+                      <m:t>₀</m:t>
+                    </m:r>
+                    <m:r>
+                      <m:rPr>
+                        <m:sty m:val="p"/>
+                      </m:rPr>
+                      <m:t>²</m:t>
+                    </m:r>
+                    <m:r>
+                      <m:rPr>
+                        <m:sty m:val="p"/>
+                      </m:rPr>
+                      <m:t>/</m:t>
                     </m:r>
                     <m:d>
                       <m:dPr>
-                        <m:ctrlPr>
-                          <a:rPr i="1">
-                            <a:latin typeface="Cambria Math" panose="02040503050406030204" pitchFamily="18" charset="0"/>
-                          </a:rPr>
-                        </m:ctrlPr>
+                        <m:begChr m:val="("/>
+                        <m:endChr m:val=")"/>
+                        <m:sepChr m:val=""/>
+                        <m:grow/>
                       </m:dPr>
                       <m:e>
                         <m:r>
-                          <a:rPr>
-                            <a:latin typeface="Cambria Math" panose="02040503050406030204" pitchFamily="18" charset="0"/>
-                          </a:rPr>
                           <m:t>4</m:t>
                         </m:r>
                         <m:r>
-                          <a:rPr>
-                            <a:latin typeface="Cambria Math" panose="02040503050406030204" pitchFamily="18" charset="0"/>
-                          </a:rPr>
-                          <m:t>𝜋</m:t>
+                          <m:t>π</m:t>
                         </m:r>
                         <m:r>
-                          <a:rPr>
-                            <a:latin typeface="Cambria Math" panose="02040503050406030204" pitchFamily="18" charset="0"/>
-                          </a:rPr>
-                          <m:t>𝑛𝑚𝑐</m:t>
+                          <m:t>n</m:t>
                         </m:r>
                         <m:r>
-                          <a:rPr>
-                            <a:latin typeface="Cambria Math" panose="02040503050406030204" pitchFamily="18" charset="0"/>
-                          </a:rPr>
+                          <m:t>m</m:t>
+                        </m:r>
+                        <m:r>
+                          <m:t>c</m:t>
+                        </m:r>
+                        <m:r>
+                          <m:rPr>
+                            <m:sty m:val="p"/>
+                          </m:rPr>
                           <m:t>²</m:t>
                         </m:r>
                       </m:e>
@@ -6386,127 +5852,84 @@
                   </m:oMath>
                 </a14:m>
                 <a:r>
+                  <a:rPr/>
                   <a:t> up to σ = 25.</a:t>
                 </a:r>
               </a:p>
               <a:p>
                 <a:pPr lvl="1"/>
                 <a:r>
+                  <a:rPr/>
                   <a:t>Plasma current density </a:t>
                 </a:r>
                 <a14:m>
                   <m:oMath xmlns:m="http://schemas.openxmlformats.org/officeDocument/2006/math">
                     <m:r>
-                      <a:rPr>
-                        <a:latin typeface="Cambria Math" panose="02040503050406030204" pitchFamily="18" charset="0"/>
-                      </a:rPr>
-                      <m:t>𝐽</m:t>
-                    </m:r>
-                    <m:r>
-                      <a:rPr>
-                        <a:latin typeface="Cambria Math" panose="02040503050406030204" pitchFamily="18" charset="0"/>
-                      </a:rPr>
-                      <m:t>=</m:t>
-                    </m:r>
-                    <m:r>
-                      <a:rPr>
-                        <a:latin typeface="Cambria Math" panose="02040503050406030204" pitchFamily="18" charset="0"/>
-                      </a:rPr>
-                      <m:t>𝑐</m:t>
-                    </m:r>
-                    <m:r>
-                      <a:rPr>
-                        <a:latin typeface="Cambria Math" panose="02040503050406030204" pitchFamily="18" charset="0"/>
-                      </a:rPr>
-                      <m:t>/4</m:t>
-                    </m:r>
-                    <m:r>
-                      <a:rPr>
-                        <a:latin typeface="Cambria Math" panose="02040503050406030204" pitchFamily="18" charset="0"/>
-                      </a:rPr>
-                      <m:t>𝜋</m:t>
+                      <m:t>J</m:t>
                     </m:r>
                     <m:r>
                       <m:rPr>
                         <m:sty m:val="p"/>
                       </m:rPr>
-                      <a:rPr>
-                        <a:latin typeface="Cambria Math" panose="02040503050406030204" pitchFamily="18" charset="0"/>
-                      </a:rPr>
+                      <m:t>=</m:t>
+                    </m:r>
+                    <m:r>
+                      <m:t>c</m:t>
+                    </m:r>
+                    <m:r>
+                      <m:rPr>
+                        <m:sty m:val="p"/>
+                      </m:rPr>
+                      <m:t>/</m:t>
+                    </m:r>
+                    <m:r>
+                      <m:t>4</m:t>
+                    </m:r>
+                    <m:r>
+                      <m:t>π</m:t>
+                    </m:r>
+                    <m:r>
+                      <m:rPr>
+                        <m:sty m:val="p"/>
+                      </m:rPr>
                       <m:t>∇</m:t>
                     </m:r>
                     <m:r>
-                      <a:rPr>
-                        <a:latin typeface="Cambria Math" panose="02040503050406030204" pitchFamily="18" charset="0"/>
-                      </a:rPr>
+                      <m:rPr>
+                        <m:sty m:val="p"/>
+                      </m:rPr>
                       <m:t>×</m:t>
                     </m:r>
                     <m:r>
-                      <a:rPr>
-                        <a:latin typeface="Cambria Math" panose="02040503050406030204" pitchFamily="18" charset="0"/>
-                      </a:rPr>
-                      <m:t>𝐵</m:t>
+                      <m:t>B</m:t>
                     </m:r>
                   </m:oMath>
                 </a14:m>
                 <a:r>
+                  <a:rPr/>
                   <a:t> supported by symmetrically streaming electrons and positrons.</a:t>
                 </a:r>
               </a:p>
               <a:p>
                 <a:pPr lvl="1"/>
                 <a:r>
+                  <a:rPr/>
                   <a:t>Domain size ~ (10–20) R₀, resolving ρ with ≳10 cells.</a:t>
                 </a:r>
               </a:p>
               <a:p>
                 <a:pPr lvl="1"/>
                 <a:r>
+                  <a:rPr/>
                   <a:t>Up to 5.5×10¹¹ particles tracked.</a:t>
                 </a:r>
               </a:p>
             </p:txBody>
           </p:sp>
         </mc:Choice>
-        <mc:Fallback>
-          <p:sp>
-            <p:nvSpPr>
-              <p:cNvPr id="3" name="Content Placeholder 2"/>
-              <p:cNvSpPr>
-                <a:spLocks noGrp="1" noRot="1" noChangeAspect="1" noMove="1" noResize="1" noEditPoints="1" noAdjustHandles="1" noChangeArrowheads="1" noChangeShapeType="1" noTextEdit="1"/>
-              </p:cNvSpPr>
-              <p:nvPr>
-                <p:ph idx="1"/>
-              </p:nvPr>
-            </p:nvSpPr>
-            <p:spPr>
-              <a:blipFill>
-                <a:blip r:embed="rId2"/>
-                <a:stretch>
-                  <a:fillRect l="-1080" t="-2239"/>
-                </a:stretch>
-              </a:blipFill>
-            </p:spPr>
-            <p:txBody>
-              <a:bodyPr/>
-              <a:lstStyle/>
-              <a:p>
-                <a:r>
-                  <a:rPr lang="en-US">
-                    <a:noFill/>
-                  </a:rPr>
-                  <a:t> </a:t>
-                </a:r>
-              </a:p>
-            </p:txBody>
-          </p:sp>
-        </mc:Fallback>
       </mc:AlternateContent>
     </p:spTree>
   </p:cSld>
-  <p:clrMapOvr>
-    <a:masterClrMapping/>
-  </p:clrMapOvr>
 </p:sld>
 </file>
 

--- a/docs/blog/journal_club/2025-04-16_kink_instability/index.pptx
+++ b/docs/blog/journal_club/2025-04-16_kink_instability/index.pptx
@@ -3635,7 +3635,7 @@
             </a:pPr>
             <a:r>
               <a:rPr/>
-              <a:t>2025-04-16</a:t>
+              <a:t>2026-01-08</a:t>
             </a:r>
           </a:p>
         </p:txBody>
@@ -5274,8 +5274,8 @@
                       <m:d>
                         <m:dPr>
                           <m:begChr m:val="("/>
+                          <m:sepChr m:val=""/>
                           <m:endChr m:val=")"/>
-                          <m:sepChr m:val=""/>
                           <m:grow/>
                         </m:dPr>
                         <m:e>
@@ -5302,8 +5302,8 @@
                       <m:d>
                         <m:dPr>
                           <m:begChr m:val="("/>
+                          <m:sepChr m:val=""/>
                           <m:endChr m:val=")"/>
-                          <m:sepChr m:val=""/>
                           <m:grow/>
                         </m:dPr>
                         <m:e>
@@ -5325,8 +5325,8 @@
                           <m:d>
                             <m:dPr>
                               <m:begChr m:val="("/>
+                              <m:sepChr m:val=""/>
                               <m:endChr m:val=")"/>
-                              <m:sepChr m:val=""/>
                               <m:grow/>
                             </m:dPr>
                             <m:e>
@@ -5821,8 +5821,8 @@
                     <m:d>
                       <m:dPr>
                         <m:begChr m:val="("/>
+                        <m:sepChr m:val=""/>
                         <m:endChr m:val=")"/>
-                        <m:sepChr m:val=""/>
                         <m:grow/>
                       </m:dPr>
                       <m:e>
